--- a/docs/Worksheet Overview.pptx
+++ b/docs/Worksheet Overview.pptx
@@ -1,30 +1,30 @@
 
 <file path=ppt/presentation.xml><?xml version="1.0" encoding="utf-8"?>
-<p:presentation xmlns:a="http://schemas.openxmlformats.org/drawingml/2006/main" xmlns:r="http://schemas.openxmlformats.org/officeDocument/2006/relationships" xmlns:p="http://schemas.openxmlformats.org/presentationml/2006/main" saveSubsetFonts="1" autoCompressPictures="0">
+<p:presentation xmlns:a="http://schemas.openxmlformats.org/drawingml/2006/main" xmlns:r="http://schemas.openxmlformats.org/officeDocument/2006/relationships" xmlns:mc="http://schemas.openxmlformats.org/markup-compatibility/2006" xmlns:mv="urn:schemas-microsoft-com:mac:vml" xmlns:p="http://schemas.openxmlformats.org/presentationml/2006/main" xmlns:c="http://schemas.openxmlformats.org/drawingml/2006/chart" xmlns:dgm="http://schemas.openxmlformats.org/drawingml/2006/diagram" xmlns:o="urn:schemas-microsoft-com:office:office" xmlns:v="urn:schemas-microsoft-com:vml" xmlns:pvml="urn:schemas-microsoft-com:office:powerpoint" xmlns:com="http://schemas.openxmlformats.org/drawingml/2006/compatibility" xmlns:p14="http://schemas.microsoft.com/office/powerpoint/2010/main" saveSubsetFonts="1" autoCompressPictures="0" mc:PreserveAttributes="mv:*" mc:Ignorable="mv">
   <p:sldMasterIdLst>
-    <p:sldMasterId id="2147483654" r:id="rId1"/>
+    <p:sldMasterId id="2147483654" r:id="rId4"/>
   </p:sldMasterIdLst>
   <p:notesMasterIdLst>
-    <p:notesMasterId r:id="rId14"/>
+    <p:notesMasterId r:id="rId5"/>
   </p:notesMasterIdLst>
   <p:sldIdLst>
-    <p:sldId id="256" r:id="rId2"/>
-    <p:sldId id="257" r:id="rId3"/>
-    <p:sldId id="258" r:id="rId4"/>
-    <p:sldId id="259" r:id="rId5"/>
-    <p:sldId id="260" r:id="rId6"/>
-    <p:sldId id="261" r:id="rId7"/>
-    <p:sldId id="262" r:id="rId8"/>
-    <p:sldId id="263" r:id="rId9"/>
-    <p:sldId id="264" r:id="rId10"/>
-    <p:sldId id="265" r:id="rId11"/>
-    <p:sldId id="266" r:id="rId12"/>
-    <p:sldId id="267" r:id="rId13"/>
+    <p:sldId id="256" r:id="rId6"/>
+    <p:sldId id="257" r:id="rId7"/>
+    <p:sldId id="258" r:id="rId8"/>
+    <p:sldId id="259" r:id="rId9"/>
+    <p:sldId id="260" r:id="rId10"/>
+    <p:sldId id="261" r:id="rId11"/>
+    <p:sldId id="262" r:id="rId12"/>
+    <p:sldId id="263" r:id="rId13"/>
+    <p:sldId id="264" r:id="rId14"/>
+    <p:sldId id="265" r:id="rId15"/>
+    <p:sldId id="266" r:id="rId16"/>
+    <p:sldId id="267" r:id="rId17"/>
   </p:sldIdLst>
-  <p:sldSz cx="9144000" cy="5143500" type="screen16x9"/>
-  <p:notesSz cx="6858000" cy="9144000"/>
+  <p:sldSz cy="5143500" cx="9144000"/>
+  <p:notesSz cy="9144000" cx="6858000"/>
   <p:defaultTextStyle>
-    <a:defPPr marR="0" algn="l" rtl="0">
+    <a:defPPr algn="l" rtl="0" marR="0">
       <a:lnSpc>
         <a:spcPct val="100000"/>
       </a:lnSpc>
@@ -35,7 +35,7 @@
         <a:spcPts val="0"/>
       </a:spcAft>
     </a:defPPr>
-    <a:lvl1pPr marR="0" algn="l" rtl="0">
+    <a:lvl1pPr algn="l" rtl="0" marR="0">
       <a:lnSpc>
         <a:spcPct val="100000"/>
       </a:lnSpc>
@@ -46,7 +46,7 @@
         <a:spcPts val="0"/>
       </a:spcAft>
       <a:buNone/>
-      <a:defRPr sz="1400" b="0" i="0" u="none" strike="noStrike" cap="none" baseline="0">
+      <a:defRPr strike="noStrike" u="none" b="0" cap="none" baseline="0" sz="1400" i="0">
         <a:solidFill>
           <a:srgbClr val="000000"/>
         </a:solidFill>
@@ -57,7 +57,7 @@
         <a:rtl val="0"/>
       </a:defRPr>
     </a:lvl1pPr>
-    <a:lvl2pPr marR="0" algn="l" rtl="0">
+    <a:lvl2pPr algn="l" rtl="0" marR="0">
       <a:lnSpc>
         <a:spcPct val="100000"/>
       </a:lnSpc>
@@ -68,7 +68,7 @@
         <a:spcPts val="0"/>
       </a:spcAft>
       <a:buNone/>
-      <a:defRPr sz="1400" b="0" i="0" u="none" strike="noStrike" cap="none" baseline="0">
+      <a:defRPr strike="noStrike" u="none" b="0" cap="none" baseline="0" sz="1400" i="0">
         <a:solidFill>
           <a:srgbClr val="000000"/>
         </a:solidFill>
@@ -79,7 +79,7 @@
         <a:rtl val="0"/>
       </a:defRPr>
     </a:lvl2pPr>
-    <a:lvl3pPr marR="0" algn="l" rtl="0">
+    <a:lvl3pPr algn="l" rtl="0" marR="0">
       <a:lnSpc>
         <a:spcPct val="100000"/>
       </a:lnSpc>
@@ -90,7 +90,7 @@
         <a:spcPts val="0"/>
       </a:spcAft>
       <a:buNone/>
-      <a:defRPr sz="1400" b="0" i="0" u="none" strike="noStrike" cap="none" baseline="0">
+      <a:defRPr strike="noStrike" u="none" b="0" cap="none" baseline="0" sz="1400" i="0">
         <a:solidFill>
           <a:srgbClr val="000000"/>
         </a:solidFill>
@@ -101,7 +101,7 @@
         <a:rtl val="0"/>
       </a:defRPr>
     </a:lvl3pPr>
-    <a:lvl4pPr marR="0" algn="l" rtl="0">
+    <a:lvl4pPr algn="l" rtl="0" marR="0">
       <a:lnSpc>
         <a:spcPct val="100000"/>
       </a:lnSpc>
@@ -112,7 +112,7 @@
         <a:spcPts val="0"/>
       </a:spcAft>
       <a:buNone/>
-      <a:defRPr sz="1400" b="0" i="0" u="none" strike="noStrike" cap="none" baseline="0">
+      <a:defRPr strike="noStrike" u="none" b="0" cap="none" baseline="0" sz="1400" i="0">
         <a:solidFill>
           <a:srgbClr val="000000"/>
         </a:solidFill>
@@ -123,7 +123,7 @@
         <a:rtl val="0"/>
       </a:defRPr>
     </a:lvl4pPr>
-    <a:lvl5pPr marR="0" algn="l" rtl="0">
+    <a:lvl5pPr algn="l" rtl="0" marR="0">
       <a:lnSpc>
         <a:spcPct val="100000"/>
       </a:lnSpc>
@@ -134,7 +134,7 @@
         <a:spcPts val="0"/>
       </a:spcAft>
       <a:buNone/>
-      <a:defRPr sz="1400" b="0" i="0" u="none" strike="noStrike" cap="none" baseline="0">
+      <a:defRPr strike="noStrike" u="none" b="0" cap="none" baseline="0" sz="1400" i="0">
         <a:solidFill>
           <a:srgbClr val="000000"/>
         </a:solidFill>
@@ -145,7 +145,7 @@
         <a:rtl val="0"/>
       </a:defRPr>
     </a:lvl5pPr>
-    <a:lvl6pPr marR="0" algn="l" rtl="0">
+    <a:lvl6pPr algn="l" rtl="0" marR="0">
       <a:lnSpc>
         <a:spcPct val="100000"/>
       </a:lnSpc>
@@ -156,7 +156,7 @@
         <a:spcPts val="0"/>
       </a:spcAft>
       <a:buNone/>
-      <a:defRPr sz="1400" b="0" i="0" u="none" strike="noStrike" cap="none" baseline="0">
+      <a:defRPr strike="noStrike" u="none" b="0" cap="none" baseline="0" sz="1400" i="0">
         <a:solidFill>
           <a:srgbClr val="000000"/>
         </a:solidFill>
@@ -167,7 +167,7 @@
         <a:rtl val="0"/>
       </a:defRPr>
     </a:lvl6pPr>
-    <a:lvl7pPr marR="0" algn="l" rtl="0">
+    <a:lvl7pPr algn="l" rtl="0" marR="0">
       <a:lnSpc>
         <a:spcPct val="100000"/>
       </a:lnSpc>
@@ -178,7 +178,7 @@
         <a:spcPts val="0"/>
       </a:spcAft>
       <a:buNone/>
-      <a:defRPr sz="1400" b="0" i="0" u="none" strike="noStrike" cap="none" baseline="0">
+      <a:defRPr strike="noStrike" u="none" b="0" cap="none" baseline="0" sz="1400" i="0">
         <a:solidFill>
           <a:srgbClr val="000000"/>
         </a:solidFill>
@@ -189,7 +189,7 @@
         <a:rtl val="0"/>
       </a:defRPr>
     </a:lvl7pPr>
-    <a:lvl8pPr marR="0" algn="l" rtl="0">
+    <a:lvl8pPr algn="l" rtl="0" marR="0">
       <a:lnSpc>
         <a:spcPct val="100000"/>
       </a:lnSpc>
@@ -200,7 +200,7 @@
         <a:spcPts val="0"/>
       </a:spcAft>
       <a:buNone/>
-      <a:defRPr sz="1400" b="0" i="0" u="none" strike="noStrike" cap="none" baseline="0">
+      <a:defRPr strike="noStrike" u="none" b="0" cap="none" baseline="0" sz="1400" i="0">
         <a:solidFill>
           <a:srgbClr val="000000"/>
         </a:solidFill>
@@ -211,7 +211,7 @@
         <a:rtl val="0"/>
       </a:defRPr>
     </a:lvl8pPr>
-    <a:lvl9pPr marR="0" algn="l" rtl="0">
+    <a:lvl9pPr algn="l" rtl="0" marR="0">
       <a:lnSpc>
         <a:spcPct val="100000"/>
       </a:lnSpc>
@@ -222,7 +222,7 @@
         <a:spcPts val="0"/>
       </a:spcAft>
       <a:buNone/>
-      <a:defRPr sz="1400" b="0" i="0" u="none" strike="noStrike" cap="none" baseline="0">
+      <a:defRPr strike="noStrike" u="none" b="0" cap="none" baseline="0" sz="1400" i="0">
         <a:solidFill>
           <a:srgbClr val="000000"/>
         </a:solidFill>
@@ -238,13 +238,8 @@
 </file>
 
 <file path=ppt/notesMasters/notesMaster1.xml><?xml version="1.0" encoding="utf-8"?>
-<p:notesMaster xmlns:a="http://schemas.openxmlformats.org/drawingml/2006/main" xmlns:r="http://schemas.openxmlformats.org/officeDocument/2006/relationships" xmlns:p="http://schemas.openxmlformats.org/presentationml/2006/main">
+<p:notesMaster xmlns:a="http://schemas.openxmlformats.org/drawingml/2006/main" xmlns:r="http://schemas.openxmlformats.org/officeDocument/2006/relationships" xmlns:mc="http://schemas.openxmlformats.org/markup-compatibility/2006" xmlns:mv="urn:schemas-microsoft-com:mac:vml" xmlns:p="http://schemas.openxmlformats.org/presentationml/2006/main" xmlns:c="http://schemas.openxmlformats.org/drawingml/2006/chart" xmlns:dgm="http://schemas.openxmlformats.org/drawingml/2006/diagram" xmlns:o="urn:schemas-microsoft-com:office:office" xmlns:v="urn:schemas-microsoft-com:vml" xmlns:pvml="urn:schemas-microsoft-com:office:powerpoint" xmlns:com="http://schemas.openxmlformats.org/drawingml/2006/compatibility" xmlns:p14="http://schemas.microsoft.com/office/powerpoint/2010/main">
   <p:cSld>
-    <p:bg>
-      <p:bgRef idx="1001">
-        <a:schemeClr val="bg1"/>
-      </p:bgRef>
-    </p:bg>
     <p:spTree>
       <p:nvGrpSpPr>
         <p:cNvPr id="1" name="Shape 1"/>
@@ -253,46 +248,39 @@
       </p:nvGrpSpPr>
       <p:grpSpPr>
         <a:xfrm>
-          <a:off x="0" y="0"/>
-          <a:ext cx="0" cy="0"/>
-          <a:chOff x="0" y="0"/>
-          <a:chExt cx="0" cy="0"/>
+          <a:off y="0" x="0"/>
+          <a:ext cy="0" cx="0"/>
+          <a:chOff y="0" x="0"/>
+          <a:chExt cy="0" cx="0"/>
         </a:xfrm>
       </p:grpSpPr>
       <p:sp>
         <p:nvSpPr>
           <p:cNvPr id="2" name="Shape 2"/>
-          <p:cNvSpPr>
-            <a:spLocks noGrp="1" noRot="1" noChangeAspect="1"/>
-          </p:cNvSpPr>
+          <p:cNvSpPr/>
           <p:nvPr>
-            <p:ph type="sldImg" idx="2"/>
+            <p:ph idx="2" type="sldImg"/>
           </p:nvPr>
         </p:nvSpPr>
         <p:spPr>
           <a:xfrm>
-            <a:off x="1143225" y="685800"/>
-            <a:ext cx="4572225" cy="3429000"/>
+            <a:off y="685800" x="1143225"/>
+            <a:ext cy="3429000" cx="4572225"/>
           </a:xfrm>
           <a:custGeom>
-            <a:avLst/>
-            <a:gdLst/>
-            <a:ahLst/>
-            <a:cxnLst/>
-            <a:rect l="0" t="0" r="0" b="0"/>
             <a:pathLst>
-              <a:path w="120000" h="120000" extrusionOk="0">
+              <a:path w="120000" extrusionOk="0" h="120000">
                 <a:moveTo>
-                  <a:pt x="0" y="0"/>
+                  <a:pt y="0" x="0"/>
                 </a:moveTo>
                 <a:lnTo>
-                  <a:pt x="120000" y="0"/>
+                  <a:pt y="0" x="120000"/>
                 </a:lnTo>
                 <a:lnTo>
-                  <a:pt x="120000" y="120000"/>
+                  <a:pt y="120000" x="120000"/>
                 </a:lnTo>
                 <a:lnTo>
-                  <a:pt x="0" y="120000"/>
+                  <a:pt y="120000" x="0"/>
                 </a:lnTo>
                 <a:close/>
               </a:path>
@@ -303,24 +291,22 @@
       <p:sp>
         <p:nvSpPr>
           <p:cNvPr id="3" name="Shape 3"/>
-          <p:cNvSpPr txBox="1">
-            <a:spLocks noGrp="1"/>
-          </p:cNvSpPr>
+          <p:cNvSpPr txBox="1"/>
           <p:nvPr>
-            <p:ph type="body" idx="1"/>
+            <p:ph idx="1" type="body"/>
           </p:nvPr>
         </p:nvSpPr>
         <p:spPr>
           <a:xfrm>
-            <a:off x="685800" y="4343400"/>
-            <a:ext cx="5486399" cy="4114800"/>
+            <a:off y="4343400" x="685800"/>
+            <a:ext cy="4114800" cx="5486399"/>
           </a:xfrm>
           <a:prstGeom prst="rect">
             <a:avLst/>
           </a:prstGeom>
         </p:spPr>
         <p:txBody>
-          <a:bodyPr lIns="91425" tIns="91425" rIns="91425" bIns="91425" anchor="t" anchorCtr="0"/>
+          <a:bodyPr bIns="91425" rIns="91425" lIns="91425" tIns="91425" anchor="t" anchorCtr="0"/>
           <a:lstStyle>
             <a:lvl1pPr>
               <a:defRPr sz="1100"/>
@@ -350,165 +336,59 @@
               <a:defRPr sz="1100"/>
             </a:lvl9pPr>
           </a:lstStyle>
-          <a:p>
-            <a:endParaRPr/>
-          </a:p>
+          <a:p/>
         </p:txBody>
       </p:sp>
     </p:spTree>
-    <p:extLst>
-      <p:ext uri="{BB962C8B-B14F-4D97-AF65-F5344CB8AC3E}">
-        <p14:creationId xmlns:p14="http://schemas.microsoft.com/office/powerpoint/2010/main" val="811852907"/>
-      </p:ext>
-    </p:extLst>
   </p:cSld>
-  <p:clrMap bg1="lt1" tx1="dk1" bg2="dk2" tx2="lt2" accent1="accent1" accent2="accent2" accent3="accent3" accent4="accent4" accent5="accent5" accent6="accent6" hlink="hlink" folHlink="folHlink"/>
-  <p:notesStyle>
-    <a:lvl1pPr marL="0" algn="l" defTabSz="914400" rtl="0" eaLnBrk="1" latinLnBrk="0" hangingPunct="1">
-      <a:defRPr sz="1200" kern="1200">
-        <a:solidFill>
-          <a:schemeClr val="tx1"/>
-        </a:solidFill>
-        <a:latin typeface="+mn-lt"/>
-        <a:ea typeface="+mn-ea"/>
-        <a:cs typeface="+mn-cs"/>
-      </a:defRPr>
-    </a:lvl1pPr>
-    <a:lvl2pPr marL="457200" algn="l" defTabSz="914400" rtl="0" eaLnBrk="1" latinLnBrk="0" hangingPunct="1">
-      <a:defRPr sz="1200" kern="1200">
-        <a:solidFill>
-          <a:schemeClr val="tx1"/>
-        </a:solidFill>
-        <a:latin typeface="+mn-lt"/>
-        <a:ea typeface="+mn-ea"/>
-        <a:cs typeface="+mn-cs"/>
-      </a:defRPr>
-    </a:lvl2pPr>
-    <a:lvl3pPr marL="914400" algn="l" defTabSz="914400" rtl="0" eaLnBrk="1" latinLnBrk="0" hangingPunct="1">
-      <a:defRPr sz="1200" kern="1200">
-        <a:solidFill>
-          <a:schemeClr val="tx1"/>
-        </a:solidFill>
-        <a:latin typeface="+mn-lt"/>
-        <a:ea typeface="+mn-ea"/>
-        <a:cs typeface="+mn-cs"/>
-      </a:defRPr>
-    </a:lvl3pPr>
-    <a:lvl4pPr marL="1371600" algn="l" defTabSz="914400" rtl="0" eaLnBrk="1" latinLnBrk="0" hangingPunct="1">
-      <a:defRPr sz="1200" kern="1200">
-        <a:solidFill>
-          <a:schemeClr val="tx1"/>
-        </a:solidFill>
-        <a:latin typeface="+mn-lt"/>
-        <a:ea typeface="+mn-ea"/>
-        <a:cs typeface="+mn-cs"/>
-      </a:defRPr>
-    </a:lvl4pPr>
-    <a:lvl5pPr marL="1828800" algn="l" defTabSz="914400" rtl="0" eaLnBrk="1" latinLnBrk="0" hangingPunct="1">
-      <a:defRPr sz="1200" kern="1200">
-        <a:solidFill>
-          <a:schemeClr val="tx1"/>
-        </a:solidFill>
-        <a:latin typeface="+mn-lt"/>
-        <a:ea typeface="+mn-ea"/>
-        <a:cs typeface="+mn-cs"/>
-      </a:defRPr>
-    </a:lvl5pPr>
-    <a:lvl6pPr marL="2286000" algn="l" defTabSz="914400" rtl="0" eaLnBrk="1" latinLnBrk="0" hangingPunct="1">
-      <a:defRPr sz="1200" kern="1200">
-        <a:solidFill>
-          <a:schemeClr val="tx1"/>
-        </a:solidFill>
-        <a:latin typeface="+mn-lt"/>
-        <a:ea typeface="+mn-ea"/>
-        <a:cs typeface="+mn-cs"/>
-      </a:defRPr>
-    </a:lvl6pPr>
-    <a:lvl7pPr marL="2743200" algn="l" defTabSz="914400" rtl="0" eaLnBrk="1" latinLnBrk="0" hangingPunct="1">
-      <a:defRPr sz="1200" kern="1200">
-        <a:solidFill>
-          <a:schemeClr val="tx1"/>
-        </a:solidFill>
-        <a:latin typeface="+mn-lt"/>
-        <a:ea typeface="+mn-ea"/>
-        <a:cs typeface="+mn-cs"/>
-      </a:defRPr>
-    </a:lvl7pPr>
-    <a:lvl8pPr marL="3200400" algn="l" defTabSz="914400" rtl="0" eaLnBrk="1" latinLnBrk="0" hangingPunct="1">
-      <a:defRPr sz="1200" kern="1200">
-        <a:solidFill>
-          <a:schemeClr val="tx1"/>
-        </a:solidFill>
-        <a:latin typeface="+mn-lt"/>
-        <a:ea typeface="+mn-ea"/>
-        <a:cs typeface="+mn-cs"/>
-      </a:defRPr>
-    </a:lvl8pPr>
-    <a:lvl9pPr marL="3657600" algn="l" defTabSz="914400" rtl="0" eaLnBrk="1" latinLnBrk="0" hangingPunct="1">
-      <a:defRPr sz="1200" kern="1200">
-        <a:solidFill>
-          <a:schemeClr val="tx1"/>
-        </a:solidFill>
-        <a:latin typeface="+mn-lt"/>
-        <a:ea typeface="+mn-ea"/>
-        <a:cs typeface="+mn-cs"/>
-      </a:defRPr>
-    </a:lvl9pPr>
-  </p:notesStyle>
+  <p:clrMap accent2="accent2" accent3="accent3" accent4="accent4" accent5="accent5" accent6="accent6" hlink="hlink" tx2="lt2" tx1="dk1" bg2="dk2" bg1="lt1" folHlink="folHlink" accent1="accent1"/>
 </p:notesMaster>
 </file>
 
 <file path=ppt/notesSlides/notesSlide1.xml><?xml version="1.0" encoding="utf-8"?>
-<p:notes xmlns:a="http://schemas.openxmlformats.org/drawingml/2006/main" xmlns:r="http://schemas.openxmlformats.org/officeDocument/2006/relationships" xmlns:p="http://schemas.openxmlformats.org/presentationml/2006/main" showMasterSp="0" showMasterPhAnim="0">
+<p:notes xmlns:a="http://schemas.openxmlformats.org/drawingml/2006/main" xmlns:r="http://schemas.openxmlformats.org/officeDocument/2006/relationships" xmlns:mc="http://schemas.openxmlformats.org/markup-compatibility/2006" xmlns:mv="urn:schemas-microsoft-com:mac:vml" xmlns:p="http://schemas.openxmlformats.org/presentationml/2006/main" xmlns:c="http://schemas.openxmlformats.org/drawingml/2006/chart" xmlns:dgm="http://schemas.openxmlformats.org/drawingml/2006/diagram" xmlns:o="urn:schemas-microsoft-com:office:office" xmlns:v="urn:schemas-microsoft-com:vml" xmlns:pvml="urn:schemas-microsoft-com:office:powerpoint" xmlns:com="http://schemas.openxmlformats.org/drawingml/2006/compatibility" xmlns:p14="http://schemas.microsoft.com/office/powerpoint/2010/main" showMasterSp="0" showMasterPhAnim="0">
   <p:cSld>
     <p:spTree>
       <p:nvGrpSpPr>
-        <p:cNvPr id="1" name="Shape 35"/>
+        <p:cNvPr id="35" name="Shape 35"/>
         <p:cNvGrpSpPr/>
         <p:nvPr/>
       </p:nvGrpSpPr>
       <p:grpSpPr>
         <a:xfrm>
-          <a:off x="0" y="0"/>
-          <a:ext cx="0" cy="0"/>
-          <a:chOff x="0" y="0"/>
-          <a:chExt cx="0" cy="0"/>
+          <a:off y="0" x="0"/>
+          <a:ext cy="0" cx="0"/>
+          <a:chOff y="0" x="0"/>
+          <a:chExt cy="0" cx="0"/>
         </a:xfrm>
       </p:grpSpPr>
       <p:sp>
         <p:nvSpPr>
           <p:cNvPr id="36" name="Shape 36"/>
-          <p:cNvSpPr>
-            <a:spLocks noGrp="1" noRot="1" noChangeAspect="1"/>
-          </p:cNvSpPr>
+          <p:cNvSpPr/>
           <p:nvPr>
-            <p:ph type="sldImg" idx="2"/>
+            <p:ph idx="2" type="sldImg"/>
           </p:nvPr>
         </p:nvSpPr>
         <p:spPr>
           <a:xfrm>
-            <a:off x="1143225" y="685800"/>
-            <a:ext cx="4572225" cy="3429000"/>
+            <a:off y="685800" x="1143225"/>
+            <a:ext cy="3429000" cx="4572225"/>
           </a:xfrm>
           <a:custGeom>
-            <a:avLst/>
-            <a:gdLst/>
-            <a:ahLst/>
-            <a:cxnLst/>
-            <a:rect l="0" t="0" r="0" b="0"/>
             <a:pathLst>
-              <a:path w="120000" h="120000" extrusionOk="0">
+              <a:path w="120000" extrusionOk="0" h="120000">
                 <a:moveTo>
-                  <a:pt x="0" y="0"/>
+                  <a:pt y="0" x="0"/>
                 </a:moveTo>
                 <a:lnTo>
-                  <a:pt x="120000" y="0"/>
+                  <a:pt y="0" x="120000"/>
                 </a:lnTo>
                 <a:lnTo>
-                  <a:pt x="120000" y="120000"/>
+                  <a:pt y="120000" x="120000"/>
                 </a:lnTo>
                 <a:lnTo>
-                  <a:pt x="0" y="120000"/>
+                  <a:pt y="120000" x="0"/>
                 </a:lnTo>
                 <a:close/>
               </a:path>
@@ -519,38 +399,29 @@
       <p:sp>
         <p:nvSpPr>
           <p:cNvPr id="37" name="Shape 37"/>
-          <p:cNvSpPr txBox="1">
-            <a:spLocks noGrp="1"/>
-          </p:cNvSpPr>
+          <p:cNvSpPr txBox="1"/>
           <p:nvPr>
-            <p:ph type="body" idx="1"/>
+            <p:ph idx="1" type="body"/>
           </p:nvPr>
         </p:nvSpPr>
         <p:spPr>
           <a:xfrm>
-            <a:off x="685800" y="4343400"/>
-            <a:ext cx="5486399" cy="4114800"/>
+            <a:off y="4343400" x="685800"/>
+            <a:ext cy="4114800" cx="5486399"/>
           </a:xfrm>
           <a:prstGeom prst="rect">
             <a:avLst/>
           </a:prstGeom>
         </p:spPr>
         <p:txBody>
-          <a:bodyPr lIns="91425" tIns="91425" rIns="91425" bIns="91425" anchor="t" anchorCtr="0">
+          <a:bodyPr bIns="91425" rIns="91425" lIns="91425" tIns="91425" anchor="t" anchorCtr="0">
             <a:noAutofit/>
           </a:bodyPr>
           <a:lstStyle/>
-          <a:p>
-            <a:endParaRPr/>
-          </a:p>
+          <a:p/>
         </p:txBody>
       </p:sp>
     </p:spTree>
-    <p:extLst>
-      <p:ext uri="{BB962C8B-B14F-4D97-AF65-F5344CB8AC3E}">
-        <p14:creationId xmlns:p14="http://schemas.microsoft.com/office/powerpoint/2010/main" val="4004784716"/>
-      </p:ext>
-    </p:extLst>
   </p:cSld>
   <p:clrMapOvr>
     <a:masterClrMapping/>
@@ -559,56 +430,49 @@
 </file>
 
 <file path=ppt/notesSlides/notesSlide10.xml><?xml version="1.0" encoding="utf-8"?>
-<p:notes xmlns:a="http://schemas.openxmlformats.org/drawingml/2006/main" xmlns:r="http://schemas.openxmlformats.org/officeDocument/2006/relationships" xmlns:p="http://schemas.openxmlformats.org/presentationml/2006/main" showMasterSp="0" showMasterPhAnim="0">
+<p:notes xmlns:a="http://schemas.openxmlformats.org/drawingml/2006/main" xmlns:r="http://schemas.openxmlformats.org/officeDocument/2006/relationships" xmlns:mc="http://schemas.openxmlformats.org/markup-compatibility/2006" xmlns:mv="urn:schemas-microsoft-com:mac:vml" xmlns:p="http://schemas.openxmlformats.org/presentationml/2006/main" xmlns:c="http://schemas.openxmlformats.org/drawingml/2006/chart" xmlns:dgm="http://schemas.openxmlformats.org/drawingml/2006/diagram" xmlns:o="urn:schemas-microsoft-com:office:office" xmlns:v="urn:schemas-microsoft-com:vml" xmlns:pvml="urn:schemas-microsoft-com:office:powerpoint" xmlns:com="http://schemas.openxmlformats.org/drawingml/2006/compatibility" xmlns:p14="http://schemas.microsoft.com/office/powerpoint/2010/main" showMasterSp="0" showMasterPhAnim="0">
   <p:cSld>
     <p:spTree>
       <p:nvGrpSpPr>
-        <p:cNvPr id="1" name="Shape 90"/>
+        <p:cNvPr id="90" name="Shape 90"/>
         <p:cNvGrpSpPr/>
         <p:nvPr/>
       </p:nvGrpSpPr>
       <p:grpSpPr>
         <a:xfrm>
-          <a:off x="0" y="0"/>
-          <a:ext cx="0" cy="0"/>
-          <a:chOff x="0" y="0"/>
-          <a:chExt cx="0" cy="0"/>
+          <a:off y="0" x="0"/>
+          <a:ext cy="0" cx="0"/>
+          <a:chOff y="0" x="0"/>
+          <a:chExt cy="0" cx="0"/>
         </a:xfrm>
       </p:grpSpPr>
       <p:sp>
         <p:nvSpPr>
           <p:cNvPr id="91" name="Shape 91"/>
-          <p:cNvSpPr>
-            <a:spLocks noGrp="1" noRot="1" noChangeAspect="1"/>
-          </p:cNvSpPr>
+          <p:cNvSpPr/>
           <p:nvPr>
-            <p:ph type="sldImg" idx="2"/>
+            <p:ph idx="2" type="sldImg"/>
           </p:nvPr>
         </p:nvSpPr>
         <p:spPr>
           <a:xfrm>
-            <a:off x="1143225" y="685800"/>
-            <a:ext cx="4572299" cy="3429000"/>
+            <a:off y="685800" x="1143225"/>
+            <a:ext cy="3429000" cx="4572299"/>
           </a:xfrm>
           <a:custGeom>
-            <a:avLst/>
-            <a:gdLst/>
-            <a:ahLst/>
-            <a:cxnLst/>
-            <a:rect l="0" t="0" r="0" b="0"/>
             <a:pathLst>
-              <a:path w="120000" h="120000" extrusionOk="0">
+              <a:path w="120000" extrusionOk="0" h="120000">
                 <a:moveTo>
-                  <a:pt x="0" y="0"/>
+                  <a:pt y="0" x="0"/>
                 </a:moveTo>
                 <a:lnTo>
-                  <a:pt x="120000" y="0"/>
+                  <a:pt y="0" x="120000"/>
                 </a:lnTo>
                 <a:lnTo>
-                  <a:pt x="120000" y="120000"/>
+                  <a:pt y="120000" x="120000"/>
                 </a:lnTo>
                 <a:lnTo>
-                  <a:pt x="0" y="120000"/>
+                  <a:pt y="120000" x="0"/>
                 </a:lnTo>
                 <a:close/>
               </a:path>
@@ -619,38 +483,29 @@
       <p:sp>
         <p:nvSpPr>
           <p:cNvPr id="92" name="Shape 92"/>
-          <p:cNvSpPr txBox="1">
-            <a:spLocks noGrp="1"/>
-          </p:cNvSpPr>
+          <p:cNvSpPr txBox="1"/>
           <p:nvPr>
-            <p:ph type="body" idx="1"/>
+            <p:ph idx="1" type="body"/>
           </p:nvPr>
         </p:nvSpPr>
         <p:spPr>
           <a:xfrm>
-            <a:off x="685800" y="4343400"/>
-            <a:ext cx="5486399" cy="4114800"/>
+            <a:off y="4343400" x="685800"/>
+            <a:ext cy="4114800" cx="5486399"/>
           </a:xfrm>
           <a:prstGeom prst="rect">
             <a:avLst/>
           </a:prstGeom>
         </p:spPr>
         <p:txBody>
-          <a:bodyPr lIns="91425" tIns="91425" rIns="91425" bIns="91425" anchor="t" anchorCtr="0">
+          <a:bodyPr bIns="91425" rIns="91425" lIns="91425" tIns="91425" anchor="t" anchorCtr="0">
             <a:noAutofit/>
           </a:bodyPr>
           <a:lstStyle/>
-          <a:p>
-            <a:endParaRPr/>
-          </a:p>
+          <a:p/>
         </p:txBody>
       </p:sp>
     </p:spTree>
-    <p:extLst>
-      <p:ext uri="{BB962C8B-B14F-4D97-AF65-F5344CB8AC3E}">
-        <p14:creationId xmlns:p14="http://schemas.microsoft.com/office/powerpoint/2010/main" val="2797158016"/>
-      </p:ext>
-    </p:extLst>
   </p:cSld>
   <p:clrMapOvr>
     <a:masterClrMapping/>
@@ -659,56 +514,49 @@
 </file>
 
 <file path=ppt/notesSlides/notesSlide11.xml><?xml version="1.0" encoding="utf-8"?>
-<p:notes xmlns:a="http://schemas.openxmlformats.org/drawingml/2006/main" xmlns:r="http://schemas.openxmlformats.org/officeDocument/2006/relationships" xmlns:p="http://schemas.openxmlformats.org/presentationml/2006/main" showMasterSp="0" showMasterPhAnim="0">
+<p:notes xmlns:a="http://schemas.openxmlformats.org/drawingml/2006/main" xmlns:r="http://schemas.openxmlformats.org/officeDocument/2006/relationships" xmlns:mc="http://schemas.openxmlformats.org/markup-compatibility/2006" xmlns:mv="urn:schemas-microsoft-com:mac:vml" xmlns:p="http://schemas.openxmlformats.org/presentationml/2006/main" xmlns:c="http://schemas.openxmlformats.org/drawingml/2006/chart" xmlns:dgm="http://schemas.openxmlformats.org/drawingml/2006/diagram" xmlns:o="urn:schemas-microsoft-com:office:office" xmlns:v="urn:schemas-microsoft-com:vml" xmlns:pvml="urn:schemas-microsoft-com:office:powerpoint" xmlns:com="http://schemas.openxmlformats.org/drawingml/2006/compatibility" xmlns:p14="http://schemas.microsoft.com/office/powerpoint/2010/main" showMasterSp="0" showMasterPhAnim="0">
   <p:cSld>
     <p:spTree>
       <p:nvGrpSpPr>
-        <p:cNvPr id="1" name="Shape 96"/>
+        <p:cNvPr id="96" name="Shape 96"/>
         <p:cNvGrpSpPr/>
         <p:nvPr/>
       </p:nvGrpSpPr>
       <p:grpSpPr>
         <a:xfrm>
-          <a:off x="0" y="0"/>
-          <a:ext cx="0" cy="0"/>
-          <a:chOff x="0" y="0"/>
-          <a:chExt cx="0" cy="0"/>
+          <a:off y="0" x="0"/>
+          <a:ext cy="0" cx="0"/>
+          <a:chOff y="0" x="0"/>
+          <a:chExt cy="0" cx="0"/>
         </a:xfrm>
       </p:grpSpPr>
       <p:sp>
         <p:nvSpPr>
           <p:cNvPr id="97" name="Shape 97"/>
-          <p:cNvSpPr>
-            <a:spLocks noGrp="1" noRot="1" noChangeAspect="1"/>
-          </p:cNvSpPr>
+          <p:cNvSpPr/>
           <p:nvPr>
-            <p:ph type="sldImg" idx="2"/>
+            <p:ph idx="2" type="sldImg"/>
           </p:nvPr>
         </p:nvSpPr>
         <p:spPr>
           <a:xfrm>
-            <a:off x="1143225" y="685800"/>
-            <a:ext cx="4572299" cy="3429000"/>
+            <a:off y="685800" x="1143225"/>
+            <a:ext cy="3429000" cx="4572299"/>
           </a:xfrm>
           <a:custGeom>
-            <a:avLst/>
-            <a:gdLst/>
-            <a:ahLst/>
-            <a:cxnLst/>
-            <a:rect l="0" t="0" r="0" b="0"/>
             <a:pathLst>
-              <a:path w="120000" h="120000" extrusionOk="0">
+              <a:path w="120000" extrusionOk="0" h="120000">
                 <a:moveTo>
-                  <a:pt x="0" y="0"/>
+                  <a:pt y="0" x="0"/>
                 </a:moveTo>
                 <a:lnTo>
-                  <a:pt x="120000" y="0"/>
+                  <a:pt y="0" x="120000"/>
                 </a:lnTo>
                 <a:lnTo>
-                  <a:pt x="120000" y="120000"/>
+                  <a:pt y="120000" x="120000"/>
                 </a:lnTo>
                 <a:lnTo>
-                  <a:pt x="0" y="120000"/>
+                  <a:pt y="120000" x="0"/>
                 </a:lnTo>
                 <a:close/>
               </a:path>
@@ -719,38 +567,29 @@
       <p:sp>
         <p:nvSpPr>
           <p:cNvPr id="98" name="Shape 98"/>
-          <p:cNvSpPr txBox="1">
-            <a:spLocks noGrp="1"/>
-          </p:cNvSpPr>
+          <p:cNvSpPr txBox="1"/>
           <p:nvPr>
-            <p:ph type="body" idx="1"/>
+            <p:ph idx="1" type="body"/>
           </p:nvPr>
         </p:nvSpPr>
         <p:spPr>
           <a:xfrm>
-            <a:off x="685800" y="4343400"/>
-            <a:ext cx="5486399" cy="4114800"/>
+            <a:off y="4343400" x="685800"/>
+            <a:ext cy="4114800" cx="5486399"/>
           </a:xfrm>
           <a:prstGeom prst="rect">
             <a:avLst/>
           </a:prstGeom>
         </p:spPr>
         <p:txBody>
-          <a:bodyPr lIns="91425" tIns="91425" rIns="91425" bIns="91425" anchor="t" anchorCtr="0">
+          <a:bodyPr bIns="91425" rIns="91425" lIns="91425" tIns="91425" anchor="t" anchorCtr="0">
             <a:noAutofit/>
           </a:bodyPr>
           <a:lstStyle/>
-          <a:p>
-            <a:endParaRPr/>
-          </a:p>
+          <a:p/>
         </p:txBody>
       </p:sp>
     </p:spTree>
-    <p:extLst>
-      <p:ext uri="{BB962C8B-B14F-4D97-AF65-F5344CB8AC3E}">
-        <p14:creationId xmlns:p14="http://schemas.microsoft.com/office/powerpoint/2010/main" val="2239589407"/>
-      </p:ext>
-    </p:extLst>
   </p:cSld>
   <p:clrMapOvr>
     <a:masterClrMapping/>
@@ -759,56 +598,49 @@
 </file>
 
 <file path=ppt/notesSlides/notesSlide12.xml><?xml version="1.0" encoding="utf-8"?>
-<p:notes xmlns:a="http://schemas.openxmlformats.org/drawingml/2006/main" xmlns:r="http://schemas.openxmlformats.org/officeDocument/2006/relationships" xmlns:p="http://schemas.openxmlformats.org/presentationml/2006/main" showMasterSp="0" showMasterPhAnim="0">
+<p:notes xmlns:a="http://schemas.openxmlformats.org/drawingml/2006/main" xmlns:r="http://schemas.openxmlformats.org/officeDocument/2006/relationships" xmlns:mc="http://schemas.openxmlformats.org/markup-compatibility/2006" xmlns:mv="urn:schemas-microsoft-com:mac:vml" xmlns:p="http://schemas.openxmlformats.org/presentationml/2006/main" xmlns:c="http://schemas.openxmlformats.org/drawingml/2006/chart" xmlns:dgm="http://schemas.openxmlformats.org/drawingml/2006/diagram" xmlns:o="urn:schemas-microsoft-com:office:office" xmlns:v="urn:schemas-microsoft-com:vml" xmlns:pvml="urn:schemas-microsoft-com:office:powerpoint" xmlns:com="http://schemas.openxmlformats.org/drawingml/2006/compatibility" xmlns:p14="http://schemas.microsoft.com/office/powerpoint/2010/main" showMasterSp="0" showMasterPhAnim="0">
   <p:cSld>
     <p:spTree>
       <p:nvGrpSpPr>
-        <p:cNvPr id="1" name="Shape 102"/>
+        <p:cNvPr id="102" name="Shape 102"/>
         <p:cNvGrpSpPr/>
         <p:nvPr/>
       </p:nvGrpSpPr>
       <p:grpSpPr>
         <a:xfrm>
-          <a:off x="0" y="0"/>
-          <a:ext cx="0" cy="0"/>
-          <a:chOff x="0" y="0"/>
-          <a:chExt cx="0" cy="0"/>
+          <a:off y="0" x="0"/>
+          <a:ext cy="0" cx="0"/>
+          <a:chOff y="0" x="0"/>
+          <a:chExt cy="0" cx="0"/>
         </a:xfrm>
       </p:grpSpPr>
       <p:sp>
         <p:nvSpPr>
           <p:cNvPr id="103" name="Shape 103"/>
-          <p:cNvSpPr>
-            <a:spLocks noGrp="1" noRot="1" noChangeAspect="1"/>
-          </p:cNvSpPr>
+          <p:cNvSpPr/>
           <p:nvPr>
-            <p:ph type="sldImg" idx="2"/>
+            <p:ph idx="2" type="sldImg"/>
           </p:nvPr>
         </p:nvSpPr>
         <p:spPr>
           <a:xfrm>
-            <a:off x="1143225" y="685800"/>
-            <a:ext cx="4572299" cy="3429000"/>
+            <a:off y="685800" x="1143225"/>
+            <a:ext cy="3429000" cx="4572299"/>
           </a:xfrm>
           <a:custGeom>
-            <a:avLst/>
-            <a:gdLst/>
-            <a:ahLst/>
-            <a:cxnLst/>
-            <a:rect l="0" t="0" r="0" b="0"/>
             <a:pathLst>
-              <a:path w="120000" h="120000" extrusionOk="0">
+              <a:path w="120000" extrusionOk="0" h="120000">
                 <a:moveTo>
-                  <a:pt x="0" y="0"/>
+                  <a:pt y="0" x="0"/>
                 </a:moveTo>
                 <a:lnTo>
-                  <a:pt x="120000" y="0"/>
+                  <a:pt y="0" x="120000"/>
                 </a:lnTo>
                 <a:lnTo>
-                  <a:pt x="120000" y="120000"/>
+                  <a:pt y="120000" x="120000"/>
                 </a:lnTo>
                 <a:lnTo>
-                  <a:pt x="0" y="120000"/>
+                  <a:pt y="120000" x="0"/>
                 </a:lnTo>
                 <a:close/>
               </a:path>
@@ -819,38 +651,29 @@
       <p:sp>
         <p:nvSpPr>
           <p:cNvPr id="104" name="Shape 104"/>
-          <p:cNvSpPr txBox="1">
-            <a:spLocks noGrp="1"/>
-          </p:cNvSpPr>
+          <p:cNvSpPr txBox="1"/>
           <p:nvPr>
-            <p:ph type="body" idx="1"/>
+            <p:ph idx="1" type="body"/>
           </p:nvPr>
         </p:nvSpPr>
         <p:spPr>
           <a:xfrm>
-            <a:off x="685800" y="4343400"/>
-            <a:ext cx="5486399" cy="4114800"/>
+            <a:off y="4343400" x="685800"/>
+            <a:ext cy="4114800" cx="5486399"/>
           </a:xfrm>
           <a:prstGeom prst="rect">
             <a:avLst/>
           </a:prstGeom>
         </p:spPr>
         <p:txBody>
-          <a:bodyPr lIns="91425" tIns="91425" rIns="91425" bIns="91425" anchor="t" anchorCtr="0">
+          <a:bodyPr bIns="91425" rIns="91425" lIns="91425" tIns="91425" anchor="t" anchorCtr="0">
             <a:noAutofit/>
           </a:bodyPr>
           <a:lstStyle/>
-          <a:p>
-            <a:endParaRPr/>
-          </a:p>
+          <a:p/>
         </p:txBody>
       </p:sp>
     </p:spTree>
-    <p:extLst>
-      <p:ext uri="{BB962C8B-B14F-4D97-AF65-F5344CB8AC3E}">
-        <p14:creationId xmlns:p14="http://schemas.microsoft.com/office/powerpoint/2010/main" val="1219823888"/>
-      </p:ext>
-    </p:extLst>
   </p:cSld>
   <p:clrMapOvr>
     <a:masterClrMapping/>
@@ -859,56 +682,49 @@
 </file>
 
 <file path=ppt/notesSlides/notesSlide2.xml><?xml version="1.0" encoding="utf-8"?>
-<p:notes xmlns:a="http://schemas.openxmlformats.org/drawingml/2006/main" xmlns:r="http://schemas.openxmlformats.org/officeDocument/2006/relationships" xmlns:p="http://schemas.openxmlformats.org/presentationml/2006/main" showMasterSp="0" showMasterPhAnim="0">
+<p:notes xmlns:a="http://schemas.openxmlformats.org/drawingml/2006/main" xmlns:r="http://schemas.openxmlformats.org/officeDocument/2006/relationships" xmlns:mc="http://schemas.openxmlformats.org/markup-compatibility/2006" xmlns:mv="urn:schemas-microsoft-com:mac:vml" xmlns:p="http://schemas.openxmlformats.org/presentationml/2006/main" xmlns:c="http://schemas.openxmlformats.org/drawingml/2006/chart" xmlns:dgm="http://schemas.openxmlformats.org/drawingml/2006/diagram" xmlns:o="urn:schemas-microsoft-com:office:office" xmlns:v="urn:schemas-microsoft-com:vml" xmlns:pvml="urn:schemas-microsoft-com:office:powerpoint" xmlns:com="http://schemas.openxmlformats.org/drawingml/2006/compatibility" xmlns:p14="http://schemas.microsoft.com/office/powerpoint/2010/main" showMasterSp="0" showMasterPhAnim="0">
   <p:cSld>
     <p:spTree>
       <p:nvGrpSpPr>
-        <p:cNvPr id="1" name="Shape 42"/>
+        <p:cNvPr id="42" name="Shape 42"/>
         <p:cNvGrpSpPr/>
         <p:nvPr/>
       </p:nvGrpSpPr>
       <p:grpSpPr>
         <a:xfrm>
-          <a:off x="0" y="0"/>
-          <a:ext cx="0" cy="0"/>
-          <a:chOff x="0" y="0"/>
-          <a:chExt cx="0" cy="0"/>
+          <a:off y="0" x="0"/>
+          <a:ext cy="0" cx="0"/>
+          <a:chOff y="0" x="0"/>
+          <a:chExt cy="0" cx="0"/>
         </a:xfrm>
       </p:grpSpPr>
       <p:sp>
         <p:nvSpPr>
           <p:cNvPr id="43" name="Shape 43"/>
-          <p:cNvSpPr>
-            <a:spLocks noGrp="1" noRot="1" noChangeAspect="1"/>
-          </p:cNvSpPr>
+          <p:cNvSpPr/>
           <p:nvPr>
-            <p:ph type="sldImg" idx="2"/>
+            <p:ph idx="2" type="sldImg"/>
           </p:nvPr>
         </p:nvSpPr>
         <p:spPr>
           <a:xfrm>
-            <a:off x="1143225" y="685800"/>
-            <a:ext cx="4572299" cy="3429000"/>
+            <a:off y="685800" x="1143225"/>
+            <a:ext cy="3429000" cx="4572299"/>
           </a:xfrm>
           <a:custGeom>
-            <a:avLst/>
-            <a:gdLst/>
-            <a:ahLst/>
-            <a:cxnLst/>
-            <a:rect l="0" t="0" r="0" b="0"/>
             <a:pathLst>
-              <a:path w="120000" h="120000" extrusionOk="0">
+              <a:path w="120000" extrusionOk="0" h="120000">
                 <a:moveTo>
-                  <a:pt x="0" y="0"/>
+                  <a:pt y="0" x="0"/>
                 </a:moveTo>
                 <a:lnTo>
-                  <a:pt x="120000" y="0"/>
+                  <a:pt y="0" x="120000"/>
                 </a:lnTo>
                 <a:lnTo>
-                  <a:pt x="120000" y="120000"/>
+                  <a:pt y="120000" x="120000"/>
                 </a:lnTo>
                 <a:lnTo>
-                  <a:pt x="0" y="120000"/>
+                  <a:pt y="120000" x="0"/>
                 </a:lnTo>
                 <a:close/>
               </a:path>
@@ -919,38 +735,29 @@
       <p:sp>
         <p:nvSpPr>
           <p:cNvPr id="44" name="Shape 44"/>
-          <p:cNvSpPr txBox="1">
-            <a:spLocks noGrp="1"/>
-          </p:cNvSpPr>
+          <p:cNvSpPr txBox="1"/>
           <p:nvPr>
-            <p:ph type="body" idx="1"/>
+            <p:ph idx="1" type="body"/>
           </p:nvPr>
         </p:nvSpPr>
         <p:spPr>
           <a:xfrm>
-            <a:off x="685800" y="4343400"/>
-            <a:ext cx="5486399" cy="4114800"/>
+            <a:off y="4343400" x="685800"/>
+            <a:ext cy="4114800" cx="5486399"/>
           </a:xfrm>
           <a:prstGeom prst="rect">
             <a:avLst/>
           </a:prstGeom>
         </p:spPr>
         <p:txBody>
-          <a:bodyPr lIns="91425" tIns="91425" rIns="91425" bIns="91425" anchor="t" anchorCtr="0">
+          <a:bodyPr bIns="91425" rIns="91425" lIns="91425" tIns="91425" anchor="t" anchorCtr="0">
             <a:noAutofit/>
           </a:bodyPr>
           <a:lstStyle/>
-          <a:p>
-            <a:endParaRPr/>
-          </a:p>
+          <a:p/>
         </p:txBody>
       </p:sp>
     </p:spTree>
-    <p:extLst>
-      <p:ext uri="{BB962C8B-B14F-4D97-AF65-F5344CB8AC3E}">
-        <p14:creationId xmlns:p14="http://schemas.microsoft.com/office/powerpoint/2010/main" val="3289381687"/>
-      </p:ext>
-    </p:extLst>
   </p:cSld>
   <p:clrMapOvr>
     <a:masterClrMapping/>
@@ -959,56 +766,49 @@
 </file>
 
 <file path=ppt/notesSlides/notesSlide3.xml><?xml version="1.0" encoding="utf-8"?>
-<p:notes xmlns:a="http://schemas.openxmlformats.org/drawingml/2006/main" xmlns:r="http://schemas.openxmlformats.org/officeDocument/2006/relationships" xmlns:p="http://schemas.openxmlformats.org/presentationml/2006/main" showMasterSp="0" showMasterPhAnim="0">
+<p:notes xmlns:a="http://schemas.openxmlformats.org/drawingml/2006/main" xmlns:r="http://schemas.openxmlformats.org/officeDocument/2006/relationships" xmlns:mc="http://schemas.openxmlformats.org/markup-compatibility/2006" xmlns:mv="urn:schemas-microsoft-com:mac:vml" xmlns:p="http://schemas.openxmlformats.org/presentationml/2006/main" xmlns:c="http://schemas.openxmlformats.org/drawingml/2006/chart" xmlns:dgm="http://schemas.openxmlformats.org/drawingml/2006/diagram" xmlns:o="urn:schemas-microsoft-com:office:office" xmlns:v="urn:schemas-microsoft-com:vml" xmlns:pvml="urn:schemas-microsoft-com:office:powerpoint" xmlns:com="http://schemas.openxmlformats.org/drawingml/2006/compatibility" xmlns:p14="http://schemas.microsoft.com/office/powerpoint/2010/main" showMasterSp="0" showMasterPhAnim="0">
   <p:cSld>
     <p:spTree>
       <p:nvGrpSpPr>
-        <p:cNvPr id="1" name="Shape 48"/>
+        <p:cNvPr id="48" name="Shape 48"/>
         <p:cNvGrpSpPr/>
         <p:nvPr/>
       </p:nvGrpSpPr>
       <p:grpSpPr>
         <a:xfrm>
-          <a:off x="0" y="0"/>
-          <a:ext cx="0" cy="0"/>
-          <a:chOff x="0" y="0"/>
-          <a:chExt cx="0" cy="0"/>
+          <a:off y="0" x="0"/>
+          <a:ext cy="0" cx="0"/>
+          <a:chOff y="0" x="0"/>
+          <a:chExt cy="0" cx="0"/>
         </a:xfrm>
       </p:grpSpPr>
       <p:sp>
         <p:nvSpPr>
           <p:cNvPr id="49" name="Shape 49"/>
-          <p:cNvSpPr>
-            <a:spLocks noGrp="1" noRot="1" noChangeAspect="1"/>
-          </p:cNvSpPr>
+          <p:cNvSpPr/>
           <p:nvPr>
-            <p:ph type="sldImg" idx="2"/>
+            <p:ph idx="2" type="sldImg"/>
           </p:nvPr>
         </p:nvSpPr>
         <p:spPr>
           <a:xfrm>
-            <a:off x="1143225" y="685800"/>
-            <a:ext cx="4572299" cy="3429000"/>
+            <a:off y="685800" x="1143225"/>
+            <a:ext cy="3429000" cx="4572299"/>
           </a:xfrm>
           <a:custGeom>
-            <a:avLst/>
-            <a:gdLst/>
-            <a:ahLst/>
-            <a:cxnLst/>
-            <a:rect l="0" t="0" r="0" b="0"/>
             <a:pathLst>
-              <a:path w="120000" h="120000" extrusionOk="0">
+              <a:path w="120000" extrusionOk="0" h="120000">
                 <a:moveTo>
-                  <a:pt x="0" y="0"/>
+                  <a:pt y="0" x="0"/>
                 </a:moveTo>
                 <a:lnTo>
-                  <a:pt x="120000" y="0"/>
+                  <a:pt y="0" x="120000"/>
                 </a:lnTo>
                 <a:lnTo>
-                  <a:pt x="120000" y="120000"/>
+                  <a:pt y="120000" x="120000"/>
                 </a:lnTo>
                 <a:lnTo>
-                  <a:pt x="0" y="120000"/>
+                  <a:pt y="120000" x="0"/>
                 </a:lnTo>
                 <a:close/>
               </a:path>
@@ -1019,38 +819,29 @@
       <p:sp>
         <p:nvSpPr>
           <p:cNvPr id="50" name="Shape 50"/>
-          <p:cNvSpPr txBox="1">
-            <a:spLocks noGrp="1"/>
-          </p:cNvSpPr>
+          <p:cNvSpPr txBox="1"/>
           <p:nvPr>
-            <p:ph type="body" idx="1"/>
+            <p:ph idx="1" type="body"/>
           </p:nvPr>
         </p:nvSpPr>
         <p:spPr>
           <a:xfrm>
-            <a:off x="685800" y="4343400"/>
-            <a:ext cx="5486399" cy="4114800"/>
+            <a:off y="4343400" x="685800"/>
+            <a:ext cy="4114800" cx="5486399"/>
           </a:xfrm>
           <a:prstGeom prst="rect">
             <a:avLst/>
           </a:prstGeom>
         </p:spPr>
         <p:txBody>
-          <a:bodyPr lIns="91425" tIns="91425" rIns="91425" bIns="91425" anchor="t" anchorCtr="0">
+          <a:bodyPr bIns="91425" rIns="91425" lIns="91425" tIns="91425" anchor="t" anchorCtr="0">
             <a:noAutofit/>
           </a:bodyPr>
           <a:lstStyle/>
-          <a:p>
-            <a:endParaRPr/>
-          </a:p>
+          <a:p/>
         </p:txBody>
       </p:sp>
     </p:spTree>
-    <p:extLst>
-      <p:ext uri="{BB962C8B-B14F-4D97-AF65-F5344CB8AC3E}">
-        <p14:creationId xmlns:p14="http://schemas.microsoft.com/office/powerpoint/2010/main" val="3853959818"/>
-      </p:ext>
-    </p:extLst>
   </p:cSld>
   <p:clrMapOvr>
     <a:masterClrMapping/>
@@ -1059,56 +850,49 @@
 </file>
 
 <file path=ppt/notesSlides/notesSlide4.xml><?xml version="1.0" encoding="utf-8"?>
-<p:notes xmlns:a="http://schemas.openxmlformats.org/drawingml/2006/main" xmlns:r="http://schemas.openxmlformats.org/officeDocument/2006/relationships" xmlns:p="http://schemas.openxmlformats.org/presentationml/2006/main" showMasterSp="0" showMasterPhAnim="0">
+<p:notes xmlns:a="http://schemas.openxmlformats.org/drawingml/2006/main" xmlns:r="http://schemas.openxmlformats.org/officeDocument/2006/relationships" xmlns:mc="http://schemas.openxmlformats.org/markup-compatibility/2006" xmlns:mv="urn:schemas-microsoft-com:mac:vml" xmlns:p="http://schemas.openxmlformats.org/presentationml/2006/main" xmlns:c="http://schemas.openxmlformats.org/drawingml/2006/chart" xmlns:dgm="http://schemas.openxmlformats.org/drawingml/2006/diagram" xmlns:o="urn:schemas-microsoft-com:office:office" xmlns:v="urn:schemas-microsoft-com:vml" xmlns:pvml="urn:schemas-microsoft-com:office:powerpoint" xmlns:com="http://schemas.openxmlformats.org/drawingml/2006/compatibility" xmlns:p14="http://schemas.microsoft.com/office/powerpoint/2010/main" showMasterSp="0" showMasterPhAnim="0">
   <p:cSld>
     <p:spTree>
       <p:nvGrpSpPr>
-        <p:cNvPr id="1" name="Shape 54"/>
+        <p:cNvPr id="54" name="Shape 54"/>
         <p:cNvGrpSpPr/>
         <p:nvPr/>
       </p:nvGrpSpPr>
       <p:grpSpPr>
         <a:xfrm>
-          <a:off x="0" y="0"/>
-          <a:ext cx="0" cy="0"/>
-          <a:chOff x="0" y="0"/>
-          <a:chExt cx="0" cy="0"/>
+          <a:off y="0" x="0"/>
+          <a:ext cy="0" cx="0"/>
+          <a:chOff y="0" x="0"/>
+          <a:chExt cy="0" cx="0"/>
         </a:xfrm>
       </p:grpSpPr>
       <p:sp>
         <p:nvSpPr>
           <p:cNvPr id="55" name="Shape 55"/>
-          <p:cNvSpPr>
-            <a:spLocks noGrp="1" noRot="1" noChangeAspect="1"/>
-          </p:cNvSpPr>
+          <p:cNvSpPr/>
           <p:nvPr>
-            <p:ph type="sldImg" idx="2"/>
+            <p:ph idx="2" type="sldImg"/>
           </p:nvPr>
         </p:nvSpPr>
         <p:spPr>
           <a:xfrm>
-            <a:off x="1143225" y="685800"/>
-            <a:ext cx="4572299" cy="3429000"/>
+            <a:off y="685800" x="1143225"/>
+            <a:ext cy="3429000" cx="4572299"/>
           </a:xfrm>
           <a:custGeom>
-            <a:avLst/>
-            <a:gdLst/>
-            <a:ahLst/>
-            <a:cxnLst/>
-            <a:rect l="0" t="0" r="0" b="0"/>
             <a:pathLst>
-              <a:path w="120000" h="120000" extrusionOk="0">
+              <a:path w="120000" extrusionOk="0" h="120000">
                 <a:moveTo>
-                  <a:pt x="0" y="0"/>
+                  <a:pt y="0" x="0"/>
                 </a:moveTo>
                 <a:lnTo>
-                  <a:pt x="120000" y="0"/>
+                  <a:pt y="0" x="120000"/>
                 </a:lnTo>
                 <a:lnTo>
-                  <a:pt x="120000" y="120000"/>
+                  <a:pt y="120000" x="120000"/>
                 </a:lnTo>
                 <a:lnTo>
-                  <a:pt x="0" y="120000"/>
+                  <a:pt y="120000" x="0"/>
                 </a:lnTo>
                 <a:close/>
               </a:path>
@@ -1119,38 +903,29 @@
       <p:sp>
         <p:nvSpPr>
           <p:cNvPr id="56" name="Shape 56"/>
-          <p:cNvSpPr txBox="1">
-            <a:spLocks noGrp="1"/>
-          </p:cNvSpPr>
+          <p:cNvSpPr txBox="1"/>
           <p:nvPr>
-            <p:ph type="body" idx="1"/>
+            <p:ph idx="1" type="body"/>
           </p:nvPr>
         </p:nvSpPr>
         <p:spPr>
           <a:xfrm>
-            <a:off x="685800" y="4343400"/>
-            <a:ext cx="5486399" cy="4114800"/>
+            <a:off y="4343400" x="685800"/>
+            <a:ext cy="4114800" cx="5486399"/>
           </a:xfrm>
           <a:prstGeom prst="rect">
             <a:avLst/>
           </a:prstGeom>
         </p:spPr>
         <p:txBody>
-          <a:bodyPr lIns="91425" tIns="91425" rIns="91425" bIns="91425" anchor="t" anchorCtr="0">
+          <a:bodyPr bIns="91425" rIns="91425" lIns="91425" tIns="91425" anchor="t" anchorCtr="0">
             <a:noAutofit/>
           </a:bodyPr>
           <a:lstStyle/>
-          <a:p>
-            <a:endParaRPr/>
-          </a:p>
+          <a:p/>
         </p:txBody>
       </p:sp>
     </p:spTree>
-    <p:extLst>
-      <p:ext uri="{BB962C8B-B14F-4D97-AF65-F5344CB8AC3E}">
-        <p14:creationId xmlns:p14="http://schemas.microsoft.com/office/powerpoint/2010/main" val="2627762077"/>
-      </p:ext>
-    </p:extLst>
   </p:cSld>
   <p:clrMapOvr>
     <a:masterClrMapping/>
@@ -1159,56 +934,49 @@
 </file>
 
 <file path=ppt/notesSlides/notesSlide5.xml><?xml version="1.0" encoding="utf-8"?>
-<p:notes xmlns:a="http://schemas.openxmlformats.org/drawingml/2006/main" xmlns:r="http://schemas.openxmlformats.org/officeDocument/2006/relationships" xmlns:p="http://schemas.openxmlformats.org/presentationml/2006/main" showMasterSp="0" showMasterPhAnim="0">
+<p:notes xmlns:a="http://schemas.openxmlformats.org/drawingml/2006/main" xmlns:r="http://schemas.openxmlformats.org/officeDocument/2006/relationships" xmlns:mc="http://schemas.openxmlformats.org/markup-compatibility/2006" xmlns:mv="urn:schemas-microsoft-com:mac:vml" xmlns:p="http://schemas.openxmlformats.org/presentationml/2006/main" xmlns:c="http://schemas.openxmlformats.org/drawingml/2006/chart" xmlns:dgm="http://schemas.openxmlformats.org/drawingml/2006/diagram" xmlns:o="urn:schemas-microsoft-com:office:office" xmlns:v="urn:schemas-microsoft-com:vml" xmlns:pvml="urn:schemas-microsoft-com:office:powerpoint" xmlns:com="http://schemas.openxmlformats.org/drawingml/2006/compatibility" xmlns:p14="http://schemas.microsoft.com/office/powerpoint/2010/main" showMasterSp="0" showMasterPhAnim="0">
   <p:cSld>
     <p:spTree>
       <p:nvGrpSpPr>
-        <p:cNvPr id="1" name="Shape 60"/>
+        <p:cNvPr id="60" name="Shape 60"/>
         <p:cNvGrpSpPr/>
         <p:nvPr/>
       </p:nvGrpSpPr>
       <p:grpSpPr>
         <a:xfrm>
-          <a:off x="0" y="0"/>
-          <a:ext cx="0" cy="0"/>
-          <a:chOff x="0" y="0"/>
-          <a:chExt cx="0" cy="0"/>
+          <a:off y="0" x="0"/>
+          <a:ext cy="0" cx="0"/>
+          <a:chOff y="0" x="0"/>
+          <a:chExt cy="0" cx="0"/>
         </a:xfrm>
       </p:grpSpPr>
       <p:sp>
         <p:nvSpPr>
           <p:cNvPr id="61" name="Shape 61"/>
-          <p:cNvSpPr>
-            <a:spLocks noGrp="1" noRot="1" noChangeAspect="1"/>
-          </p:cNvSpPr>
+          <p:cNvSpPr/>
           <p:nvPr>
-            <p:ph type="sldImg" idx="2"/>
+            <p:ph idx="2" type="sldImg"/>
           </p:nvPr>
         </p:nvSpPr>
         <p:spPr>
           <a:xfrm>
-            <a:off x="1143225" y="685800"/>
-            <a:ext cx="4572299" cy="3429000"/>
+            <a:off y="685800" x="1143225"/>
+            <a:ext cy="3429000" cx="4572299"/>
           </a:xfrm>
           <a:custGeom>
-            <a:avLst/>
-            <a:gdLst/>
-            <a:ahLst/>
-            <a:cxnLst/>
-            <a:rect l="0" t="0" r="0" b="0"/>
             <a:pathLst>
-              <a:path w="120000" h="120000" extrusionOk="0">
+              <a:path w="120000" extrusionOk="0" h="120000">
                 <a:moveTo>
-                  <a:pt x="0" y="0"/>
+                  <a:pt y="0" x="0"/>
                 </a:moveTo>
                 <a:lnTo>
-                  <a:pt x="120000" y="0"/>
+                  <a:pt y="0" x="120000"/>
                 </a:lnTo>
                 <a:lnTo>
-                  <a:pt x="120000" y="120000"/>
+                  <a:pt y="120000" x="120000"/>
                 </a:lnTo>
                 <a:lnTo>
-                  <a:pt x="0" y="120000"/>
+                  <a:pt y="120000" x="0"/>
                 </a:lnTo>
                 <a:close/>
               </a:path>
@@ -1219,38 +987,29 @@
       <p:sp>
         <p:nvSpPr>
           <p:cNvPr id="62" name="Shape 62"/>
-          <p:cNvSpPr txBox="1">
-            <a:spLocks noGrp="1"/>
-          </p:cNvSpPr>
+          <p:cNvSpPr txBox="1"/>
           <p:nvPr>
-            <p:ph type="body" idx="1"/>
+            <p:ph idx="1" type="body"/>
           </p:nvPr>
         </p:nvSpPr>
         <p:spPr>
           <a:xfrm>
-            <a:off x="685800" y="4343400"/>
-            <a:ext cx="5486399" cy="4114800"/>
+            <a:off y="4343400" x="685800"/>
+            <a:ext cy="4114800" cx="5486399"/>
           </a:xfrm>
           <a:prstGeom prst="rect">
             <a:avLst/>
           </a:prstGeom>
         </p:spPr>
         <p:txBody>
-          <a:bodyPr lIns="91425" tIns="91425" rIns="91425" bIns="91425" anchor="t" anchorCtr="0">
+          <a:bodyPr bIns="91425" rIns="91425" lIns="91425" tIns="91425" anchor="t" anchorCtr="0">
             <a:noAutofit/>
           </a:bodyPr>
           <a:lstStyle/>
-          <a:p>
-            <a:endParaRPr/>
-          </a:p>
+          <a:p/>
         </p:txBody>
       </p:sp>
     </p:spTree>
-    <p:extLst>
-      <p:ext uri="{BB962C8B-B14F-4D97-AF65-F5344CB8AC3E}">
-        <p14:creationId xmlns:p14="http://schemas.microsoft.com/office/powerpoint/2010/main" val="1575436421"/>
-      </p:ext>
-    </p:extLst>
   </p:cSld>
   <p:clrMapOvr>
     <a:masterClrMapping/>
@@ -1259,56 +1018,49 @@
 </file>
 
 <file path=ppt/notesSlides/notesSlide6.xml><?xml version="1.0" encoding="utf-8"?>
-<p:notes xmlns:a="http://schemas.openxmlformats.org/drawingml/2006/main" xmlns:r="http://schemas.openxmlformats.org/officeDocument/2006/relationships" xmlns:p="http://schemas.openxmlformats.org/presentationml/2006/main" showMasterSp="0" showMasterPhAnim="0">
+<p:notes xmlns:a="http://schemas.openxmlformats.org/drawingml/2006/main" xmlns:r="http://schemas.openxmlformats.org/officeDocument/2006/relationships" xmlns:mc="http://schemas.openxmlformats.org/markup-compatibility/2006" xmlns:mv="urn:schemas-microsoft-com:mac:vml" xmlns:p="http://schemas.openxmlformats.org/presentationml/2006/main" xmlns:c="http://schemas.openxmlformats.org/drawingml/2006/chart" xmlns:dgm="http://schemas.openxmlformats.org/drawingml/2006/diagram" xmlns:o="urn:schemas-microsoft-com:office:office" xmlns:v="urn:schemas-microsoft-com:vml" xmlns:pvml="urn:schemas-microsoft-com:office:powerpoint" xmlns:com="http://schemas.openxmlformats.org/drawingml/2006/compatibility" xmlns:p14="http://schemas.microsoft.com/office/powerpoint/2010/main" showMasterSp="0" showMasterPhAnim="0">
   <p:cSld>
     <p:spTree>
       <p:nvGrpSpPr>
-        <p:cNvPr id="1" name="Shape 66"/>
+        <p:cNvPr id="66" name="Shape 66"/>
         <p:cNvGrpSpPr/>
         <p:nvPr/>
       </p:nvGrpSpPr>
       <p:grpSpPr>
         <a:xfrm>
-          <a:off x="0" y="0"/>
-          <a:ext cx="0" cy="0"/>
-          <a:chOff x="0" y="0"/>
-          <a:chExt cx="0" cy="0"/>
+          <a:off y="0" x="0"/>
+          <a:ext cy="0" cx="0"/>
+          <a:chOff y="0" x="0"/>
+          <a:chExt cy="0" cx="0"/>
         </a:xfrm>
       </p:grpSpPr>
       <p:sp>
         <p:nvSpPr>
           <p:cNvPr id="67" name="Shape 67"/>
-          <p:cNvSpPr>
-            <a:spLocks noGrp="1" noRot="1" noChangeAspect="1"/>
-          </p:cNvSpPr>
+          <p:cNvSpPr/>
           <p:nvPr>
-            <p:ph type="sldImg" idx="2"/>
+            <p:ph idx="2" type="sldImg"/>
           </p:nvPr>
         </p:nvSpPr>
         <p:spPr>
           <a:xfrm>
-            <a:off x="1143225" y="685800"/>
-            <a:ext cx="4572299" cy="3429000"/>
+            <a:off y="685800" x="1143225"/>
+            <a:ext cy="3429000" cx="4572299"/>
           </a:xfrm>
           <a:custGeom>
-            <a:avLst/>
-            <a:gdLst/>
-            <a:ahLst/>
-            <a:cxnLst/>
-            <a:rect l="0" t="0" r="0" b="0"/>
             <a:pathLst>
-              <a:path w="120000" h="120000" extrusionOk="0">
+              <a:path w="120000" extrusionOk="0" h="120000">
                 <a:moveTo>
-                  <a:pt x="0" y="0"/>
+                  <a:pt y="0" x="0"/>
                 </a:moveTo>
                 <a:lnTo>
-                  <a:pt x="120000" y="0"/>
+                  <a:pt y="0" x="120000"/>
                 </a:lnTo>
                 <a:lnTo>
-                  <a:pt x="120000" y="120000"/>
+                  <a:pt y="120000" x="120000"/>
                 </a:lnTo>
                 <a:lnTo>
-                  <a:pt x="0" y="120000"/>
+                  <a:pt y="120000" x="0"/>
                 </a:lnTo>
                 <a:close/>
               </a:path>
@@ -1319,38 +1071,29 @@
       <p:sp>
         <p:nvSpPr>
           <p:cNvPr id="68" name="Shape 68"/>
-          <p:cNvSpPr txBox="1">
-            <a:spLocks noGrp="1"/>
-          </p:cNvSpPr>
+          <p:cNvSpPr txBox="1"/>
           <p:nvPr>
-            <p:ph type="body" idx="1"/>
+            <p:ph idx="1" type="body"/>
           </p:nvPr>
         </p:nvSpPr>
         <p:spPr>
           <a:xfrm>
-            <a:off x="685800" y="4343400"/>
-            <a:ext cx="5486399" cy="4114800"/>
+            <a:off y="4343400" x="685800"/>
+            <a:ext cy="4114800" cx="5486399"/>
           </a:xfrm>
           <a:prstGeom prst="rect">
             <a:avLst/>
           </a:prstGeom>
         </p:spPr>
         <p:txBody>
-          <a:bodyPr lIns="91425" tIns="91425" rIns="91425" bIns="91425" anchor="t" anchorCtr="0">
+          <a:bodyPr bIns="91425" rIns="91425" lIns="91425" tIns="91425" anchor="t" anchorCtr="0">
             <a:noAutofit/>
           </a:bodyPr>
           <a:lstStyle/>
-          <a:p>
-            <a:endParaRPr/>
-          </a:p>
+          <a:p/>
         </p:txBody>
       </p:sp>
     </p:spTree>
-    <p:extLst>
-      <p:ext uri="{BB962C8B-B14F-4D97-AF65-F5344CB8AC3E}">
-        <p14:creationId xmlns:p14="http://schemas.microsoft.com/office/powerpoint/2010/main" val="3911829751"/>
-      </p:ext>
-    </p:extLst>
   </p:cSld>
   <p:clrMapOvr>
     <a:masterClrMapping/>
@@ -1359,56 +1102,49 @@
 </file>
 
 <file path=ppt/notesSlides/notesSlide7.xml><?xml version="1.0" encoding="utf-8"?>
-<p:notes xmlns:a="http://schemas.openxmlformats.org/drawingml/2006/main" xmlns:r="http://schemas.openxmlformats.org/officeDocument/2006/relationships" xmlns:p="http://schemas.openxmlformats.org/presentationml/2006/main" showMasterSp="0" showMasterPhAnim="0">
+<p:notes xmlns:a="http://schemas.openxmlformats.org/drawingml/2006/main" xmlns:r="http://schemas.openxmlformats.org/officeDocument/2006/relationships" xmlns:mc="http://schemas.openxmlformats.org/markup-compatibility/2006" xmlns:mv="urn:schemas-microsoft-com:mac:vml" xmlns:p="http://schemas.openxmlformats.org/presentationml/2006/main" xmlns:c="http://schemas.openxmlformats.org/drawingml/2006/chart" xmlns:dgm="http://schemas.openxmlformats.org/drawingml/2006/diagram" xmlns:o="urn:schemas-microsoft-com:office:office" xmlns:v="urn:schemas-microsoft-com:vml" xmlns:pvml="urn:schemas-microsoft-com:office:powerpoint" xmlns:com="http://schemas.openxmlformats.org/drawingml/2006/compatibility" xmlns:p14="http://schemas.microsoft.com/office/powerpoint/2010/main" showMasterSp="0" showMasterPhAnim="0">
   <p:cSld>
     <p:spTree>
       <p:nvGrpSpPr>
-        <p:cNvPr id="1" name="Shape 72"/>
+        <p:cNvPr id="72" name="Shape 72"/>
         <p:cNvGrpSpPr/>
         <p:nvPr/>
       </p:nvGrpSpPr>
       <p:grpSpPr>
         <a:xfrm>
-          <a:off x="0" y="0"/>
-          <a:ext cx="0" cy="0"/>
-          <a:chOff x="0" y="0"/>
-          <a:chExt cx="0" cy="0"/>
+          <a:off y="0" x="0"/>
+          <a:ext cy="0" cx="0"/>
+          <a:chOff y="0" x="0"/>
+          <a:chExt cy="0" cx="0"/>
         </a:xfrm>
       </p:grpSpPr>
       <p:sp>
         <p:nvSpPr>
           <p:cNvPr id="73" name="Shape 73"/>
-          <p:cNvSpPr>
-            <a:spLocks noGrp="1" noRot="1" noChangeAspect="1"/>
-          </p:cNvSpPr>
+          <p:cNvSpPr/>
           <p:nvPr>
-            <p:ph type="sldImg" idx="2"/>
+            <p:ph idx="2" type="sldImg"/>
           </p:nvPr>
         </p:nvSpPr>
         <p:spPr>
           <a:xfrm>
-            <a:off x="1143225" y="685800"/>
-            <a:ext cx="4572299" cy="3429000"/>
+            <a:off y="685800" x="1143225"/>
+            <a:ext cy="3429000" cx="4572299"/>
           </a:xfrm>
           <a:custGeom>
-            <a:avLst/>
-            <a:gdLst/>
-            <a:ahLst/>
-            <a:cxnLst/>
-            <a:rect l="0" t="0" r="0" b="0"/>
             <a:pathLst>
-              <a:path w="120000" h="120000" extrusionOk="0">
+              <a:path w="120000" extrusionOk="0" h="120000">
                 <a:moveTo>
-                  <a:pt x="0" y="0"/>
+                  <a:pt y="0" x="0"/>
                 </a:moveTo>
                 <a:lnTo>
-                  <a:pt x="120000" y="0"/>
+                  <a:pt y="0" x="120000"/>
                 </a:lnTo>
                 <a:lnTo>
-                  <a:pt x="120000" y="120000"/>
+                  <a:pt y="120000" x="120000"/>
                 </a:lnTo>
                 <a:lnTo>
-                  <a:pt x="0" y="120000"/>
+                  <a:pt y="120000" x="0"/>
                 </a:lnTo>
                 <a:close/>
               </a:path>
@@ -1419,38 +1155,29 @@
       <p:sp>
         <p:nvSpPr>
           <p:cNvPr id="74" name="Shape 74"/>
-          <p:cNvSpPr txBox="1">
-            <a:spLocks noGrp="1"/>
-          </p:cNvSpPr>
+          <p:cNvSpPr txBox="1"/>
           <p:nvPr>
-            <p:ph type="body" idx="1"/>
+            <p:ph idx="1" type="body"/>
           </p:nvPr>
         </p:nvSpPr>
         <p:spPr>
           <a:xfrm>
-            <a:off x="685800" y="4343400"/>
-            <a:ext cx="5486399" cy="4114800"/>
+            <a:off y="4343400" x="685800"/>
+            <a:ext cy="4114800" cx="5486399"/>
           </a:xfrm>
           <a:prstGeom prst="rect">
             <a:avLst/>
           </a:prstGeom>
         </p:spPr>
         <p:txBody>
-          <a:bodyPr lIns="91425" tIns="91425" rIns="91425" bIns="91425" anchor="t" anchorCtr="0">
+          <a:bodyPr bIns="91425" rIns="91425" lIns="91425" tIns="91425" anchor="t" anchorCtr="0">
             <a:noAutofit/>
           </a:bodyPr>
           <a:lstStyle/>
-          <a:p>
-            <a:endParaRPr/>
-          </a:p>
+          <a:p/>
         </p:txBody>
       </p:sp>
     </p:spTree>
-    <p:extLst>
-      <p:ext uri="{BB962C8B-B14F-4D97-AF65-F5344CB8AC3E}">
-        <p14:creationId xmlns:p14="http://schemas.microsoft.com/office/powerpoint/2010/main" val="1715786157"/>
-      </p:ext>
-    </p:extLst>
   </p:cSld>
   <p:clrMapOvr>
     <a:masterClrMapping/>
@@ -1459,56 +1186,49 @@
 </file>
 
 <file path=ppt/notesSlides/notesSlide8.xml><?xml version="1.0" encoding="utf-8"?>
-<p:notes xmlns:a="http://schemas.openxmlformats.org/drawingml/2006/main" xmlns:r="http://schemas.openxmlformats.org/officeDocument/2006/relationships" xmlns:p="http://schemas.openxmlformats.org/presentationml/2006/main" showMasterSp="0" showMasterPhAnim="0">
+<p:notes xmlns:a="http://schemas.openxmlformats.org/drawingml/2006/main" xmlns:r="http://schemas.openxmlformats.org/officeDocument/2006/relationships" xmlns:mc="http://schemas.openxmlformats.org/markup-compatibility/2006" xmlns:mv="urn:schemas-microsoft-com:mac:vml" xmlns:p="http://schemas.openxmlformats.org/presentationml/2006/main" xmlns:c="http://schemas.openxmlformats.org/drawingml/2006/chart" xmlns:dgm="http://schemas.openxmlformats.org/drawingml/2006/diagram" xmlns:o="urn:schemas-microsoft-com:office:office" xmlns:v="urn:schemas-microsoft-com:vml" xmlns:pvml="urn:schemas-microsoft-com:office:powerpoint" xmlns:com="http://schemas.openxmlformats.org/drawingml/2006/compatibility" xmlns:p14="http://schemas.microsoft.com/office/powerpoint/2010/main" showMasterSp="0" showMasterPhAnim="0">
   <p:cSld>
     <p:spTree>
       <p:nvGrpSpPr>
-        <p:cNvPr id="1" name="Shape 78"/>
+        <p:cNvPr id="78" name="Shape 78"/>
         <p:cNvGrpSpPr/>
         <p:nvPr/>
       </p:nvGrpSpPr>
       <p:grpSpPr>
         <a:xfrm>
-          <a:off x="0" y="0"/>
-          <a:ext cx="0" cy="0"/>
-          <a:chOff x="0" y="0"/>
-          <a:chExt cx="0" cy="0"/>
+          <a:off y="0" x="0"/>
+          <a:ext cy="0" cx="0"/>
+          <a:chOff y="0" x="0"/>
+          <a:chExt cy="0" cx="0"/>
         </a:xfrm>
       </p:grpSpPr>
       <p:sp>
         <p:nvSpPr>
           <p:cNvPr id="79" name="Shape 79"/>
-          <p:cNvSpPr>
-            <a:spLocks noGrp="1" noRot="1" noChangeAspect="1"/>
-          </p:cNvSpPr>
+          <p:cNvSpPr/>
           <p:nvPr>
-            <p:ph type="sldImg" idx="2"/>
+            <p:ph idx="2" type="sldImg"/>
           </p:nvPr>
         </p:nvSpPr>
         <p:spPr>
           <a:xfrm>
-            <a:off x="1143225" y="685800"/>
-            <a:ext cx="4572299" cy="3429000"/>
+            <a:off y="685800" x="1143225"/>
+            <a:ext cy="3429000" cx="4572299"/>
           </a:xfrm>
           <a:custGeom>
-            <a:avLst/>
-            <a:gdLst/>
-            <a:ahLst/>
-            <a:cxnLst/>
-            <a:rect l="0" t="0" r="0" b="0"/>
             <a:pathLst>
-              <a:path w="120000" h="120000" extrusionOk="0">
+              <a:path w="120000" extrusionOk="0" h="120000">
                 <a:moveTo>
-                  <a:pt x="0" y="0"/>
+                  <a:pt y="0" x="0"/>
                 </a:moveTo>
                 <a:lnTo>
-                  <a:pt x="120000" y="0"/>
+                  <a:pt y="0" x="120000"/>
                 </a:lnTo>
                 <a:lnTo>
-                  <a:pt x="120000" y="120000"/>
+                  <a:pt y="120000" x="120000"/>
                 </a:lnTo>
                 <a:lnTo>
-                  <a:pt x="0" y="120000"/>
+                  <a:pt y="120000" x="0"/>
                 </a:lnTo>
                 <a:close/>
               </a:path>
@@ -1519,24 +1239,22 @@
       <p:sp>
         <p:nvSpPr>
           <p:cNvPr id="80" name="Shape 80"/>
-          <p:cNvSpPr txBox="1">
-            <a:spLocks noGrp="1"/>
-          </p:cNvSpPr>
+          <p:cNvSpPr txBox="1"/>
           <p:nvPr>
-            <p:ph type="body" idx="1"/>
+            <p:ph idx="1" type="body"/>
           </p:nvPr>
         </p:nvSpPr>
         <p:spPr>
           <a:xfrm>
-            <a:off x="685800" y="4343400"/>
-            <a:ext cx="5486399" cy="4114800"/>
+            <a:off y="4343400" x="685800"/>
+            <a:ext cy="4114800" cx="5486399"/>
           </a:xfrm>
           <a:prstGeom prst="rect">
             <a:avLst/>
           </a:prstGeom>
         </p:spPr>
         <p:txBody>
-          <a:bodyPr lIns="91425" tIns="91425" rIns="91425" bIns="91425" anchor="t" anchorCtr="0">
+          <a:bodyPr bIns="91425" rIns="91425" lIns="91425" tIns="91425" anchor="t" anchorCtr="0">
             <a:noAutofit/>
           </a:bodyPr>
           <a:lstStyle/>
@@ -1587,11 +1305,6 @@
         </p:txBody>
       </p:sp>
     </p:spTree>
-    <p:extLst>
-      <p:ext uri="{BB962C8B-B14F-4D97-AF65-F5344CB8AC3E}">
-        <p14:creationId xmlns:p14="http://schemas.microsoft.com/office/powerpoint/2010/main" val="940200235"/>
-      </p:ext>
-    </p:extLst>
   </p:cSld>
   <p:clrMapOvr>
     <a:masterClrMapping/>
@@ -1600,56 +1313,49 @@
 </file>
 
 <file path=ppt/notesSlides/notesSlide9.xml><?xml version="1.0" encoding="utf-8"?>
-<p:notes xmlns:a="http://schemas.openxmlformats.org/drawingml/2006/main" xmlns:r="http://schemas.openxmlformats.org/officeDocument/2006/relationships" xmlns:p="http://schemas.openxmlformats.org/presentationml/2006/main" showMasterSp="0" showMasterPhAnim="0">
+<p:notes xmlns:a="http://schemas.openxmlformats.org/drawingml/2006/main" xmlns:r="http://schemas.openxmlformats.org/officeDocument/2006/relationships" xmlns:mc="http://schemas.openxmlformats.org/markup-compatibility/2006" xmlns:mv="urn:schemas-microsoft-com:mac:vml" xmlns:p="http://schemas.openxmlformats.org/presentationml/2006/main" xmlns:c="http://schemas.openxmlformats.org/drawingml/2006/chart" xmlns:dgm="http://schemas.openxmlformats.org/drawingml/2006/diagram" xmlns:o="urn:schemas-microsoft-com:office:office" xmlns:v="urn:schemas-microsoft-com:vml" xmlns:pvml="urn:schemas-microsoft-com:office:powerpoint" xmlns:com="http://schemas.openxmlformats.org/drawingml/2006/compatibility" xmlns:p14="http://schemas.microsoft.com/office/powerpoint/2010/main" showMasterSp="0" showMasterPhAnim="0">
   <p:cSld>
     <p:spTree>
       <p:nvGrpSpPr>
-        <p:cNvPr id="1" name="Shape 84"/>
+        <p:cNvPr id="84" name="Shape 84"/>
         <p:cNvGrpSpPr/>
         <p:nvPr/>
       </p:nvGrpSpPr>
       <p:grpSpPr>
         <a:xfrm>
-          <a:off x="0" y="0"/>
-          <a:ext cx="0" cy="0"/>
-          <a:chOff x="0" y="0"/>
-          <a:chExt cx="0" cy="0"/>
+          <a:off y="0" x="0"/>
+          <a:ext cy="0" cx="0"/>
+          <a:chOff y="0" x="0"/>
+          <a:chExt cy="0" cx="0"/>
         </a:xfrm>
       </p:grpSpPr>
       <p:sp>
         <p:nvSpPr>
           <p:cNvPr id="85" name="Shape 85"/>
-          <p:cNvSpPr>
-            <a:spLocks noGrp="1" noRot="1" noChangeAspect="1"/>
-          </p:cNvSpPr>
+          <p:cNvSpPr/>
           <p:nvPr>
-            <p:ph type="sldImg" idx="2"/>
+            <p:ph idx="2" type="sldImg"/>
           </p:nvPr>
         </p:nvSpPr>
         <p:spPr>
           <a:xfrm>
-            <a:off x="1143225" y="685800"/>
-            <a:ext cx="4572299" cy="3429000"/>
+            <a:off y="685800" x="1143225"/>
+            <a:ext cy="3429000" cx="4572299"/>
           </a:xfrm>
           <a:custGeom>
-            <a:avLst/>
-            <a:gdLst/>
-            <a:ahLst/>
-            <a:cxnLst/>
-            <a:rect l="0" t="0" r="0" b="0"/>
             <a:pathLst>
-              <a:path w="120000" h="120000" extrusionOk="0">
+              <a:path w="120000" extrusionOk="0" h="120000">
                 <a:moveTo>
-                  <a:pt x="0" y="0"/>
+                  <a:pt y="0" x="0"/>
                 </a:moveTo>
                 <a:lnTo>
-                  <a:pt x="120000" y="0"/>
+                  <a:pt y="0" x="120000"/>
                 </a:lnTo>
                 <a:lnTo>
-                  <a:pt x="120000" y="120000"/>
+                  <a:pt y="120000" x="120000"/>
                 </a:lnTo>
                 <a:lnTo>
-                  <a:pt x="0" y="120000"/>
+                  <a:pt y="120000" x="0"/>
                 </a:lnTo>
                 <a:close/>
               </a:path>
@@ -1660,38 +1366,29 @@
       <p:sp>
         <p:nvSpPr>
           <p:cNvPr id="86" name="Shape 86"/>
-          <p:cNvSpPr txBox="1">
-            <a:spLocks noGrp="1"/>
-          </p:cNvSpPr>
+          <p:cNvSpPr txBox="1"/>
           <p:nvPr>
-            <p:ph type="body" idx="1"/>
+            <p:ph idx="1" type="body"/>
           </p:nvPr>
         </p:nvSpPr>
         <p:spPr>
           <a:xfrm>
-            <a:off x="685800" y="4343400"/>
-            <a:ext cx="5486399" cy="4114800"/>
+            <a:off y="4343400" x="685800"/>
+            <a:ext cy="4114800" cx="5486399"/>
           </a:xfrm>
           <a:prstGeom prst="rect">
             <a:avLst/>
           </a:prstGeom>
         </p:spPr>
         <p:txBody>
-          <a:bodyPr lIns="91425" tIns="91425" rIns="91425" bIns="91425" anchor="t" anchorCtr="0">
+          <a:bodyPr bIns="91425" rIns="91425" lIns="91425" tIns="91425" anchor="t" anchorCtr="0">
             <a:noAutofit/>
           </a:bodyPr>
           <a:lstStyle/>
-          <a:p>
-            <a:endParaRPr/>
-          </a:p>
+          <a:p/>
         </p:txBody>
       </p:sp>
     </p:spTree>
-    <p:extLst>
-      <p:ext uri="{BB962C8B-B14F-4D97-AF65-F5344CB8AC3E}">
-        <p14:creationId xmlns:p14="http://schemas.microsoft.com/office/powerpoint/2010/main" val="597632311"/>
-      </p:ext>
-    </p:extLst>
   </p:cSld>
   <p:clrMapOvr>
     <a:masterClrMapping/>
@@ -1700,20 +1397,20 @@
 </file>
 
 <file path=ppt/slideLayouts/slideLayout1.xml><?xml version="1.0" encoding="utf-8"?>
-<p:sldLayout xmlns:a="http://schemas.openxmlformats.org/drawingml/2006/main" xmlns:r="http://schemas.openxmlformats.org/officeDocument/2006/relationships" xmlns:p="http://schemas.openxmlformats.org/presentationml/2006/main" type="title">
+<p:sldLayout xmlns:a="http://schemas.openxmlformats.org/drawingml/2006/main" xmlns:r="http://schemas.openxmlformats.org/officeDocument/2006/relationships" xmlns:mc="http://schemas.openxmlformats.org/markup-compatibility/2006" xmlns:mv="urn:schemas-microsoft-com:mac:vml" xmlns:p="http://schemas.openxmlformats.org/presentationml/2006/main" xmlns:c="http://schemas.openxmlformats.org/drawingml/2006/chart" xmlns:dgm="http://schemas.openxmlformats.org/drawingml/2006/diagram" xmlns:o="urn:schemas-microsoft-com:office:office" xmlns:v="urn:schemas-microsoft-com:vml" xmlns:pvml="urn:schemas-microsoft-com:office:powerpoint" xmlns:com="http://schemas.openxmlformats.org/drawingml/2006/compatibility" xmlns:p14="http://schemas.microsoft.com/office/powerpoint/2010/main" type="title">
   <p:cSld name="Title Slide">
     <p:spTree>
       <p:nvGrpSpPr>
-        <p:cNvPr id="1" name="Shape 7"/>
+        <p:cNvPr id="7" name="Shape 7"/>
         <p:cNvGrpSpPr/>
         <p:nvPr/>
       </p:nvGrpSpPr>
       <p:grpSpPr>
         <a:xfrm>
-          <a:off x="0" y="0"/>
-          <a:ext cx="0" cy="0"/>
-          <a:chOff x="0" y="0"/>
-          <a:chExt cx="0" cy="0"/>
+          <a:off y="0" x="0"/>
+          <a:ext cy="0" cx="0"/>
+          <a:chOff y="0" x="0"/>
+          <a:chExt cy="0" cx="0"/>
         </a:xfrm>
       </p:grpSpPr>
       <p:sp>
@@ -1724,8 +1421,8 @@
         </p:nvSpPr>
         <p:spPr>
           <a:xfrm>
-            <a:off x="0" y="0"/>
-            <a:ext cx="9144000" cy="3518399"/>
+            <a:off y="0" x="0"/>
+            <a:ext cy="3518399" cx="9144000"/>
           </a:xfrm>
           <a:prstGeom prst="rect">
             <a:avLst/>
@@ -1738,13 +1435,11 @@
           </a:ln>
         </p:spPr>
         <p:txBody>
-          <a:bodyPr lIns="91425" tIns="45700" rIns="91425" bIns="45700" anchor="ctr" anchorCtr="0">
+          <a:bodyPr bIns="45700" rIns="91425" lIns="91425" tIns="45700" anchor="ctr" anchorCtr="0">
             <a:noAutofit/>
           </a:bodyPr>
           <a:lstStyle/>
-          <a:p>
-            <a:endParaRPr/>
-          </a:p>
+          <a:p/>
         </p:txBody>
       </p:sp>
       <p:cxnSp>
@@ -1755,8 +1450,8 @@
         </p:nvCxnSpPr>
         <p:spPr>
           <a:xfrm>
-            <a:off x="0" y="3496604"/>
-            <a:ext cx="9144000" cy="0"/>
+            <a:off y="3496604" x="0"/>
+            <a:ext cy="0" cx="9144000"/>
           </a:xfrm>
           <a:prstGeom prst="straightConnector1">
             <a:avLst/>
@@ -1770,32 +1465,30 @@
             </a:solidFill>
             <a:prstDash val="solid"/>
             <a:round/>
-            <a:headEnd type="none" w="med" len="med"/>
-            <a:tailEnd type="none" w="med" len="med"/>
+            <a:headEnd w="med" len="med" type="none"/>
+            <a:tailEnd w="med" len="med" type="none"/>
           </a:ln>
         </p:spPr>
       </p:cxnSp>
       <p:sp>
         <p:nvSpPr>
           <p:cNvPr id="10" name="Shape 10"/>
-          <p:cNvSpPr txBox="1">
-            <a:spLocks noGrp="1"/>
-          </p:cNvSpPr>
+          <p:cNvSpPr txBox="1"/>
           <p:nvPr>
             <p:ph type="ctrTitle"/>
           </p:nvPr>
         </p:nvSpPr>
         <p:spPr>
           <a:xfrm>
-            <a:off x="685800" y="1867781"/>
-            <a:ext cx="7772400" cy="1648800"/>
+            <a:off y="1867781" x="685800"/>
+            <a:ext cy="1648800" cx="7772400"/>
           </a:xfrm>
           <a:prstGeom prst="rect">
             <a:avLst/>
           </a:prstGeom>
         </p:spPr>
         <p:txBody>
-          <a:bodyPr lIns="91425" tIns="91425" rIns="91425" bIns="91425" anchor="b" anchorCtr="0"/>
+          <a:bodyPr bIns="91425" rIns="91425" lIns="91425" tIns="91425" anchor="b" anchorCtr="0"/>
           <a:lstStyle>
             <a:lvl1pPr indent="457200">
               <a:buSzPct val="100000"/>
@@ -1834,32 +1527,28 @@
               <a:defRPr sz="7200"/>
             </a:lvl9pPr>
           </a:lstStyle>
-          <a:p>
-            <a:endParaRPr/>
-          </a:p>
+          <a:p/>
         </p:txBody>
       </p:sp>
       <p:sp>
         <p:nvSpPr>
           <p:cNvPr id="11" name="Shape 11"/>
-          <p:cNvSpPr txBox="1">
-            <a:spLocks noGrp="1"/>
-          </p:cNvSpPr>
+          <p:cNvSpPr txBox="1"/>
           <p:nvPr>
-            <p:ph type="subTitle" idx="1"/>
+            <p:ph idx="1" type="subTitle"/>
           </p:nvPr>
         </p:nvSpPr>
         <p:spPr>
           <a:xfrm>
-            <a:off x="685800" y="3627026"/>
-            <a:ext cx="7772400" cy="774300"/>
+            <a:off y="3627026" x="685800"/>
+            <a:ext cy="774300" cx="7772400"/>
           </a:xfrm>
           <a:prstGeom prst="rect">
             <a:avLst/>
           </a:prstGeom>
         </p:spPr>
         <p:txBody>
-          <a:bodyPr lIns="91425" tIns="91425" rIns="91425" bIns="91425" anchor="t" anchorCtr="0"/>
+          <a:bodyPr bIns="91425" rIns="91425" lIns="91425" tIns="91425" anchor="t" anchorCtr="0"/>
           <a:lstStyle>
             <a:lvl1pPr marL="0">
               <a:spcBef>
@@ -1875,7 +1564,7 @@
                 </a:solidFill>
               </a:defRPr>
             </a:lvl1pPr>
-            <a:lvl2pPr marL="0" indent="190500">
+            <a:lvl2pPr indent="190500" marL="0">
               <a:spcBef>
                 <a:spcPts val="0"/>
               </a:spcBef>
@@ -1890,7 +1579,7 @@
                 </a:solidFill>
               </a:defRPr>
             </a:lvl2pPr>
-            <a:lvl3pPr marL="0" indent="190500">
+            <a:lvl3pPr indent="190500" marL="0">
               <a:spcBef>
                 <a:spcPts val="0"/>
               </a:spcBef>
@@ -1905,7 +1594,7 @@
                 </a:solidFill>
               </a:defRPr>
             </a:lvl3pPr>
-            <a:lvl4pPr marL="0" indent="190500">
+            <a:lvl4pPr indent="190500" marL="0">
               <a:spcBef>
                 <a:spcPts val="0"/>
               </a:spcBef>
@@ -1920,7 +1609,7 @@
                 </a:solidFill>
               </a:defRPr>
             </a:lvl4pPr>
-            <a:lvl5pPr marL="0" indent="190500">
+            <a:lvl5pPr indent="190500" marL="0">
               <a:spcBef>
                 <a:spcPts val="0"/>
               </a:spcBef>
@@ -1935,7 +1624,7 @@
                 </a:solidFill>
               </a:defRPr>
             </a:lvl5pPr>
-            <a:lvl6pPr marL="0" indent="190500">
+            <a:lvl6pPr indent="190500" marL="0">
               <a:spcBef>
                 <a:spcPts val="0"/>
               </a:spcBef>
@@ -1950,7 +1639,7 @@
                 </a:solidFill>
               </a:defRPr>
             </a:lvl6pPr>
-            <a:lvl7pPr marL="0" indent="190500">
+            <a:lvl7pPr indent="190500" marL="0">
               <a:spcBef>
                 <a:spcPts val="0"/>
               </a:spcBef>
@@ -1965,7 +1654,7 @@
                 </a:solidFill>
               </a:defRPr>
             </a:lvl7pPr>
-            <a:lvl8pPr marL="0" indent="190500">
+            <a:lvl8pPr indent="190500" marL="0">
               <a:spcBef>
                 <a:spcPts val="0"/>
               </a:spcBef>
@@ -1980,7 +1669,7 @@
                 </a:solidFill>
               </a:defRPr>
             </a:lvl8pPr>
-            <a:lvl9pPr marL="0" indent="190500">
+            <a:lvl9pPr indent="190500" marL="0">
               <a:spcBef>
                 <a:spcPts val="0"/>
               </a:spcBef>
@@ -1996,9 +1685,7 @@
               </a:defRPr>
             </a:lvl9pPr>
           </a:lstStyle>
-          <a:p>
-            <a:endParaRPr/>
-          </a:p>
+          <a:p/>
         </p:txBody>
       </p:sp>
     </p:spTree>
@@ -2010,20 +1697,20 @@
 </file>
 
 <file path=ppt/slideLayouts/slideLayout2.xml><?xml version="1.0" encoding="utf-8"?>
-<p:sldLayout xmlns:a="http://schemas.openxmlformats.org/drawingml/2006/main" xmlns:r="http://schemas.openxmlformats.org/officeDocument/2006/relationships" xmlns:p="http://schemas.openxmlformats.org/presentationml/2006/main" type="tx">
+<p:sldLayout xmlns:a="http://schemas.openxmlformats.org/drawingml/2006/main" xmlns:r="http://schemas.openxmlformats.org/officeDocument/2006/relationships" xmlns:mc="http://schemas.openxmlformats.org/markup-compatibility/2006" xmlns:mv="urn:schemas-microsoft-com:mac:vml" xmlns:p="http://schemas.openxmlformats.org/presentationml/2006/main" xmlns:c="http://schemas.openxmlformats.org/drawingml/2006/chart" xmlns:dgm="http://schemas.openxmlformats.org/drawingml/2006/diagram" xmlns:o="urn:schemas-microsoft-com:office:office" xmlns:v="urn:schemas-microsoft-com:vml" xmlns:pvml="urn:schemas-microsoft-com:office:powerpoint" xmlns:com="http://schemas.openxmlformats.org/drawingml/2006/compatibility" xmlns:p14="http://schemas.microsoft.com/office/powerpoint/2010/main" type="tx">
   <p:cSld name="Title and Body">
     <p:spTree>
       <p:nvGrpSpPr>
-        <p:cNvPr id="1" name="Shape 12"/>
+        <p:cNvPr id="12" name="Shape 12"/>
         <p:cNvGrpSpPr/>
         <p:nvPr/>
       </p:nvGrpSpPr>
       <p:grpSpPr>
         <a:xfrm>
-          <a:off x="0" y="0"/>
-          <a:ext cx="0" cy="0"/>
-          <a:chOff x="0" y="0"/>
-          <a:chExt cx="0" cy="0"/>
+          <a:off y="0" x="0"/>
+          <a:ext cy="0" cx="0"/>
+          <a:chOff y="0" x="0"/>
+          <a:chExt cy="0" cx="0"/>
         </a:xfrm>
       </p:grpSpPr>
       <p:sp>
@@ -2034,8 +1721,8 @@
         </p:nvSpPr>
         <p:spPr>
           <a:xfrm>
-            <a:off x="0" y="0"/>
-            <a:ext cx="9144000" cy="1149900"/>
+            <a:off y="0" x="0"/>
+            <a:ext cy="1149900" cx="9144000"/>
           </a:xfrm>
           <a:prstGeom prst="rect">
             <a:avLst/>
@@ -2048,13 +1735,11 @@
           </a:ln>
         </p:spPr>
         <p:txBody>
-          <a:bodyPr lIns="91425" tIns="45700" rIns="91425" bIns="45700" anchor="ctr" anchorCtr="0">
+          <a:bodyPr bIns="45700" rIns="91425" lIns="91425" tIns="45700" anchor="ctr" anchorCtr="0">
             <a:noAutofit/>
           </a:bodyPr>
           <a:lstStyle/>
-          <a:p>
-            <a:endParaRPr/>
-          </a:p>
+          <a:p/>
         </p:txBody>
       </p:sp>
       <p:cxnSp>
@@ -2065,8 +1750,8 @@
         </p:nvCxnSpPr>
         <p:spPr>
           <a:xfrm>
-            <a:off x="0" y="1127875"/>
-            <a:ext cx="9144000" cy="0"/>
+            <a:off y="1127875" x="0"/>
+            <a:ext cy="0" cx="9144000"/>
           </a:xfrm>
           <a:prstGeom prst="straightConnector1">
             <a:avLst/>
@@ -2080,32 +1765,30 @@
             </a:solidFill>
             <a:prstDash val="solid"/>
             <a:round/>
-            <a:headEnd type="none" w="med" len="med"/>
-            <a:tailEnd type="none" w="med" len="med"/>
+            <a:headEnd w="med" len="med" type="none"/>
+            <a:tailEnd w="med" len="med" type="none"/>
           </a:ln>
         </p:spPr>
       </p:cxnSp>
       <p:sp>
         <p:nvSpPr>
           <p:cNvPr id="15" name="Shape 15"/>
-          <p:cNvSpPr txBox="1">
-            <a:spLocks noGrp="1"/>
-          </p:cNvSpPr>
+          <p:cNvSpPr txBox="1"/>
           <p:nvPr>
             <p:ph type="title"/>
           </p:nvPr>
         </p:nvSpPr>
         <p:spPr>
           <a:xfrm>
-            <a:off x="457200" y="205978"/>
-            <a:ext cx="8229600" cy="857400"/>
+            <a:off y="205978" x="457200"/>
+            <a:ext cy="857400" cx="8229600"/>
           </a:xfrm>
           <a:prstGeom prst="rect">
             <a:avLst/>
           </a:prstGeom>
         </p:spPr>
         <p:txBody>
-          <a:bodyPr lIns="91425" tIns="91425" rIns="91425" bIns="91425" anchor="b" anchorCtr="0"/>
+          <a:bodyPr bIns="91425" rIns="91425" lIns="91425" tIns="91425" anchor="b" anchorCtr="0"/>
           <a:lstStyle>
             <a:lvl1pPr>
               <a:defRPr/>
@@ -2135,32 +1818,28 @@
               <a:defRPr/>
             </a:lvl9pPr>
           </a:lstStyle>
-          <a:p>
-            <a:endParaRPr/>
-          </a:p>
+          <a:p/>
         </p:txBody>
       </p:sp>
       <p:sp>
         <p:nvSpPr>
           <p:cNvPr id="16" name="Shape 16"/>
-          <p:cNvSpPr txBox="1">
-            <a:spLocks noGrp="1"/>
-          </p:cNvSpPr>
+          <p:cNvSpPr txBox="1"/>
           <p:nvPr>
-            <p:ph type="body" idx="1"/>
+            <p:ph idx="1" type="body"/>
           </p:nvPr>
         </p:nvSpPr>
         <p:spPr>
           <a:xfrm>
-            <a:off x="457200" y="1200150"/>
-            <a:ext cx="8229600" cy="3725699"/>
+            <a:off y="1200150" x="457200"/>
+            <a:ext cy="3725699" cx="8229600"/>
           </a:xfrm>
           <a:prstGeom prst="rect">
             <a:avLst/>
           </a:prstGeom>
         </p:spPr>
         <p:txBody>
-          <a:bodyPr lIns="91425" tIns="91425" rIns="91425" bIns="91425" anchor="t" anchorCtr="0"/>
+          <a:bodyPr bIns="91425" rIns="91425" lIns="91425" tIns="91425" anchor="t" anchorCtr="0"/>
           <a:lstStyle>
             <a:lvl1pPr>
               <a:defRPr/>
@@ -2190,9 +1869,7 @@
               <a:defRPr/>
             </a:lvl9pPr>
           </a:lstStyle>
-          <a:p>
-            <a:endParaRPr/>
-          </a:p>
+          <a:p/>
         </p:txBody>
       </p:sp>
     </p:spTree>
@@ -2204,20 +1881,20 @@
 </file>
 
 <file path=ppt/slideLayouts/slideLayout3.xml><?xml version="1.0" encoding="utf-8"?>
-<p:sldLayout xmlns:a="http://schemas.openxmlformats.org/drawingml/2006/main" xmlns:r="http://schemas.openxmlformats.org/officeDocument/2006/relationships" xmlns:p="http://schemas.openxmlformats.org/presentationml/2006/main" type="twoColTx">
+<p:sldLayout xmlns:a="http://schemas.openxmlformats.org/drawingml/2006/main" xmlns:r="http://schemas.openxmlformats.org/officeDocument/2006/relationships" xmlns:mc="http://schemas.openxmlformats.org/markup-compatibility/2006" xmlns:mv="urn:schemas-microsoft-com:mac:vml" xmlns:p="http://schemas.openxmlformats.org/presentationml/2006/main" xmlns:c="http://schemas.openxmlformats.org/drawingml/2006/chart" xmlns:dgm="http://schemas.openxmlformats.org/drawingml/2006/diagram" xmlns:o="urn:schemas-microsoft-com:office:office" xmlns:v="urn:schemas-microsoft-com:vml" xmlns:pvml="urn:schemas-microsoft-com:office:powerpoint" xmlns:com="http://schemas.openxmlformats.org/drawingml/2006/compatibility" xmlns:p14="http://schemas.microsoft.com/office/powerpoint/2010/main" type="twoColTx">
   <p:cSld name="Title and Two Columns">
     <p:spTree>
       <p:nvGrpSpPr>
-        <p:cNvPr id="1" name="Shape 17"/>
+        <p:cNvPr id="17" name="Shape 17"/>
         <p:cNvGrpSpPr/>
         <p:nvPr/>
       </p:nvGrpSpPr>
       <p:grpSpPr>
         <a:xfrm>
-          <a:off x="0" y="0"/>
-          <a:ext cx="0" cy="0"/>
-          <a:chOff x="0" y="0"/>
-          <a:chExt cx="0" cy="0"/>
+          <a:off y="0" x="0"/>
+          <a:ext cy="0" cx="0"/>
+          <a:chOff y="0" x="0"/>
+          <a:chExt cy="0" cx="0"/>
         </a:xfrm>
       </p:grpSpPr>
       <p:sp>
@@ -2228,8 +1905,8 @@
         </p:nvSpPr>
         <p:spPr>
           <a:xfrm>
-            <a:off x="0" y="0"/>
-            <a:ext cx="9144000" cy="1149900"/>
+            <a:off y="0" x="0"/>
+            <a:ext cy="1149900" cx="9144000"/>
           </a:xfrm>
           <a:prstGeom prst="rect">
             <a:avLst/>
@@ -2242,13 +1919,11 @@
           </a:ln>
         </p:spPr>
         <p:txBody>
-          <a:bodyPr lIns="91425" tIns="45700" rIns="91425" bIns="45700" anchor="ctr" anchorCtr="0">
+          <a:bodyPr bIns="45700" rIns="91425" lIns="91425" tIns="45700" anchor="ctr" anchorCtr="0">
             <a:noAutofit/>
           </a:bodyPr>
           <a:lstStyle/>
-          <a:p>
-            <a:endParaRPr/>
-          </a:p>
+          <a:p/>
         </p:txBody>
       </p:sp>
       <p:cxnSp>
@@ -2259,8 +1934,8 @@
         </p:nvCxnSpPr>
         <p:spPr>
           <a:xfrm>
-            <a:off x="0" y="1127875"/>
-            <a:ext cx="9144000" cy="0"/>
+            <a:off y="1127875" x="0"/>
+            <a:ext cy="0" cx="9144000"/>
           </a:xfrm>
           <a:prstGeom prst="straightConnector1">
             <a:avLst/>
@@ -2274,32 +1949,30 @@
             </a:solidFill>
             <a:prstDash val="solid"/>
             <a:round/>
-            <a:headEnd type="none" w="med" len="med"/>
-            <a:tailEnd type="none" w="med" len="med"/>
+            <a:headEnd w="med" len="med" type="none"/>
+            <a:tailEnd w="med" len="med" type="none"/>
           </a:ln>
         </p:spPr>
       </p:cxnSp>
       <p:sp>
         <p:nvSpPr>
           <p:cNvPr id="20" name="Shape 20"/>
-          <p:cNvSpPr txBox="1">
-            <a:spLocks noGrp="1"/>
-          </p:cNvSpPr>
+          <p:cNvSpPr txBox="1"/>
           <p:nvPr>
             <p:ph type="title"/>
           </p:nvPr>
         </p:nvSpPr>
         <p:spPr>
           <a:xfrm>
-            <a:off x="457200" y="205978"/>
-            <a:ext cx="8229600" cy="857400"/>
+            <a:off y="205978" x="457200"/>
+            <a:ext cy="857400" cx="8229600"/>
           </a:xfrm>
           <a:prstGeom prst="rect">
             <a:avLst/>
           </a:prstGeom>
         </p:spPr>
         <p:txBody>
-          <a:bodyPr lIns="91425" tIns="91425" rIns="91425" bIns="91425" anchor="b" anchorCtr="0"/>
+          <a:bodyPr bIns="91425" rIns="91425" lIns="91425" tIns="91425" anchor="b" anchorCtr="0"/>
           <a:lstStyle>
             <a:lvl1pPr>
               <a:defRPr/>
@@ -2329,32 +2002,28 @@
               <a:defRPr/>
             </a:lvl9pPr>
           </a:lstStyle>
-          <a:p>
-            <a:endParaRPr/>
-          </a:p>
+          <a:p/>
         </p:txBody>
       </p:sp>
       <p:sp>
         <p:nvSpPr>
           <p:cNvPr id="21" name="Shape 21"/>
-          <p:cNvSpPr txBox="1">
-            <a:spLocks noGrp="1"/>
-          </p:cNvSpPr>
+          <p:cNvSpPr txBox="1"/>
           <p:nvPr>
-            <p:ph type="body" idx="1"/>
+            <p:ph idx="1" type="body"/>
           </p:nvPr>
         </p:nvSpPr>
         <p:spPr>
           <a:xfrm>
-            <a:off x="457200" y="1200150"/>
-            <a:ext cx="3994500" cy="3725699"/>
+            <a:off y="1200150" x="457200"/>
+            <a:ext cy="3725699" cx="3994500"/>
           </a:xfrm>
           <a:prstGeom prst="rect">
             <a:avLst/>
           </a:prstGeom>
         </p:spPr>
         <p:txBody>
-          <a:bodyPr lIns="91425" tIns="91425" rIns="91425" bIns="91425" anchor="t" anchorCtr="0"/>
+          <a:bodyPr bIns="91425" rIns="91425" lIns="91425" tIns="91425" anchor="t" anchorCtr="0"/>
           <a:lstStyle>
             <a:lvl1pPr>
               <a:defRPr/>
@@ -2384,32 +2053,28 @@
               <a:defRPr/>
             </a:lvl9pPr>
           </a:lstStyle>
-          <a:p>
-            <a:endParaRPr/>
-          </a:p>
+          <a:p/>
         </p:txBody>
       </p:sp>
       <p:sp>
         <p:nvSpPr>
           <p:cNvPr id="22" name="Shape 22"/>
-          <p:cNvSpPr txBox="1">
-            <a:spLocks noGrp="1"/>
-          </p:cNvSpPr>
+          <p:cNvSpPr txBox="1"/>
           <p:nvPr>
-            <p:ph type="body" idx="2"/>
+            <p:ph idx="2" type="body"/>
           </p:nvPr>
         </p:nvSpPr>
         <p:spPr>
           <a:xfrm>
-            <a:off x="4692273" y="1200150"/>
-            <a:ext cx="3994500" cy="3725699"/>
+            <a:off y="1200150" x="4692273"/>
+            <a:ext cy="3725699" cx="3994500"/>
           </a:xfrm>
           <a:prstGeom prst="rect">
             <a:avLst/>
           </a:prstGeom>
         </p:spPr>
         <p:txBody>
-          <a:bodyPr lIns="91425" tIns="91425" rIns="91425" bIns="91425" anchor="t" anchorCtr="0"/>
+          <a:bodyPr bIns="91425" rIns="91425" lIns="91425" tIns="91425" anchor="t" anchorCtr="0"/>
           <a:lstStyle>
             <a:lvl1pPr>
               <a:defRPr/>
@@ -2439,9 +2104,7 @@
               <a:defRPr/>
             </a:lvl9pPr>
           </a:lstStyle>
-          <a:p>
-            <a:endParaRPr/>
-          </a:p>
+          <a:p/>
         </p:txBody>
       </p:sp>
     </p:spTree>
@@ -2453,20 +2116,20 @@
 </file>
 
 <file path=ppt/slideLayouts/slideLayout4.xml><?xml version="1.0" encoding="utf-8"?>
-<p:sldLayout xmlns:a="http://schemas.openxmlformats.org/drawingml/2006/main" xmlns:r="http://schemas.openxmlformats.org/officeDocument/2006/relationships" xmlns:p="http://schemas.openxmlformats.org/presentationml/2006/main" type="titleOnly">
+<p:sldLayout xmlns:a="http://schemas.openxmlformats.org/drawingml/2006/main" xmlns:r="http://schemas.openxmlformats.org/officeDocument/2006/relationships" xmlns:mc="http://schemas.openxmlformats.org/markup-compatibility/2006" xmlns:mv="urn:schemas-microsoft-com:mac:vml" xmlns:p="http://schemas.openxmlformats.org/presentationml/2006/main" xmlns:c="http://schemas.openxmlformats.org/drawingml/2006/chart" xmlns:dgm="http://schemas.openxmlformats.org/drawingml/2006/diagram" xmlns:o="urn:schemas-microsoft-com:office:office" xmlns:v="urn:schemas-microsoft-com:vml" xmlns:pvml="urn:schemas-microsoft-com:office:powerpoint" xmlns:com="http://schemas.openxmlformats.org/drawingml/2006/compatibility" xmlns:p14="http://schemas.microsoft.com/office/powerpoint/2010/main" type="titleOnly">
   <p:cSld name="Title Only">
     <p:spTree>
       <p:nvGrpSpPr>
-        <p:cNvPr id="1" name="Shape 23"/>
+        <p:cNvPr id="23" name="Shape 23"/>
         <p:cNvGrpSpPr/>
         <p:nvPr/>
       </p:nvGrpSpPr>
       <p:grpSpPr>
         <a:xfrm>
-          <a:off x="0" y="0"/>
-          <a:ext cx="0" cy="0"/>
-          <a:chOff x="0" y="0"/>
-          <a:chExt cx="0" cy="0"/>
+          <a:off y="0" x="0"/>
+          <a:ext cy="0" cx="0"/>
+          <a:chOff y="0" x="0"/>
+          <a:chExt cy="0" cx="0"/>
         </a:xfrm>
       </p:grpSpPr>
       <p:sp>
@@ -2477,8 +2140,8 @@
         </p:nvSpPr>
         <p:spPr>
           <a:xfrm>
-            <a:off x="0" y="0"/>
-            <a:ext cx="9144000" cy="1149900"/>
+            <a:off y="0" x="0"/>
+            <a:ext cy="1149900" cx="9144000"/>
           </a:xfrm>
           <a:prstGeom prst="rect">
             <a:avLst/>
@@ -2491,13 +2154,11 @@
           </a:ln>
         </p:spPr>
         <p:txBody>
-          <a:bodyPr lIns="91425" tIns="45700" rIns="91425" bIns="45700" anchor="ctr" anchorCtr="0">
+          <a:bodyPr bIns="45700" rIns="91425" lIns="91425" tIns="45700" anchor="ctr" anchorCtr="0">
             <a:noAutofit/>
           </a:bodyPr>
           <a:lstStyle/>
-          <a:p>
-            <a:endParaRPr/>
-          </a:p>
+          <a:p/>
         </p:txBody>
       </p:sp>
       <p:cxnSp>
@@ -2508,8 +2169,8 @@
         </p:nvCxnSpPr>
         <p:spPr>
           <a:xfrm>
-            <a:off x="0" y="1127875"/>
-            <a:ext cx="9144000" cy="0"/>
+            <a:off y="1127875" x="0"/>
+            <a:ext cy="0" cx="9144000"/>
           </a:xfrm>
           <a:prstGeom prst="straightConnector1">
             <a:avLst/>
@@ -2523,32 +2184,30 @@
             </a:solidFill>
             <a:prstDash val="solid"/>
             <a:round/>
-            <a:headEnd type="none" w="med" len="med"/>
-            <a:tailEnd type="none" w="med" len="med"/>
+            <a:headEnd w="med" len="med" type="none"/>
+            <a:tailEnd w="med" len="med" type="none"/>
           </a:ln>
         </p:spPr>
       </p:cxnSp>
       <p:sp>
         <p:nvSpPr>
           <p:cNvPr id="26" name="Shape 26"/>
-          <p:cNvSpPr txBox="1">
-            <a:spLocks noGrp="1"/>
-          </p:cNvSpPr>
+          <p:cNvSpPr txBox="1"/>
           <p:nvPr>
             <p:ph type="title"/>
           </p:nvPr>
         </p:nvSpPr>
         <p:spPr>
           <a:xfrm>
-            <a:off x="457200" y="205978"/>
-            <a:ext cx="8229600" cy="857400"/>
+            <a:off y="205978" x="457200"/>
+            <a:ext cy="857400" cx="8229600"/>
           </a:xfrm>
           <a:prstGeom prst="rect">
             <a:avLst/>
           </a:prstGeom>
         </p:spPr>
         <p:txBody>
-          <a:bodyPr lIns="91425" tIns="91425" rIns="91425" bIns="91425" anchor="b" anchorCtr="0"/>
+          <a:bodyPr bIns="91425" rIns="91425" lIns="91425" tIns="91425" anchor="b" anchorCtr="0"/>
           <a:lstStyle>
             <a:lvl1pPr>
               <a:defRPr/>
@@ -2578,9 +2237,7 @@
               <a:defRPr/>
             </a:lvl9pPr>
           </a:lstStyle>
-          <a:p>
-            <a:endParaRPr/>
-          </a:p>
+          <a:p/>
         </p:txBody>
       </p:sp>
     </p:spTree>
@@ -2592,45 +2249,43 @@
 </file>
 
 <file path=ppt/slideLayouts/slideLayout5.xml><?xml version="1.0" encoding="utf-8"?>
-<p:sldLayout xmlns:a="http://schemas.openxmlformats.org/drawingml/2006/main" xmlns:r="http://schemas.openxmlformats.org/officeDocument/2006/relationships" xmlns:p="http://schemas.openxmlformats.org/presentationml/2006/main">
+<p:sldLayout xmlns:a="http://schemas.openxmlformats.org/drawingml/2006/main" xmlns:r="http://schemas.openxmlformats.org/officeDocument/2006/relationships" xmlns:mc="http://schemas.openxmlformats.org/markup-compatibility/2006" xmlns:mv="urn:schemas-microsoft-com:mac:vml" xmlns:p="http://schemas.openxmlformats.org/presentationml/2006/main" xmlns:c="http://schemas.openxmlformats.org/drawingml/2006/chart" xmlns:dgm="http://schemas.openxmlformats.org/drawingml/2006/diagram" xmlns:o="urn:schemas-microsoft-com:office:office" xmlns:v="urn:schemas-microsoft-com:vml" xmlns:pvml="urn:schemas-microsoft-com:office:powerpoint" xmlns:com="http://schemas.openxmlformats.org/drawingml/2006/compatibility" xmlns:p14="http://schemas.microsoft.com/office/powerpoint/2010/main">
   <p:cSld name="Caption">
     <p:spTree>
       <p:nvGrpSpPr>
-        <p:cNvPr id="1" name="Shape 27"/>
+        <p:cNvPr id="27" name="Shape 27"/>
         <p:cNvGrpSpPr/>
         <p:nvPr/>
       </p:nvGrpSpPr>
       <p:grpSpPr>
         <a:xfrm>
-          <a:off x="0" y="0"/>
-          <a:ext cx="0" cy="0"/>
-          <a:chOff x="0" y="0"/>
-          <a:chExt cx="0" cy="0"/>
+          <a:off y="0" x="0"/>
+          <a:ext cy="0" cx="0"/>
+          <a:chOff y="0" x="0"/>
+          <a:chExt cy="0" cx="0"/>
         </a:xfrm>
       </p:grpSpPr>
       <p:sp>
         <p:nvSpPr>
           <p:cNvPr id="28" name="Shape 28"/>
-          <p:cNvSpPr txBox="1">
-            <a:spLocks noGrp="1"/>
-          </p:cNvSpPr>
+          <p:cNvSpPr txBox="1"/>
           <p:nvPr>
-            <p:ph type="body" idx="1"/>
+            <p:ph idx="1" type="body"/>
           </p:nvPr>
         </p:nvSpPr>
         <p:spPr>
           <a:xfrm>
-            <a:off x="457200" y="4406309"/>
-            <a:ext cx="8229600" cy="519599"/>
+            <a:off y="4406309" x="457200"/>
+            <a:ext cy="519599" cx="8229600"/>
           </a:xfrm>
           <a:prstGeom prst="rect">
             <a:avLst/>
           </a:prstGeom>
         </p:spPr>
         <p:txBody>
-          <a:bodyPr lIns="91425" tIns="91425" rIns="91425" bIns="91425" anchor="t" anchorCtr="0"/>
+          <a:bodyPr bIns="91425" rIns="91425" lIns="91425" tIns="91425" anchor="t" anchorCtr="0"/>
           <a:lstStyle>
-            <a:lvl1pPr marL="285750" indent="-171450">
+            <a:lvl1pPr indent="-171450" marL="285750">
               <a:spcBef>
                 <a:spcPts val="0"/>
               </a:spcBef>
@@ -2646,9 +2301,7 @@
               </a:defRPr>
             </a:lvl1pPr>
           </a:lstStyle>
-          <a:p>
-            <a:endParaRPr/>
-          </a:p>
+          <a:p/>
         </p:txBody>
       </p:sp>
       <p:sp>
@@ -2659,8 +2312,8 @@
         </p:nvSpPr>
         <p:spPr>
           <a:xfrm>
-            <a:off x="4274" y="0"/>
-            <a:ext cx="9144000" cy="4406399"/>
+            <a:off y="0" x="4274"/>
+            <a:ext cy="4406399" cx="9144000"/>
           </a:xfrm>
           <a:prstGeom prst="rect">
             <a:avLst/>
@@ -2673,13 +2326,11 @@
           </a:ln>
         </p:spPr>
         <p:txBody>
-          <a:bodyPr lIns="91425" tIns="45700" rIns="91425" bIns="45700" anchor="ctr" anchorCtr="0">
+          <a:bodyPr bIns="45700" rIns="91425" lIns="91425" tIns="45700" anchor="ctr" anchorCtr="0">
             <a:noAutofit/>
           </a:bodyPr>
           <a:lstStyle/>
-          <a:p>
-            <a:endParaRPr/>
-          </a:p>
+          <a:p/>
         </p:txBody>
       </p:sp>
       <p:cxnSp>
@@ -2690,8 +2341,8 @@
         </p:nvCxnSpPr>
         <p:spPr>
           <a:xfrm>
-            <a:off x="0" y="4384371"/>
-            <a:ext cx="9144000" cy="0"/>
+            <a:off y="4384371" x="0"/>
+            <a:ext cy="0" cx="9144000"/>
           </a:xfrm>
           <a:prstGeom prst="straightConnector1">
             <a:avLst/>
@@ -2705,8 +2356,8 @@
             </a:solidFill>
             <a:prstDash val="solid"/>
             <a:round/>
-            <a:headEnd type="none" w="med" len="med"/>
-            <a:tailEnd type="none" w="med" len="med"/>
+            <a:headEnd w="med" len="med" type="none"/>
+            <a:tailEnd w="med" len="med" type="none"/>
           </a:ln>
         </p:spPr>
       </p:cxnSp>
@@ -2719,28 +2370,27 @@
 </file>
 
 <file path=ppt/slideLayouts/slideLayout6.xml><?xml version="1.0" encoding="utf-8"?>
-<p:sldLayout xmlns:a="http://schemas.openxmlformats.org/drawingml/2006/main" xmlns:r="http://schemas.openxmlformats.org/officeDocument/2006/relationships" xmlns:p="http://schemas.openxmlformats.org/presentationml/2006/main" type="blank">
+<p:sldLayout xmlns:a="http://schemas.openxmlformats.org/drawingml/2006/main" xmlns:r="http://schemas.openxmlformats.org/officeDocument/2006/relationships" xmlns:mc="http://schemas.openxmlformats.org/markup-compatibility/2006" xmlns:mv="urn:schemas-microsoft-com:mac:vml" xmlns:p="http://schemas.openxmlformats.org/presentationml/2006/main" xmlns:c="http://schemas.openxmlformats.org/drawingml/2006/chart" xmlns:dgm="http://schemas.openxmlformats.org/drawingml/2006/diagram" xmlns:o="urn:schemas-microsoft-com:office:office" xmlns:v="urn:schemas-microsoft-com:vml" xmlns:pvml="urn:schemas-microsoft-com:office:powerpoint" xmlns:com="http://schemas.openxmlformats.org/drawingml/2006/compatibility" xmlns:p14="http://schemas.microsoft.com/office/powerpoint/2010/main" type="blank">
   <p:cSld name="Blank">
     <p:bg>
       <p:bgPr>
         <a:solidFill>
           <a:schemeClr val="dk2"/>
         </a:solidFill>
-        <a:effectLst/>
       </p:bgPr>
     </p:bg>
     <p:spTree>
       <p:nvGrpSpPr>
-        <p:cNvPr id="1" name="Shape 31"/>
+        <p:cNvPr id="31" name="Shape 31"/>
         <p:cNvGrpSpPr/>
         <p:nvPr/>
       </p:nvGrpSpPr>
       <p:grpSpPr>
         <a:xfrm>
-          <a:off x="0" y="0"/>
-          <a:ext cx="0" cy="0"/>
-          <a:chOff x="0" y="0"/>
-          <a:chExt cx="0" cy="0"/>
+          <a:off y="0" x="0"/>
+          <a:ext cy="0" cx="0"/>
+          <a:chOff y="0" x="0"/>
+          <a:chExt cy="0" cx="0"/>
         </a:xfrm>
       </p:grpSpPr>
     </p:spTree>
@@ -2752,51 +2402,48 @@
 </file>
 
 <file path=ppt/slideMasters/slideMaster1.xml><?xml version="1.0" encoding="utf-8"?>
-<p:sldMaster xmlns:a="http://schemas.openxmlformats.org/drawingml/2006/main" xmlns:r="http://schemas.openxmlformats.org/officeDocument/2006/relationships" xmlns:p="http://schemas.openxmlformats.org/presentationml/2006/main">
+<p:sldMaster xmlns:a="http://schemas.openxmlformats.org/drawingml/2006/main" xmlns:r="http://schemas.openxmlformats.org/officeDocument/2006/relationships" xmlns:mc="http://schemas.openxmlformats.org/markup-compatibility/2006" xmlns:mv="urn:schemas-microsoft-com:mac:vml" xmlns:p="http://schemas.openxmlformats.org/presentationml/2006/main" xmlns:c="http://schemas.openxmlformats.org/drawingml/2006/chart" xmlns:dgm="http://schemas.openxmlformats.org/drawingml/2006/diagram" xmlns:o="urn:schemas-microsoft-com:office:office" xmlns:v="urn:schemas-microsoft-com:vml" xmlns:pvml="urn:schemas-microsoft-com:office:powerpoint" xmlns:com="http://schemas.openxmlformats.org/drawingml/2006/compatibility" xmlns:p14="http://schemas.microsoft.com/office/powerpoint/2010/main">
   <p:cSld>
     <p:bg>
       <p:bgPr>
         <a:solidFill>
           <a:schemeClr val="lt1"/>
         </a:solidFill>
-        <a:effectLst/>
       </p:bgPr>
     </p:bg>
     <p:spTree>
       <p:nvGrpSpPr>
-        <p:cNvPr id="1" name="Shape 4"/>
+        <p:cNvPr id="4" name="Shape 4"/>
         <p:cNvGrpSpPr/>
         <p:nvPr/>
       </p:nvGrpSpPr>
       <p:grpSpPr>
         <a:xfrm>
-          <a:off x="0" y="0"/>
-          <a:ext cx="0" cy="0"/>
-          <a:chOff x="0" y="0"/>
-          <a:chExt cx="0" cy="0"/>
+          <a:off y="0" x="0"/>
+          <a:ext cy="0" cx="0"/>
+          <a:chOff y="0" x="0"/>
+          <a:chExt cy="0" cx="0"/>
         </a:xfrm>
       </p:grpSpPr>
       <p:sp>
         <p:nvSpPr>
           <p:cNvPr id="5" name="Shape 5"/>
-          <p:cNvSpPr txBox="1">
-            <a:spLocks noGrp="1"/>
-          </p:cNvSpPr>
+          <p:cNvSpPr txBox="1"/>
           <p:nvPr>
             <p:ph type="title"/>
           </p:nvPr>
         </p:nvSpPr>
         <p:spPr>
           <a:xfrm>
-            <a:off x="457200" y="205978"/>
-            <a:ext cx="8229600" cy="857400"/>
+            <a:off y="205978" x="457200"/>
+            <a:ext cy="857400" cx="8229600"/>
           </a:xfrm>
           <a:prstGeom prst="rect">
             <a:avLst/>
           </a:prstGeom>
         </p:spPr>
         <p:txBody>
-          <a:bodyPr lIns="91425" tIns="91425" rIns="91425" bIns="91425" anchor="b" anchorCtr="0"/>
+          <a:bodyPr bIns="91425" rIns="91425" lIns="91425" tIns="91425" anchor="b" anchorCtr="0"/>
           <a:lstStyle>
             <a:lvl1pPr marL="0">
               <a:buClr>
@@ -2804,137 +2451,133 @@
               </a:buClr>
               <a:buSzPct val="100000"/>
               <a:buNone/>
-              <a:defRPr sz="3600" b="1">
+              <a:defRPr b="1" sz="3600">
                 <a:solidFill>
                   <a:schemeClr val="lt1"/>
                 </a:solidFill>
               </a:defRPr>
             </a:lvl1pPr>
-            <a:lvl2pPr marL="0" indent="228600">
+            <a:lvl2pPr indent="228600" marL="0">
               <a:buClr>
                 <a:schemeClr val="lt1"/>
               </a:buClr>
               <a:buSzPct val="100000"/>
               <a:buNone/>
-              <a:defRPr sz="3600" b="1">
+              <a:defRPr b="1" sz="3600">
                 <a:solidFill>
                   <a:schemeClr val="lt1"/>
                 </a:solidFill>
               </a:defRPr>
             </a:lvl2pPr>
-            <a:lvl3pPr marL="0" indent="228600">
+            <a:lvl3pPr indent="228600" marL="0">
               <a:buClr>
                 <a:schemeClr val="lt1"/>
               </a:buClr>
               <a:buSzPct val="100000"/>
               <a:buNone/>
-              <a:defRPr sz="3600" b="1">
+              <a:defRPr b="1" sz="3600">
                 <a:solidFill>
                   <a:schemeClr val="lt1"/>
                 </a:solidFill>
               </a:defRPr>
             </a:lvl3pPr>
-            <a:lvl4pPr marL="0" indent="228600">
+            <a:lvl4pPr indent="228600" marL="0">
               <a:buClr>
                 <a:schemeClr val="lt1"/>
               </a:buClr>
               <a:buSzPct val="100000"/>
               <a:buNone/>
-              <a:defRPr sz="3600" b="1">
+              <a:defRPr b="1" sz="3600">
                 <a:solidFill>
                   <a:schemeClr val="lt1"/>
                 </a:solidFill>
               </a:defRPr>
             </a:lvl4pPr>
-            <a:lvl5pPr marL="0" indent="228600">
+            <a:lvl5pPr indent="228600" marL="0">
               <a:buClr>
                 <a:schemeClr val="lt1"/>
               </a:buClr>
               <a:buSzPct val="100000"/>
               <a:buNone/>
-              <a:defRPr sz="3600" b="1">
+              <a:defRPr b="1" sz="3600">
                 <a:solidFill>
                   <a:schemeClr val="lt1"/>
                 </a:solidFill>
               </a:defRPr>
             </a:lvl5pPr>
-            <a:lvl6pPr marL="0" indent="228600">
+            <a:lvl6pPr indent="228600" marL="0">
               <a:buClr>
                 <a:schemeClr val="lt1"/>
               </a:buClr>
               <a:buSzPct val="100000"/>
               <a:buNone/>
-              <a:defRPr sz="3600" b="1">
+              <a:defRPr b="1" sz="3600">
                 <a:solidFill>
                   <a:schemeClr val="lt1"/>
                 </a:solidFill>
               </a:defRPr>
             </a:lvl6pPr>
-            <a:lvl7pPr marL="0" indent="228600">
+            <a:lvl7pPr indent="228600" marL="0">
               <a:buClr>
                 <a:schemeClr val="lt1"/>
               </a:buClr>
               <a:buSzPct val="100000"/>
               <a:buNone/>
-              <a:defRPr sz="3600" b="1">
+              <a:defRPr b="1" sz="3600">
                 <a:solidFill>
                   <a:schemeClr val="lt1"/>
                 </a:solidFill>
               </a:defRPr>
             </a:lvl7pPr>
-            <a:lvl8pPr marL="0" indent="228600">
+            <a:lvl8pPr indent="228600" marL="0">
               <a:buClr>
                 <a:schemeClr val="lt1"/>
               </a:buClr>
               <a:buSzPct val="100000"/>
               <a:buNone/>
-              <a:defRPr sz="3600" b="1">
+              <a:defRPr b="1" sz="3600">
                 <a:solidFill>
                   <a:schemeClr val="lt1"/>
                 </a:solidFill>
               </a:defRPr>
             </a:lvl8pPr>
-            <a:lvl9pPr marL="0" indent="228600">
+            <a:lvl9pPr indent="228600" marL="0">
               <a:buClr>
                 <a:schemeClr val="lt1"/>
               </a:buClr>
               <a:buSzPct val="100000"/>
               <a:buNone/>
-              <a:defRPr sz="3600" b="1">
+              <a:defRPr b="1" sz="3600">
                 <a:solidFill>
                   <a:schemeClr val="lt1"/>
                 </a:solidFill>
               </a:defRPr>
             </a:lvl9pPr>
           </a:lstStyle>
-          <a:p>
-            <a:endParaRPr/>
-          </a:p>
+          <a:p/>
         </p:txBody>
       </p:sp>
       <p:sp>
         <p:nvSpPr>
           <p:cNvPr id="6" name="Shape 6"/>
-          <p:cNvSpPr txBox="1">
-            <a:spLocks noGrp="1"/>
-          </p:cNvSpPr>
+          <p:cNvSpPr txBox="1"/>
           <p:nvPr>
-            <p:ph type="body" idx="1"/>
+            <p:ph idx="1" type="body"/>
           </p:nvPr>
         </p:nvSpPr>
         <p:spPr>
           <a:xfrm>
-            <a:off x="457200" y="1200150"/>
-            <a:ext cx="8229600" cy="3725699"/>
+            <a:off y="1200150" x="457200"/>
+            <a:ext cy="3725699" cx="8229600"/>
           </a:xfrm>
           <a:prstGeom prst="rect">
             <a:avLst/>
           </a:prstGeom>
         </p:spPr>
         <p:txBody>
-          <a:bodyPr lIns="91425" tIns="91425" rIns="91425" bIns="91425" anchor="t" anchorCtr="0"/>
+          <a:bodyPr bIns="91425" rIns="91425" lIns="91425" tIns="91425" anchor="t" anchorCtr="0"/>
           <a:lstStyle>
-            <a:lvl1pPr marL="342900" indent="-152400">
+            <a:lvl1pPr indent="-152400" marL="342900">
               <a:spcBef>
                 <a:spcPts val="600"/>
               </a:spcBef>
@@ -2948,7 +2591,7 @@
                 </a:solidFill>
               </a:defRPr>
             </a:lvl1pPr>
-            <a:lvl2pPr marL="742950" indent="-133350">
+            <a:lvl2pPr indent="-133350" marL="742950">
               <a:spcBef>
                 <a:spcPts val="480"/>
               </a:spcBef>
@@ -2962,7 +2605,7 @@
                 </a:solidFill>
               </a:defRPr>
             </a:lvl2pPr>
-            <a:lvl3pPr marL="1143000" indent="-76200">
+            <a:lvl3pPr indent="-76200" marL="1143000">
               <a:spcBef>
                 <a:spcPts val="480"/>
               </a:spcBef>
@@ -2976,7 +2619,7 @@
                 </a:solidFill>
               </a:defRPr>
             </a:lvl3pPr>
-            <a:lvl4pPr marL="1600200" indent="-114300">
+            <a:lvl4pPr indent="-114300" marL="1600200">
               <a:spcBef>
                 <a:spcPts val="360"/>
               </a:spcBef>
@@ -2990,7 +2633,7 @@
                 </a:solidFill>
               </a:defRPr>
             </a:lvl4pPr>
-            <a:lvl5pPr marL="2057400" indent="-114300">
+            <a:lvl5pPr indent="-114300" marL="2057400">
               <a:spcBef>
                 <a:spcPts val="360"/>
               </a:spcBef>
@@ -3004,7 +2647,7 @@
                 </a:solidFill>
               </a:defRPr>
             </a:lvl5pPr>
-            <a:lvl6pPr marL="2514600" indent="-114300">
+            <a:lvl6pPr indent="-114300" marL="2514600">
               <a:spcBef>
                 <a:spcPts val="360"/>
               </a:spcBef>
@@ -3018,7 +2661,7 @@
                 </a:solidFill>
               </a:defRPr>
             </a:lvl6pPr>
-            <a:lvl7pPr marL="2971800" indent="-114300">
+            <a:lvl7pPr indent="-114300" marL="2971800">
               <a:spcBef>
                 <a:spcPts val="360"/>
               </a:spcBef>
@@ -3032,7 +2675,7 @@
                 </a:solidFill>
               </a:defRPr>
             </a:lvl7pPr>
-            <a:lvl8pPr marL="3429000" indent="-114300">
+            <a:lvl8pPr indent="-114300" marL="3429000">
               <a:spcBef>
                 <a:spcPts val="360"/>
               </a:spcBef>
@@ -3046,7 +2689,7 @@
                 </a:solidFill>
               </a:defRPr>
             </a:lvl8pPr>
-            <a:lvl9pPr marL="3886200" indent="-114300">
+            <a:lvl9pPr indent="-114300" marL="3886200">
               <a:spcBef>
                 <a:spcPts val="360"/>
               </a:spcBef>
@@ -3061,14 +2704,12 @@
               </a:defRPr>
             </a:lvl9pPr>
           </a:lstStyle>
-          <a:p>
-            <a:endParaRPr/>
-          </a:p>
+          <a:p/>
         </p:txBody>
       </p:sp>
     </p:spTree>
   </p:cSld>
-  <p:clrMap bg1="lt1" tx1="dk1" bg2="dk2" tx2="lt2" accent1="accent1" accent2="accent2" accent3="accent3" accent4="accent4" accent5="accent5" accent6="accent6" hlink="hlink" folHlink="folHlink"/>
+  <p:clrMap accent2="accent2" accent3="accent3" accent4="accent4" accent5="accent5" accent6="accent6" hlink="hlink" tx2="lt2" tx1="dk1" bg2="dk2" bg1="lt1" folHlink="folHlink" accent1="accent1"/>
   <p:sldLayoutIdLst>
     <p:sldLayoutId id="2147483648" r:id="rId1"/>
     <p:sldLayoutId id="2147483649" r:id="rId2"/>
@@ -3079,7 +2720,7 @@
   </p:sldLayoutIdLst>
   <p:txStyles>
     <p:titleStyle>
-      <a:defPPr marR="0" algn="l" rtl="0">
+      <a:defPPr algn="l" rtl="0" marR="0">
         <a:lnSpc>
           <a:spcPct val="100000"/>
         </a:lnSpc>
@@ -3090,7 +2731,7 @@
           <a:spcPts val="0"/>
         </a:spcAft>
       </a:defPPr>
-      <a:lvl1pPr marR="0" algn="l" rtl="0">
+      <a:lvl1pPr algn="l" rtl="0" marR="0">
         <a:lnSpc>
           <a:spcPct val="100000"/>
         </a:lnSpc>
@@ -3101,7 +2742,7 @@
           <a:spcPts val="0"/>
         </a:spcAft>
         <a:buNone/>
-        <a:defRPr sz="1400" b="0" i="0" u="none" strike="noStrike" cap="none" baseline="0">
+        <a:defRPr strike="noStrike" u="none" b="0" cap="none" baseline="0" sz="1400" i="0">
           <a:solidFill>
             <a:srgbClr val="000000"/>
           </a:solidFill>
@@ -3112,7 +2753,7 @@
           <a:rtl val="0"/>
         </a:defRPr>
       </a:lvl1pPr>
-      <a:lvl2pPr marR="0" algn="l" rtl="0">
+      <a:lvl2pPr algn="l" rtl="0" marR="0">
         <a:lnSpc>
           <a:spcPct val="100000"/>
         </a:lnSpc>
@@ -3123,7 +2764,7 @@
           <a:spcPts val="0"/>
         </a:spcAft>
         <a:buNone/>
-        <a:defRPr sz="1400" b="0" i="0" u="none" strike="noStrike" cap="none" baseline="0">
+        <a:defRPr strike="noStrike" u="none" b="0" cap="none" baseline="0" sz="1400" i="0">
           <a:solidFill>
             <a:srgbClr val="000000"/>
           </a:solidFill>
@@ -3136,7 +2777,7 @@
       </a:lvl2pPr>
     </p:titleStyle>
     <p:bodyStyle>
-      <a:defPPr marR="0" algn="l" rtl="0">
+      <a:defPPr algn="l" rtl="0" marR="0">
         <a:lnSpc>
           <a:spcPct val="100000"/>
         </a:lnSpc>
@@ -3147,7 +2788,7 @@
           <a:spcPts val="0"/>
         </a:spcAft>
       </a:defPPr>
-      <a:lvl1pPr marR="0" algn="l" rtl="0">
+      <a:lvl1pPr algn="l" rtl="0" marR="0">
         <a:lnSpc>
           <a:spcPct val="100000"/>
         </a:lnSpc>
@@ -3158,7 +2799,7 @@
           <a:spcPts val="0"/>
         </a:spcAft>
         <a:buNone/>
-        <a:defRPr sz="1400" b="0" i="0" u="none" strike="noStrike" cap="none" baseline="0">
+        <a:defRPr strike="noStrike" u="none" b="0" cap="none" baseline="0" sz="1400" i="0">
           <a:solidFill>
             <a:srgbClr val="000000"/>
           </a:solidFill>
@@ -3169,7 +2810,7 @@
           <a:rtl val="0"/>
         </a:defRPr>
       </a:lvl1pPr>
-      <a:lvl2pPr marR="0" algn="l" rtl="0">
+      <a:lvl2pPr algn="l" rtl="0" marR="0">
         <a:lnSpc>
           <a:spcPct val="100000"/>
         </a:lnSpc>
@@ -3180,7 +2821,7 @@
           <a:spcPts val="0"/>
         </a:spcAft>
         <a:buNone/>
-        <a:defRPr sz="1400" b="0" i="0" u="none" strike="noStrike" cap="none" baseline="0">
+        <a:defRPr strike="noStrike" u="none" b="0" cap="none" baseline="0" sz="1400" i="0">
           <a:solidFill>
             <a:srgbClr val="000000"/>
           </a:solidFill>
@@ -3191,7 +2832,7 @@
           <a:rtl val="0"/>
         </a:defRPr>
       </a:lvl2pPr>
-      <a:lvl3pPr marR="0" algn="l" rtl="0">
+      <a:lvl3pPr algn="l" rtl="0" marR="0">
         <a:lnSpc>
           <a:spcPct val="100000"/>
         </a:lnSpc>
@@ -3202,7 +2843,7 @@
           <a:spcPts val="0"/>
         </a:spcAft>
         <a:buNone/>
-        <a:defRPr sz="1400" b="0" i="0" u="none" strike="noStrike" cap="none" baseline="0">
+        <a:defRPr strike="noStrike" u="none" b="0" cap="none" baseline="0" sz="1400" i="0">
           <a:solidFill>
             <a:srgbClr val="000000"/>
           </a:solidFill>
@@ -3213,7 +2854,7 @@
           <a:rtl val="0"/>
         </a:defRPr>
       </a:lvl3pPr>
-      <a:lvl4pPr marR="0" algn="l" rtl="0">
+      <a:lvl4pPr algn="l" rtl="0" marR="0">
         <a:lnSpc>
           <a:spcPct val="100000"/>
         </a:lnSpc>
@@ -3224,7 +2865,7 @@
           <a:spcPts val="0"/>
         </a:spcAft>
         <a:buNone/>
-        <a:defRPr sz="1400" b="0" i="0" u="none" strike="noStrike" cap="none" baseline="0">
+        <a:defRPr strike="noStrike" u="none" b="0" cap="none" baseline="0" sz="1400" i="0">
           <a:solidFill>
             <a:srgbClr val="000000"/>
           </a:solidFill>
@@ -3235,7 +2876,7 @@
           <a:rtl val="0"/>
         </a:defRPr>
       </a:lvl4pPr>
-      <a:lvl5pPr marR="0" algn="l" rtl="0">
+      <a:lvl5pPr algn="l" rtl="0" marR="0">
         <a:lnSpc>
           <a:spcPct val="100000"/>
         </a:lnSpc>
@@ -3246,7 +2887,7 @@
           <a:spcPts val="0"/>
         </a:spcAft>
         <a:buNone/>
-        <a:defRPr sz="1400" b="0" i="0" u="none" strike="noStrike" cap="none" baseline="0">
+        <a:defRPr strike="noStrike" u="none" b="0" cap="none" baseline="0" sz="1400" i="0">
           <a:solidFill>
             <a:srgbClr val="000000"/>
           </a:solidFill>
@@ -3257,7 +2898,7 @@
           <a:rtl val="0"/>
         </a:defRPr>
       </a:lvl5pPr>
-      <a:lvl6pPr marR="0" algn="l" rtl="0">
+      <a:lvl6pPr algn="l" rtl="0" marR="0">
         <a:lnSpc>
           <a:spcPct val="100000"/>
         </a:lnSpc>
@@ -3268,7 +2909,7 @@
           <a:spcPts val="0"/>
         </a:spcAft>
         <a:buNone/>
-        <a:defRPr sz="1400" b="0" i="0" u="none" strike="noStrike" cap="none" baseline="0">
+        <a:defRPr strike="noStrike" u="none" b="0" cap="none" baseline="0" sz="1400" i="0">
           <a:solidFill>
             <a:srgbClr val="000000"/>
           </a:solidFill>
@@ -3279,7 +2920,7 @@
           <a:rtl val="0"/>
         </a:defRPr>
       </a:lvl6pPr>
-      <a:lvl7pPr marR="0" algn="l" rtl="0">
+      <a:lvl7pPr algn="l" rtl="0" marR="0">
         <a:lnSpc>
           <a:spcPct val="100000"/>
         </a:lnSpc>
@@ -3290,7 +2931,7 @@
           <a:spcPts val="0"/>
         </a:spcAft>
         <a:buNone/>
-        <a:defRPr sz="1400" b="0" i="0" u="none" strike="noStrike" cap="none" baseline="0">
+        <a:defRPr strike="noStrike" u="none" b="0" cap="none" baseline="0" sz="1400" i="0">
           <a:solidFill>
             <a:srgbClr val="000000"/>
           </a:solidFill>
@@ -3301,7 +2942,7 @@
           <a:rtl val="0"/>
         </a:defRPr>
       </a:lvl7pPr>
-      <a:lvl8pPr marR="0" algn="l" rtl="0">
+      <a:lvl8pPr algn="l" rtl="0" marR="0">
         <a:lnSpc>
           <a:spcPct val="100000"/>
         </a:lnSpc>
@@ -3312,7 +2953,7 @@
           <a:spcPts val="0"/>
         </a:spcAft>
         <a:buNone/>
-        <a:defRPr sz="1400" b="0" i="0" u="none" strike="noStrike" cap="none" baseline="0">
+        <a:defRPr strike="noStrike" u="none" b="0" cap="none" baseline="0" sz="1400" i="0">
           <a:solidFill>
             <a:srgbClr val="000000"/>
           </a:solidFill>
@@ -3323,7 +2964,7 @@
           <a:rtl val="0"/>
         </a:defRPr>
       </a:lvl8pPr>
-      <a:lvl9pPr marR="0" algn="l" rtl="0">
+      <a:lvl9pPr algn="l" rtl="0" marR="0">
         <a:lnSpc>
           <a:spcPct val="100000"/>
         </a:lnSpc>
@@ -3334,7 +2975,7 @@
           <a:spcPts val="0"/>
         </a:spcAft>
         <a:buNone/>
-        <a:defRPr sz="1400" b="0" i="0" u="none" strike="noStrike" cap="none" baseline="0">
+        <a:defRPr strike="noStrike" u="none" b="0" cap="none" baseline="0" sz="1400" i="0">
           <a:solidFill>
             <a:srgbClr val="000000"/>
           </a:solidFill>
@@ -3347,7 +2988,7 @@
       </a:lvl9pPr>
     </p:bodyStyle>
     <p:otherStyle>
-      <a:defPPr marR="0" algn="l" rtl="0">
+      <a:defPPr algn="l" rtl="0" marR="0">
         <a:lnSpc>
           <a:spcPct val="100000"/>
         </a:lnSpc>
@@ -3358,7 +2999,7 @@
           <a:spcPts val="0"/>
         </a:spcAft>
       </a:defPPr>
-      <a:lvl1pPr marR="0" algn="l" rtl="0">
+      <a:lvl1pPr algn="l" rtl="0" marR="0">
         <a:lnSpc>
           <a:spcPct val="100000"/>
         </a:lnSpc>
@@ -3369,7 +3010,7 @@
           <a:spcPts val="0"/>
         </a:spcAft>
         <a:buNone/>
-        <a:defRPr sz="1400" b="0" i="0" u="none" strike="noStrike" cap="none" baseline="0">
+        <a:defRPr strike="noStrike" u="none" b="0" cap="none" baseline="0" sz="1400" i="0">
           <a:solidFill>
             <a:srgbClr val="000000"/>
           </a:solidFill>
@@ -3380,7 +3021,7 @@
           <a:rtl val="0"/>
         </a:defRPr>
       </a:lvl1pPr>
-      <a:lvl2pPr marR="0" algn="l" rtl="0">
+      <a:lvl2pPr algn="l" rtl="0" marR="0">
         <a:lnSpc>
           <a:spcPct val="100000"/>
         </a:lnSpc>
@@ -3391,7 +3032,7 @@
           <a:spcPts val="0"/>
         </a:spcAft>
         <a:buNone/>
-        <a:defRPr sz="1400" b="0" i="0" u="none" strike="noStrike" cap="none" baseline="0">
+        <a:defRPr strike="noStrike" u="none" b="0" cap="none" baseline="0" sz="1400" i="0">
           <a:solidFill>
             <a:srgbClr val="000000"/>
           </a:solidFill>
@@ -3402,7 +3043,7 @@
           <a:rtl val="0"/>
         </a:defRPr>
       </a:lvl2pPr>
-      <a:lvl3pPr marR="0" algn="l" rtl="0">
+      <a:lvl3pPr algn="l" rtl="0" marR="0">
         <a:lnSpc>
           <a:spcPct val="100000"/>
         </a:lnSpc>
@@ -3413,7 +3054,7 @@
           <a:spcPts val="0"/>
         </a:spcAft>
         <a:buNone/>
-        <a:defRPr sz="1400" b="0" i="0" u="none" strike="noStrike" cap="none" baseline="0">
+        <a:defRPr strike="noStrike" u="none" b="0" cap="none" baseline="0" sz="1400" i="0">
           <a:solidFill>
             <a:srgbClr val="000000"/>
           </a:solidFill>
@@ -3424,7 +3065,7 @@
           <a:rtl val="0"/>
         </a:defRPr>
       </a:lvl3pPr>
-      <a:lvl4pPr marR="0" algn="l" rtl="0">
+      <a:lvl4pPr algn="l" rtl="0" marR="0">
         <a:lnSpc>
           <a:spcPct val="100000"/>
         </a:lnSpc>
@@ -3435,7 +3076,7 @@
           <a:spcPts val="0"/>
         </a:spcAft>
         <a:buNone/>
-        <a:defRPr sz="1400" b="0" i="0" u="none" strike="noStrike" cap="none" baseline="0">
+        <a:defRPr strike="noStrike" u="none" b="0" cap="none" baseline="0" sz="1400" i="0">
           <a:solidFill>
             <a:srgbClr val="000000"/>
           </a:solidFill>
@@ -3446,7 +3087,7 @@
           <a:rtl val="0"/>
         </a:defRPr>
       </a:lvl4pPr>
-      <a:lvl5pPr marR="0" algn="l" rtl="0">
+      <a:lvl5pPr algn="l" rtl="0" marR="0">
         <a:lnSpc>
           <a:spcPct val="100000"/>
         </a:lnSpc>
@@ -3457,7 +3098,7 @@
           <a:spcPts val="0"/>
         </a:spcAft>
         <a:buNone/>
-        <a:defRPr sz="1400" b="0" i="0" u="none" strike="noStrike" cap="none" baseline="0">
+        <a:defRPr strike="noStrike" u="none" b="0" cap="none" baseline="0" sz="1400" i="0">
           <a:solidFill>
             <a:srgbClr val="000000"/>
           </a:solidFill>
@@ -3468,7 +3109,7 @@
           <a:rtl val="0"/>
         </a:defRPr>
       </a:lvl5pPr>
-      <a:lvl6pPr marR="0" algn="l" rtl="0">
+      <a:lvl6pPr algn="l" rtl="0" marR="0">
         <a:lnSpc>
           <a:spcPct val="100000"/>
         </a:lnSpc>
@@ -3479,7 +3120,7 @@
           <a:spcPts val="0"/>
         </a:spcAft>
         <a:buNone/>
-        <a:defRPr sz="1400" b="0" i="0" u="none" strike="noStrike" cap="none" baseline="0">
+        <a:defRPr strike="noStrike" u="none" b="0" cap="none" baseline="0" sz="1400" i="0">
           <a:solidFill>
             <a:srgbClr val="000000"/>
           </a:solidFill>
@@ -3490,7 +3131,7 @@
           <a:rtl val="0"/>
         </a:defRPr>
       </a:lvl6pPr>
-      <a:lvl7pPr marR="0" algn="l" rtl="0">
+      <a:lvl7pPr algn="l" rtl="0" marR="0">
         <a:lnSpc>
           <a:spcPct val="100000"/>
         </a:lnSpc>
@@ -3501,7 +3142,7 @@
           <a:spcPts val="0"/>
         </a:spcAft>
         <a:buNone/>
-        <a:defRPr sz="1400" b="0" i="0" u="none" strike="noStrike" cap="none" baseline="0">
+        <a:defRPr strike="noStrike" u="none" b="0" cap="none" baseline="0" sz="1400" i="0">
           <a:solidFill>
             <a:srgbClr val="000000"/>
           </a:solidFill>
@@ -3512,7 +3153,7 @@
           <a:rtl val="0"/>
         </a:defRPr>
       </a:lvl7pPr>
-      <a:lvl8pPr marR="0" algn="l" rtl="0">
+      <a:lvl8pPr algn="l" rtl="0" marR="0">
         <a:lnSpc>
           <a:spcPct val="100000"/>
         </a:lnSpc>
@@ -3523,7 +3164,7 @@
           <a:spcPts val="0"/>
         </a:spcAft>
         <a:buNone/>
-        <a:defRPr sz="1400" b="0" i="0" u="none" strike="noStrike" cap="none" baseline="0">
+        <a:defRPr strike="noStrike" u="none" b="0" cap="none" baseline="0" sz="1400" i="0">
           <a:solidFill>
             <a:srgbClr val="000000"/>
           </a:solidFill>
@@ -3534,7 +3175,7 @@
           <a:rtl val="0"/>
         </a:defRPr>
       </a:lvl8pPr>
-      <a:lvl9pPr marR="0" algn="l" rtl="0">
+      <a:lvl9pPr algn="l" rtl="0" marR="0">
         <a:lnSpc>
           <a:spcPct val="100000"/>
         </a:lnSpc>
@@ -3545,7 +3186,7 @@
           <a:spcPts val="0"/>
         </a:spcAft>
         <a:buNone/>
-        <a:defRPr sz="1400" b="0" i="0" u="none" strike="noStrike" cap="none" baseline="0">
+        <a:defRPr strike="noStrike" u="none" b="0" cap="none" baseline="0" sz="1400" i="0">
           <a:solidFill>
             <a:srgbClr val="000000"/>
           </a:solidFill>
@@ -3562,43 +3203,41 @@
 </file>
 
 <file path=ppt/slides/slide1.xml><?xml version="1.0" encoding="utf-8"?>
-<p:sld xmlns:a="http://schemas.openxmlformats.org/drawingml/2006/main" xmlns:r="http://schemas.openxmlformats.org/officeDocument/2006/relationships" xmlns:p="http://schemas.openxmlformats.org/presentationml/2006/main">
+<p:sld xmlns:a="http://schemas.openxmlformats.org/drawingml/2006/main" xmlns:r="http://schemas.openxmlformats.org/officeDocument/2006/relationships" xmlns:mc="http://schemas.openxmlformats.org/markup-compatibility/2006" xmlns:mv="urn:schemas-microsoft-com:mac:vml" xmlns:p="http://schemas.openxmlformats.org/presentationml/2006/main" xmlns:c="http://schemas.openxmlformats.org/drawingml/2006/chart" xmlns:dgm="http://schemas.openxmlformats.org/drawingml/2006/diagram" xmlns:o="urn:schemas-microsoft-com:office:office" xmlns:v="urn:schemas-microsoft-com:vml" xmlns:pvml="urn:schemas-microsoft-com:office:powerpoint" xmlns:com="http://schemas.openxmlformats.org/drawingml/2006/compatibility" xmlns:p14="http://schemas.microsoft.com/office/powerpoint/2010/main">
   <p:cSld>
     <p:spTree>
       <p:nvGrpSpPr>
-        <p:cNvPr id="1" name="Shape 32"/>
+        <p:cNvPr id="32" name="Shape 32"/>
         <p:cNvGrpSpPr/>
         <p:nvPr/>
       </p:nvGrpSpPr>
       <p:grpSpPr>
         <a:xfrm>
-          <a:off x="0" y="0"/>
-          <a:ext cx="0" cy="0"/>
-          <a:chOff x="0" y="0"/>
-          <a:chExt cx="0" cy="0"/>
+          <a:off y="0" x="0"/>
+          <a:ext cy="0" cx="0"/>
+          <a:chOff y="0" x="0"/>
+          <a:chExt cy="0" cx="0"/>
         </a:xfrm>
       </p:grpSpPr>
       <p:sp>
         <p:nvSpPr>
           <p:cNvPr id="33" name="Shape 33"/>
-          <p:cNvSpPr txBox="1">
-            <a:spLocks noGrp="1"/>
-          </p:cNvSpPr>
+          <p:cNvSpPr txBox="1"/>
           <p:nvPr>
             <p:ph type="ctrTitle"/>
           </p:nvPr>
         </p:nvSpPr>
         <p:spPr>
           <a:xfrm>
-            <a:off x="685800" y="1867781"/>
-            <a:ext cx="7772400" cy="1648800"/>
+            <a:off y="1867781" x="685800"/>
+            <a:ext cy="1648800" cx="7772400"/>
           </a:xfrm>
           <a:prstGeom prst="rect">
             <a:avLst/>
           </a:prstGeom>
         </p:spPr>
         <p:txBody>
-          <a:bodyPr lIns="91425" tIns="91425" rIns="91425" bIns="91425" anchor="b" anchorCtr="0">
+          <a:bodyPr bIns="91425" rIns="91425" lIns="91425" tIns="91425" anchor="b" anchorCtr="0">
             <a:noAutofit/>
           </a:bodyPr>
           <a:lstStyle/>
@@ -3621,24 +3260,22 @@
       <p:sp>
         <p:nvSpPr>
           <p:cNvPr id="34" name="Shape 34"/>
-          <p:cNvSpPr txBox="1">
-            <a:spLocks noGrp="1"/>
-          </p:cNvSpPr>
+          <p:cNvSpPr txBox="1"/>
           <p:nvPr>
-            <p:ph type="subTitle" idx="1"/>
+            <p:ph idx="1" type="subTitle"/>
           </p:nvPr>
         </p:nvSpPr>
         <p:spPr>
           <a:xfrm>
-            <a:off x="685800" y="3627026"/>
-            <a:ext cx="7772400" cy="774300"/>
+            <a:off y="3627026" x="685800"/>
+            <a:ext cy="774300" cx="7772400"/>
           </a:xfrm>
           <a:prstGeom prst="rect">
             <a:avLst/>
           </a:prstGeom>
         </p:spPr>
         <p:txBody>
-          <a:bodyPr lIns="91425" tIns="91425" rIns="91425" bIns="91425" anchor="t" anchorCtr="0">
+          <a:bodyPr bIns="91425" rIns="91425" lIns="91425" tIns="91425" anchor="t" anchorCtr="0">
             <a:noAutofit/>
           </a:bodyPr>
           <a:lstStyle/>
@@ -3670,43 +3307,41 @@
 </file>
 
 <file path=ppt/slides/slide10.xml><?xml version="1.0" encoding="utf-8"?>
-<p:sld xmlns:a="http://schemas.openxmlformats.org/drawingml/2006/main" xmlns:r="http://schemas.openxmlformats.org/officeDocument/2006/relationships" xmlns:p="http://schemas.openxmlformats.org/presentationml/2006/main">
+<p:sld xmlns:a="http://schemas.openxmlformats.org/drawingml/2006/main" xmlns:r="http://schemas.openxmlformats.org/officeDocument/2006/relationships" xmlns:mc="http://schemas.openxmlformats.org/markup-compatibility/2006" xmlns:mv="urn:schemas-microsoft-com:mac:vml" xmlns:p="http://schemas.openxmlformats.org/presentationml/2006/main" xmlns:c="http://schemas.openxmlformats.org/drawingml/2006/chart" xmlns:dgm="http://schemas.openxmlformats.org/drawingml/2006/diagram" xmlns:o="urn:schemas-microsoft-com:office:office" xmlns:v="urn:schemas-microsoft-com:vml" xmlns:pvml="urn:schemas-microsoft-com:office:powerpoint" xmlns:com="http://schemas.openxmlformats.org/drawingml/2006/compatibility" xmlns:p14="http://schemas.microsoft.com/office/powerpoint/2010/main">
   <p:cSld>
     <p:spTree>
       <p:nvGrpSpPr>
-        <p:cNvPr id="1" name="Shape 87"/>
+        <p:cNvPr id="87" name="Shape 87"/>
         <p:cNvGrpSpPr/>
         <p:nvPr/>
       </p:nvGrpSpPr>
       <p:grpSpPr>
         <a:xfrm>
-          <a:off x="0" y="0"/>
-          <a:ext cx="0" cy="0"/>
-          <a:chOff x="0" y="0"/>
-          <a:chExt cx="0" cy="0"/>
+          <a:off y="0" x="0"/>
+          <a:ext cy="0" cx="0"/>
+          <a:chOff y="0" x="0"/>
+          <a:chExt cy="0" cx="0"/>
         </a:xfrm>
       </p:grpSpPr>
       <p:sp>
         <p:nvSpPr>
           <p:cNvPr id="88" name="Shape 88"/>
-          <p:cNvSpPr txBox="1">
-            <a:spLocks noGrp="1"/>
-          </p:cNvSpPr>
+          <p:cNvSpPr txBox="1"/>
           <p:nvPr>
             <p:ph type="title"/>
           </p:nvPr>
         </p:nvSpPr>
         <p:spPr>
           <a:xfrm>
-            <a:off x="457200" y="205978"/>
-            <a:ext cx="8229600" cy="857400"/>
+            <a:off y="205978" x="457200"/>
+            <a:ext cy="857400" cx="8229600"/>
           </a:xfrm>
           <a:prstGeom prst="rect">
             <a:avLst/>
           </a:prstGeom>
         </p:spPr>
         <p:txBody>
-          <a:bodyPr lIns="91425" tIns="91425" rIns="91425" bIns="91425" anchor="b" anchorCtr="0">
+          <a:bodyPr bIns="91425" rIns="91425" lIns="91425" tIns="91425" anchor="b" anchorCtr="0">
             <a:noAutofit/>
           </a:bodyPr>
           <a:lstStyle/>
@@ -3729,29 +3364,27 @@
       <p:sp>
         <p:nvSpPr>
           <p:cNvPr id="89" name="Shape 89"/>
-          <p:cNvSpPr txBox="1">
-            <a:spLocks noGrp="1"/>
-          </p:cNvSpPr>
+          <p:cNvSpPr txBox="1"/>
           <p:nvPr>
-            <p:ph type="body" idx="1"/>
+            <p:ph idx="1" type="body"/>
           </p:nvPr>
         </p:nvSpPr>
         <p:spPr>
           <a:xfrm>
-            <a:off x="457200" y="1200150"/>
-            <a:ext cx="8229600" cy="3725699"/>
+            <a:off y="1200150" x="457200"/>
+            <a:ext cy="3725699" cx="8229600"/>
           </a:xfrm>
           <a:prstGeom prst="rect">
             <a:avLst/>
           </a:prstGeom>
         </p:spPr>
         <p:txBody>
-          <a:bodyPr lIns="91425" tIns="91425" rIns="91425" bIns="91425" anchor="t" anchorCtr="0">
+          <a:bodyPr bIns="91425" rIns="91425" lIns="91425" tIns="91425" anchor="t" anchorCtr="0">
             <a:noAutofit/>
           </a:bodyPr>
           <a:lstStyle/>
           <a:p>
-            <a:pPr lvl="0" rtl="0">
+            <a:pPr rtl="0" lvl="0">
               <a:buNone/>
             </a:pPr>
             <a:r>
@@ -3765,7 +3398,7 @@
             </a:r>
           </a:p>
           <a:p>
-            <a:pPr lvl="0" rtl="0">
+            <a:pPr rtl="0" lvl="0">
               <a:buNone/>
             </a:pPr>
             <a:r>
@@ -3779,7 +3412,7 @@
             </a:r>
           </a:p>
           <a:p>
-            <a:pPr lvl="0" rtl="0">
+            <a:pPr rtl="0" lvl="0">
               <a:buNone/>
             </a:pPr>
             <a:r>
@@ -3820,43 +3453,41 @@
 </file>
 
 <file path=ppt/slides/slide11.xml><?xml version="1.0" encoding="utf-8"?>
-<p:sld xmlns:a="http://schemas.openxmlformats.org/drawingml/2006/main" xmlns:r="http://schemas.openxmlformats.org/officeDocument/2006/relationships" xmlns:p="http://schemas.openxmlformats.org/presentationml/2006/main">
+<p:sld xmlns:a="http://schemas.openxmlformats.org/drawingml/2006/main" xmlns:r="http://schemas.openxmlformats.org/officeDocument/2006/relationships" xmlns:mc="http://schemas.openxmlformats.org/markup-compatibility/2006" xmlns:mv="urn:schemas-microsoft-com:mac:vml" xmlns:p="http://schemas.openxmlformats.org/presentationml/2006/main" xmlns:c="http://schemas.openxmlformats.org/drawingml/2006/chart" xmlns:dgm="http://schemas.openxmlformats.org/drawingml/2006/diagram" xmlns:o="urn:schemas-microsoft-com:office:office" xmlns:v="urn:schemas-microsoft-com:vml" xmlns:pvml="urn:schemas-microsoft-com:office:powerpoint" xmlns:com="http://schemas.openxmlformats.org/drawingml/2006/compatibility" xmlns:p14="http://schemas.microsoft.com/office/powerpoint/2010/main">
   <p:cSld>
     <p:spTree>
       <p:nvGrpSpPr>
-        <p:cNvPr id="1" name="Shape 93"/>
+        <p:cNvPr id="93" name="Shape 93"/>
         <p:cNvGrpSpPr/>
         <p:nvPr/>
       </p:nvGrpSpPr>
       <p:grpSpPr>
         <a:xfrm>
-          <a:off x="0" y="0"/>
-          <a:ext cx="0" cy="0"/>
-          <a:chOff x="0" y="0"/>
-          <a:chExt cx="0" cy="0"/>
+          <a:off y="0" x="0"/>
+          <a:ext cy="0" cx="0"/>
+          <a:chOff y="0" x="0"/>
+          <a:chExt cy="0" cx="0"/>
         </a:xfrm>
       </p:grpSpPr>
       <p:sp>
         <p:nvSpPr>
           <p:cNvPr id="94" name="Shape 94"/>
-          <p:cNvSpPr txBox="1">
-            <a:spLocks noGrp="1"/>
-          </p:cNvSpPr>
+          <p:cNvSpPr txBox="1"/>
           <p:nvPr>
             <p:ph type="title"/>
           </p:nvPr>
         </p:nvSpPr>
         <p:spPr>
           <a:xfrm>
-            <a:off x="457200" y="205978"/>
-            <a:ext cx="8229600" cy="857400"/>
+            <a:off y="205978" x="457200"/>
+            <a:ext cy="857400" cx="8229600"/>
           </a:xfrm>
           <a:prstGeom prst="rect">
             <a:avLst/>
           </a:prstGeom>
         </p:spPr>
         <p:txBody>
-          <a:bodyPr lIns="91425" tIns="91425" rIns="91425" bIns="91425" anchor="b" anchorCtr="0">
+          <a:bodyPr bIns="91425" rIns="91425" lIns="91425" tIns="91425" anchor="b" anchorCtr="0">
             <a:noAutofit/>
           </a:bodyPr>
           <a:lstStyle/>
@@ -3879,24 +3510,22 @@
       <p:sp>
         <p:nvSpPr>
           <p:cNvPr id="95" name="Shape 95"/>
-          <p:cNvSpPr txBox="1">
-            <a:spLocks noGrp="1"/>
-          </p:cNvSpPr>
+          <p:cNvSpPr txBox="1"/>
           <p:nvPr>
-            <p:ph type="body" idx="1"/>
+            <p:ph idx="1" type="body"/>
           </p:nvPr>
         </p:nvSpPr>
         <p:spPr>
           <a:xfrm>
-            <a:off x="457200" y="1200150"/>
-            <a:ext cx="8229600" cy="3725699"/>
+            <a:off y="1200150" x="457200"/>
+            <a:ext cy="3725699" cx="8229600"/>
           </a:xfrm>
           <a:prstGeom prst="rect">
             <a:avLst/>
           </a:prstGeom>
         </p:spPr>
         <p:txBody>
-          <a:bodyPr lIns="91425" tIns="91425" rIns="91425" bIns="91425" anchor="t" anchorCtr="0">
+          <a:bodyPr bIns="91425" rIns="91425" lIns="91425" tIns="91425" anchor="t" anchorCtr="0">
             <a:noAutofit/>
           </a:bodyPr>
           <a:lstStyle/>
@@ -3921,15 +3550,6 @@
                 <a:sym typeface="Trebuchet MS"/>
               </a:rPr>
             </a:br>
-            <a:r>
-              <a:rPr lang="en">
-                <a:latin typeface="Trebuchet MS"/>
-                <a:ea typeface="Trebuchet MS"/>
-                <a:cs typeface="Trebuchet MS"/>
-                <a:sym typeface="Trebuchet MS"/>
-              </a:rPr>
-              <a:t/>
-            </a:r>
             <a:br>
               <a:rPr lang="en">
                 <a:latin typeface="Trebuchet MS"/>
@@ -3997,43 +3617,41 @@
 </file>
 
 <file path=ppt/slides/slide12.xml><?xml version="1.0" encoding="utf-8"?>
-<p:sld xmlns:a="http://schemas.openxmlformats.org/drawingml/2006/main" xmlns:r="http://schemas.openxmlformats.org/officeDocument/2006/relationships" xmlns:p="http://schemas.openxmlformats.org/presentationml/2006/main">
+<p:sld xmlns:a="http://schemas.openxmlformats.org/drawingml/2006/main" xmlns:r="http://schemas.openxmlformats.org/officeDocument/2006/relationships" xmlns:mc="http://schemas.openxmlformats.org/markup-compatibility/2006" xmlns:mv="urn:schemas-microsoft-com:mac:vml" xmlns:p="http://schemas.openxmlformats.org/presentationml/2006/main" xmlns:c="http://schemas.openxmlformats.org/drawingml/2006/chart" xmlns:dgm="http://schemas.openxmlformats.org/drawingml/2006/diagram" xmlns:o="urn:schemas-microsoft-com:office:office" xmlns:v="urn:schemas-microsoft-com:vml" xmlns:pvml="urn:schemas-microsoft-com:office:powerpoint" xmlns:com="http://schemas.openxmlformats.org/drawingml/2006/compatibility" xmlns:p14="http://schemas.microsoft.com/office/powerpoint/2010/main">
   <p:cSld>
     <p:spTree>
       <p:nvGrpSpPr>
-        <p:cNvPr id="1" name="Shape 99"/>
+        <p:cNvPr id="99" name="Shape 99"/>
         <p:cNvGrpSpPr/>
         <p:nvPr/>
       </p:nvGrpSpPr>
       <p:grpSpPr>
         <a:xfrm>
-          <a:off x="0" y="0"/>
-          <a:ext cx="0" cy="0"/>
-          <a:chOff x="0" y="0"/>
-          <a:chExt cx="0" cy="0"/>
+          <a:off y="0" x="0"/>
+          <a:ext cy="0" cx="0"/>
+          <a:chOff y="0" x="0"/>
+          <a:chExt cy="0" cx="0"/>
         </a:xfrm>
       </p:grpSpPr>
       <p:sp>
         <p:nvSpPr>
           <p:cNvPr id="100" name="Shape 100"/>
-          <p:cNvSpPr txBox="1">
-            <a:spLocks noGrp="1"/>
-          </p:cNvSpPr>
+          <p:cNvSpPr txBox="1"/>
           <p:nvPr>
             <p:ph type="title"/>
           </p:nvPr>
         </p:nvSpPr>
         <p:spPr>
           <a:xfrm>
-            <a:off x="457200" y="205978"/>
-            <a:ext cx="8229600" cy="857400"/>
+            <a:off y="205978" x="457200"/>
+            <a:ext cy="857400" cx="8229600"/>
           </a:xfrm>
           <a:prstGeom prst="rect">
             <a:avLst/>
           </a:prstGeom>
         </p:spPr>
         <p:txBody>
-          <a:bodyPr lIns="91425" tIns="91425" rIns="91425" bIns="91425" anchor="b" anchorCtr="0">
+          <a:bodyPr bIns="91425" rIns="91425" lIns="91425" tIns="91425" anchor="b" anchorCtr="0">
             <a:noAutofit/>
           </a:bodyPr>
           <a:lstStyle/>
@@ -4056,39 +3674,32 @@
       <p:sp>
         <p:nvSpPr>
           <p:cNvPr id="101" name="Shape 101"/>
-          <p:cNvSpPr txBox="1">
-            <a:spLocks noGrp="1"/>
-          </p:cNvSpPr>
+          <p:cNvSpPr txBox="1"/>
           <p:nvPr>
-            <p:ph type="body" idx="1"/>
+            <p:ph idx="1" type="body"/>
           </p:nvPr>
         </p:nvSpPr>
         <p:spPr>
           <a:xfrm>
-            <a:off x="457200" y="1200150"/>
-            <a:ext cx="8229600" cy="3725699"/>
+            <a:off y="1200150" x="457200"/>
+            <a:ext cy="3725699" cx="8229600"/>
           </a:xfrm>
           <a:prstGeom prst="rect">
             <a:avLst/>
           </a:prstGeom>
         </p:spPr>
         <p:txBody>
-          <a:bodyPr lIns="91425" tIns="91425" rIns="91425" bIns="91425" anchor="t" anchorCtr="0">
+          <a:bodyPr bIns="91425" rIns="91425" lIns="91425" tIns="91425" anchor="t" anchorCtr="0">
             <a:noAutofit/>
           </a:bodyPr>
           <a:lstStyle/>
           <a:p>
-            <a:pPr marL="190500" indent="0"/>
-            <a:endParaRPr lang="en">
-              <a:latin typeface="Trebuchet MS"/>
-              <a:ea typeface="Trebuchet MS"/>
-              <a:cs typeface="Trebuchet MS"/>
-              <a:sym typeface="Trebuchet MS"/>
-            </a:endParaRPr>
-          </a:p>
-          <a:p>
-            <a:pPr marL="647700" indent="-457200">
-              <a:buFont typeface="Arial" panose="020B0604020202020204" pitchFamily="34" charset="0"/>
+            <a:pPr rtl="0" lvl="0" indent="-419100" marL="457200">
+              <a:buClr>
+                <a:schemeClr val="dk1"/>
+              </a:buClr>
+              <a:buSzPct val="166666"/>
+              <a:buFont typeface="Arial"/>
               <a:buChar char="•"/>
             </a:pPr>
             <a:r>
@@ -4098,38 +3709,20 @@
                 <a:cs typeface="Trebuchet MS"/>
                 <a:sym typeface="Trebuchet MS"/>
               </a:rPr>
-              <a:t>Feedback, Questions, Suggestions and any Input would be greatly </a:t>
-            </a:r>
-            <a:r>
-              <a:rPr lang="en-US">
-                <a:latin typeface="Trebuchet MS"/>
-                <a:ea typeface="Trebuchet MS"/>
-                <a:cs typeface="Trebuchet MS"/>
-                <a:sym typeface="Trebuchet MS"/>
-              </a:rPr>
-              <a:t>appreciated.</a:t>
-            </a:r>
-          </a:p>
-          <a:p>
-            <a:pPr marL="647700" indent="-457200">
-              <a:buFont typeface="Arial" panose="020B0604020202020204" pitchFamily="34" charset="0"/>
+              <a:t>Feedback, Questions, Suggestions and any Input would be greatly appreciated.</a:t>
+            </a:r>
+          </a:p>
+          <a:p>
+            <a:pPr rtl="0" lvl="0" indent="-419100" marL="457200">
+              <a:buClr>
+                <a:schemeClr val="dk1"/>
+              </a:buClr>
+              <a:buSzPct val="227272"/>
+              <a:buFont typeface="Arial"/>
               <a:buChar char="•"/>
             </a:pPr>
             <a:r>
-              <a:rPr lang="en-US" sz="2400" u="sng">
-                <a:solidFill>
-                  <a:srgbClr val="185DA2"/>
-                </a:solidFill>
-                <a:latin typeface="Trebuchet MS"/>
-                <a:ea typeface="Trebuchet MS"/>
-                <a:cs typeface="Trebuchet MS"/>
-                <a:sym typeface="Trebuchet MS"/>
-                <a:hlinkClick r:id="rId3"/>
-              </a:rPr>
-              <a:t>https</a:t>
-            </a:r>
-            <a:r>
-              <a:rPr lang="en" sz="2400" u="sng">
+              <a:rPr u="sng" sz="2200" lang="en">
                 <a:solidFill>
                   <a:schemeClr val="hlink"/>
                 </a:solidFill>
@@ -4139,68 +3732,31 @@
                 <a:sym typeface="Trebuchet MS"/>
                 <a:hlinkClick r:id="rId3"/>
               </a:rPr>
-              <a:t>://github.com/JamesTryand/Worksheet/issues/new</a:t>
-            </a:r>
-          </a:p>
-          <a:p>
-            <a:pPr marL="533400" indent="-342900">
-              <a:buFont typeface="Arial" panose="020B0604020202020204" pitchFamily="34" charset="0"/>
+              <a:t>https://github.com/JamesTryand/Worksheet/issues/new</a:t>
+            </a:r>
+          </a:p>
+          <a:p>
+            <a:pPr rtl="0" lvl="0" indent="-419100" marL="457200">
+              <a:buClr>
+                <a:schemeClr val="dk1"/>
+              </a:buClr>
+              <a:buSzPct val="166666"/>
+              <a:buFont typeface="Arial"/>
               <a:buChar char="•"/>
             </a:pPr>
             <a:r>
-              <a:rPr lang="en-US" sz="2400">
+              <a:rPr u="sng" lang="en">
                 <a:solidFill>
-                  <a:srgbClr val="000000"/>
+                  <a:schemeClr val="hlink"/>
                 </a:solidFill>
                 <a:latin typeface="Trebuchet MS"/>
                 <a:ea typeface="Trebuchet MS"/>
                 <a:cs typeface="Trebuchet MS"/>
                 <a:sym typeface="Trebuchet MS"/>
-              </a:rPr>
-              <a:t>james.tryand@gmail.com</a:t>
-            </a:r>
-            <a:r>
-              <a:rPr lang="en" sz="2400">
-                <a:solidFill>
-                  <a:srgbClr val="000000"/>
-                </a:solidFill>
-                <a:latin typeface="Trebuchet MS"/>
-                <a:ea typeface="Trebuchet MS"/>
-                <a:cs typeface="Trebuchet MS"/>
-                <a:sym typeface="Trebuchet MS"/>
-              </a:rPr>
-              <a:t>  </a:t>
-            </a:r>
-          </a:p>
-          <a:p>
-            <a:pPr marL="533400" indent="-342900">
-              <a:buFont typeface="Arial" panose="020B0604020202020204" pitchFamily="34" charset="0"/>
-              <a:buChar char="•"/>
-            </a:pPr>
-            <a:r>
-              <a:rPr lang="en-US" sz="2400">
-                <a:solidFill>
-                  <a:srgbClr val="000000"/>
-                </a:solidFill>
-                <a:latin typeface="Trebuchet MS"/>
-                <a:ea typeface="Trebuchet MS"/>
-                <a:cs typeface="Trebuchet MS"/>
-                <a:sym typeface="Trebuchet MS"/>
-              </a:rPr>
-              <a:t>please include [WORKSHEET] in the subject</a:t>
-            </a:r>
-          </a:p>
-          <a:p>
-            <a:pPr marL="190500" indent="0"/>
-            <a:endParaRPr lang="en" sz="2400">
-              <a:solidFill>
-                <a:srgbClr val="000000"/>
-              </a:solidFill>
-              <a:latin typeface="Trebuchet MS"/>
-              <a:ea typeface="Trebuchet MS"/>
-              <a:cs typeface="Trebuchet MS"/>
-              <a:sym typeface="Trebuchet MS"/>
-            </a:endParaRPr>
+                <a:hlinkClick r:id="rId4"/>
+              </a:rPr>
+              <a:t>http://twitter.com/monkeyonahill</a:t>
+            </a:r>
           </a:p>
         </p:txBody>
       </p:sp>
@@ -4216,43 +3772,41 @@
 </file>
 
 <file path=ppt/slides/slide2.xml><?xml version="1.0" encoding="utf-8"?>
-<p:sld xmlns:a="http://schemas.openxmlformats.org/drawingml/2006/main" xmlns:r="http://schemas.openxmlformats.org/officeDocument/2006/relationships" xmlns:p="http://schemas.openxmlformats.org/presentationml/2006/main">
+<p:sld xmlns:a="http://schemas.openxmlformats.org/drawingml/2006/main" xmlns:r="http://schemas.openxmlformats.org/officeDocument/2006/relationships" xmlns:mc="http://schemas.openxmlformats.org/markup-compatibility/2006" xmlns:mv="urn:schemas-microsoft-com:mac:vml" xmlns:p="http://schemas.openxmlformats.org/presentationml/2006/main" xmlns:c="http://schemas.openxmlformats.org/drawingml/2006/chart" xmlns:dgm="http://schemas.openxmlformats.org/drawingml/2006/diagram" xmlns:o="urn:schemas-microsoft-com:office:office" xmlns:v="urn:schemas-microsoft-com:vml" xmlns:pvml="urn:schemas-microsoft-com:office:powerpoint" xmlns:com="http://schemas.openxmlformats.org/drawingml/2006/compatibility" xmlns:p14="http://schemas.microsoft.com/office/powerpoint/2010/main">
   <p:cSld>
     <p:spTree>
       <p:nvGrpSpPr>
-        <p:cNvPr id="1" name="Shape 38"/>
+        <p:cNvPr id="38" name="Shape 38"/>
         <p:cNvGrpSpPr/>
         <p:nvPr/>
       </p:nvGrpSpPr>
       <p:grpSpPr>
         <a:xfrm>
-          <a:off x="0" y="0"/>
-          <a:ext cx="0" cy="0"/>
-          <a:chOff x="0" y="0"/>
-          <a:chExt cx="0" cy="0"/>
+          <a:off y="0" x="0"/>
+          <a:ext cy="0" cx="0"/>
+          <a:chOff y="0" x="0"/>
+          <a:chExt cy="0" cx="0"/>
         </a:xfrm>
       </p:grpSpPr>
       <p:sp>
         <p:nvSpPr>
           <p:cNvPr id="39" name="Shape 39"/>
-          <p:cNvSpPr txBox="1">
-            <a:spLocks noGrp="1"/>
-          </p:cNvSpPr>
+          <p:cNvSpPr txBox="1"/>
           <p:nvPr>
             <p:ph type="title"/>
           </p:nvPr>
         </p:nvSpPr>
         <p:spPr>
           <a:xfrm>
-            <a:off x="457200" y="205978"/>
-            <a:ext cx="8229600" cy="857400"/>
+            <a:off y="205978" x="457200"/>
+            <a:ext cy="857400" cx="8229600"/>
           </a:xfrm>
           <a:prstGeom prst="rect">
             <a:avLst/>
           </a:prstGeom>
         </p:spPr>
         <p:txBody>
-          <a:bodyPr lIns="91425" tIns="91425" rIns="91425" bIns="91425" anchor="b" anchorCtr="0">
+          <a:bodyPr bIns="91425" rIns="91425" lIns="91425" tIns="91425" anchor="b" anchorCtr="0">
             <a:noAutofit/>
           </a:bodyPr>
           <a:lstStyle/>
@@ -4275,29 +3829,27 @@
       <p:sp>
         <p:nvSpPr>
           <p:cNvPr id="40" name="Shape 40"/>
-          <p:cNvSpPr txBox="1">
-            <a:spLocks noGrp="1"/>
-          </p:cNvSpPr>
+          <p:cNvSpPr txBox="1"/>
           <p:nvPr>
-            <p:ph type="body" idx="1"/>
+            <p:ph idx="1" type="body"/>
           </p:nvPr>
         </p:nvSpPr>
         <p:spPr>
           <a:xfrm>
-            <a:off x="457200" y="1200150"/>
-            <a:ext cx="3994500" cy="3725699"/>
+            <a:off y="1200150" x="457200"/>
+            <a:ext cy="3725699" cx="3994500"/>
           </a:xfrm>
           <a:prstGeom prst="rect">
             <a:avLst/>
           </a:prstGeom>
         </p:spPr>
         <p:txBody>
-          <a:bodyPr lIns="91425" tIns="91425" rIns="91425" bIns="91425" anchor="t" anchorCtr="0">
+          <a:bodyPr bIns="91425" rIns="91425" lIns="91425" tIns="91425" anchor="t" anchorCtr="0">
             <a:noAutofit/>
           </a:bodyPr>
           <a:lstStyle/>
           <a:p>
-            <a:pPr lvl="0" rtl="0">
+            <a:pPr rtl="0" lvl="0">
               <a:buClr>
                 <a:schemeClr val="dk1"/>
               </a:buClr>
@@ -4316,7 +3868,7 @@
             </a:r>
           </a:p>
           <a:p>
-            <a:pPr lvl="0" rtl="0">
+            <a:pPr rtl="0" lvl="0">
               <a:buClr>
                 <a:schemeClr val="dk1"/>
               </a:buClr>
@@ -4335,7 +3887,7 @@
             </a:r>
           </a:p>
           <a:p>
-            <a:pPr lvl="0" rtl="0">
+            <a:pPr rtl="0" lvl="0">
               <a:buClr>
                 <a:schemeClr val="dk1"/>
               </a:buClr>
@@ -4354,7 +3906,7 @@
             </a:r>
           </a:p>
           <a:p>
-            <a:pPr lvl="0" rtl="0">
+            <a:pPr rtl="0" lvl="0">
               <a:buClr>
                 <a:schemeClr val="dk1"/>
               </a:buClr>
@@ -4373,7 +3925,7 @@
             </a:r>
           </a:p>
           <a:p>
-            <a:pPr lvl="0" rtl="0">
+            <a:pPr rtl="0" lvl="0">
               <a:buNone/>
             </a:pPr>
             <a:r>
@@ -4391,29 +3943,27 @@
       <p:sp>
         <p:nvSpPr>
           <p:cNvPr id="41" name="Shape 41"/>
-          <p:cNvSpPr txBox="1">
-            <a:spLocks noGrp="1"/>
-          </p:cNvSpPr>
+          <p:cNvSpPr txBox="1"/>
           <p:nvPr>
-            <p:ph type="body" idx="2"/>
+            <p:ph idx="2" type="body"/>
           </p:nvPr>
         </p:nvSpPr>
         <p:spPr>
           <a:xfrm>
-            <a:off x="4692273" y="1200150"/>
-            <a:ext cx="3994500" cy="3725699"/>
+            <a:off y="1200150" x="4692273"/>
+            <a:ext cy="3725699" cx="3994500"/>
           </a:xfrm>
           <a:prstGeom prst="rect">
             <a:avLst/>
           </a:prstGeom>
         </p:spPr>
         <p:txBody>
-          <a:bodyPr lIns="91425" tIns="91425" rIns="91425" bIns="91425" anchor="t" anchorCtr="0">
+          <a:bodyPr bIns="91425" rIns="91425" lIns="91425" tIns="91425" anchor="t" anchorCtr="0">
             <a:noAutofit/>
           </a:bodyPr>
           <a:lstStyle/>
           <a:p>
-            <a:pPr lvl="0" rtl="0">
+            <a:pPr rtl="0" lvl="0">
               <a:buClr>
                 <a:schemeClr val="dk1"/>
               </a:buClr>
@@ -4432,7 +3982,7 @@
             </a:r>
           </a:p>
           <a:p>
-            <a:pPr lvl="0" rtl="0">
+            <a:pPr rtl="0" lvl="0">
               <a:buNone/>
             </a:pPr>
             <a:r>
@@ -4446,7 +3996,7 @@
             </a:r>
           </a:p>
           <a:p>
-            <a:pPr lvl="0" rtl="0">
+            <a:pPr rtl="0" lvl="0">
               <a:buNone/>
             </a:pPr>
             <a:r>
@@ -4460,7 +4010,7 @@
             </a:r>
           </a:p>
           <a:p>
-            <a:pPr lvl="0" rtl="0">
+            <a:pPr rtl="0" lvl="0">
               <a:buClr>
                 <a:schemeClr val="dk1"/>
               </a:buClr>
@@ -4511,43 +4061,41 @@
 </file>
 
 <file path=ppt/slides/slide3.xml><?xml version="1.0" encoding="utf-8"?>
-<p:sld xmlns:a="http://schemas.openxmlformats.org/drawingml/2006/main" xmlns:r="http://schemas.openxmlformats.org/officeDocument/2006/relationships" xmlns:p="http://schemas.openxmlformats.org/presentationml/2006/main">
+<p:sld xmlns:a="http://schemas.openxmlformats.org/drawingml/2006/main" xmlns:r="http://schemas.openxmlformats.org/officeDocument/2006/relationships" xmlns:mc="http://schemas.openxmlformats.org/markup-compatibility/2006" xmlns:mv="urn:schemas-microsoft-com:mac:vml" xmlns:p="http://schemas.openxmlformats.org/presentationml/2006/main" xmlns:c="http://schemas.openxmlformats.org/drawingml/2006/chart" xmlns:dgm="http://schemas.openxmlformats.org/drawingml/2006/diagram" xmlns:o="urn:schemas-microsoft-com:office:office" xmlns:v="urn:schemas-microsoft-com:vml" xmlns:pvml="urn:schemas-microsoft-com:office:powerpoint" xmlns:com="http://schemas.openxmlformats.org/drawingml/2006/compatibility" xmlns:p14="http://schemas.microsoft.com/office/powerpoint/2010/main">
   <p:cSld>
     <p:spTree>
       <p:nvGrpSpPr>
-        <p:cNvPr id="1" name="Shape 45"/>
+        <p:cNvPr id="45" name="Shape 45"/>
         <p:cNvGrpSpPr/>
         <p:nvPr/>
       </p:nvGrpSpPr>
       <p:grpSpPr>
         <a:xfrm>
-          <a:off x="0" y="0"/>
-          <a:ext cx="0" cy="0"/>
-          <a:chOff x="0" y="0"/>
-          <a:chExt cx="0" cy="0"/>
+          <a:off y="0" x="0"/>
+          <a:ext cy="0" cx="0"/>
+          <a:chOff y="0" x="0"/>
+          <a:chExt cy="0" cx="0"/>
         </a:xfrm>
       </p:grpSpPr>
       <p:sp>
         <p:nvSpPr>
           <p:cNvPr id="46" name="Shape 46"/>
-          <p:cNvSpPr txBox="1">
-            <a:spLocks noGrp="1"/>
-          </p:cNvSpPr>
+          <p:cNvSpPr txBox="1"/>
           <p:nvPr>
             <p:ph type="title"/>
           </p:nvPr>
         </p:nvSpPr>
         <p:spPr>
           <a:xfrm>
-            <a:off x="457200" y="205978"/>
-            <a:ext cx="8229600" cy="857400"/>
+            <a:off y="205978" x="457200"/>
+            <a:ext cy="857400" cx="8229600"/>
           </a:xfrm>
           <a:prstGeom prst="rect">
             <a:avLst/>
           </a:prstGeom>
         </p:spPr>
         <p:txBody>
-          <a:bodyPr lIns="91425" tIns="91425" rIns="91425" bIns="91425" anchor="b" anchorCtr="0">
+          <a:bodyPr bIns="91425" rIns="91425" lIns="91425" tIns="91425" anchor="b" anchorCtr="0">
             <a:noAutofit/>
           </a:bodyPr>
           <a:lstStyle/>
@@ -4570,24 +4118,22 @@
       <p:sp>
         <p:nvSpPr>
           <p:cNvPr id="47" name="Shape 47"/>
-          <p:cNvSpPr txBox="1">
-            <a:spLocks noGrp="1"/>
-          </p:cNvSpPr>
+          <p:cNvSpPr txBox="1"/>
           <p:nvPr>
-            <p:ph type="body" idx="1"/>
+            <p:ph idx="1" type="body"/>
           </p:nvPr>
         </p:nvSpPr>
         <p:spPr>
           <a:xfrm>
-            <a:off x="457200" y="1200150"/>
-            <a:ext cx="8229600" cy="3725699"/>
+            <a:off y="1200150" x="457200"/>
+            <a:ext cy="3725699" cx="8229600"/>
           </a:xfrm>
           <a:prstGeom prst="rect">
             <a:avLst/>
           </a:prstGeom>
         </p:spPr>
         <p:txBody>
-          <a:bodyPr lIns="91425" tIns="91425" rIns="91425" bIns="91425" anchor="t" anchorCtr="0">
+          <a:bodyPr bIns="91425" rIns="91425" lIns="91425" tIns="91425" anchor="t" anchorCtr="0">
             <a:noAutofit/>
           </a:bodyPr>
           <a:lstStyle/>
@@ -4619,43 +4165,41 @@
 </file>
 
 <file path=ppt/slides/slide4.xml><?xml version="1.0" encoding="utf-8"?>
-<p:sld xmlns:a="http://schemas.openxmlformats.org/drawingml/2006/main" xmlns:r="http://schemas.openxmlformats.org/officeDocument/2006/relationships" xmlns:p="http://schemas.openxmlformats.org/presentationml/2006/main">
+<p:sld xmlns:a="http://schemas.openxmlformats.org/drawingml/2006/main" xmlns:r="http://schemas.openxmlformats.org/officeDocument/2006/relationships" xmlns:mc="http://schemas.openxmlformats.org/markup-compatibility/2006" xmlns:mv="urn:schemas-microsoft-com:mac:vml" xmlns:p="http://schemas.openxmlformats.org/presentationml/2006/main" xmlns:c="http://schemas.openxmlformats.org/drawingml/2006/chart" xmlns:dgm="http://schemas.openxmlformats.org/drawingml/2006/diagram" xmlns:o="urn:schemas-microsoft-com:office:office" xmlns:v="urn:schemas-microsoft-com:vml" xmlns:pvml="urn:schemas-microsoft-com:office:powerpoint" xmlns:com="http://schemas.openxmlformats.org/drawingml/2006/compatibility" xmlns:p14="http://schemas.microsoft.com/office/powerpoint/2010/main">
   <p:cSld>
     <p:spTree>
       <p:nvGrpSpPr>
-        <p:cNvPr id="1" name="Shape 51"/>
+        <p:cNvPr id="51" name="Shape 51"/>
         <p:cNvGrpSpPr/>
         <p:nvPr/>
       </p:nvGrpSpPr>
       <p:grpSpPr>
         <a:xfrm>
-          <a:off x="0" y="0"/>
-          <a:ext cx="0" cy="0"/>
-          <a:chOff x="0" y="0"/>
-          <a:chExt cx="0" cy="0"/>
+          <a:off y="0" x="0"/>
+          <a:ext cy="0" cx="0"/>
+          <a:chOff y="0" x="0"/>
+          <a:chExt cy="0" cx="0"/>
         </a:xfrm>
       </p:grpSpPr>
       <p:sp>
         <p:nvSpPr>
           <p:cNvPr id="52" name="Shape 52"/>
-          <p:cNvSpPr txBox="1">
-            <a:spLocks noGrp="1"/>
-          </p:cNvSpPr>
+          <p:cNvSpPr txBox="1"/>
           <p:nvPr>
             <p:ph type="title"/>
           </p:nvPr>
         </p:nvSpPr>
         <p:spPr>
           <a:xfrm>
-            <a:off x="457200" y="205978"/>
-            <a:ext cx="8229600" cy="857400"/>
+            <a:off y="205978" x="457200"/>
+            <a:ext cy="857400" cx="8229600"/>
           </a:xfrm>
           <a:prstGeom prst="rect">
             <a:avLst/>
           </a:prstGeom>
         </p:spPr>
         <p:txBody>
-          <a:bodyPr lIns="91425" tIns="91425" rIns="91425" bIns="91425" anchor="b" anchorCtr="0">
+          <a:bodyPr bIns="91425" rIns="91425" lIns="91425" tIns="91425" anchor="b" anchorCtr="0">
             <a:noAutofit/>
           </a:bodyPr>
           <a:lstStyle/>
@@ -4678,29 +4222,27 @@
       <p:sp>
         <p:nvSpPr>
           <p:cNvPr id="53" name="Shape 53"/>
-          <p:cNvSpPr txBox="1">
-            <a:spLocks noGrp="1"/>
-          </p:cNvSpPr>
+          <p:cNvSpPr txBox="1"/>
           <p:nvPr>
-            <p:ph type="body" idx="1"/>
+            <p:ph idx="1" type="body"/>
           </p:nvPr>
         </p:nvSpPr>
         <p:spPr>
           <a:xfrm>
-            <a:off x="457200" y="1200150"/>
-            <a:ext cx="8229600" cy="3725699"/>
+            <a:off y="1200150" x="457200"/>
+            <a:ext cy="3725699" cx="8229600"/>
           </a:xfrm>
           <a:prstGeom prst="rect">
             <a:avLst/>
           </a:prstGeom>
         </p:spPr>
         <p:txBody>
-          <a:bodyPr lIns="91425" tIns="91425" rIns="91425" bIns="91425" anchor="t" anchorCtr="0">
+          <a:bodyPr bIns="91425" rIns="91425" lIns="91425" tIns="91425" anchor="t" anchorCtr="0">
             <a:noAutofit/>
           </a:bodyPr>
           <a:lstStyle/>
           <a:p>
-            <a:pPr lvl="0" rtl="0">
+            <a:pPr rtl="0" lvl="0">
               <a:buNone/>
             </a:pPr>
             <a:r>
@@ -4714,7 +4256,7 @@
             </a:r>
           </a:p>
           <a:p>
-            <a:pPr marL="457200" lvl="0" indent="-419100" rtl="0">
+            <a:pPr rtl="0" lvl="0" indent="-419100" marL="457200">
               <a:buClr>
                 <a:schemeClr val="dk1"/>
               </a:buClr>
@@ -4733,7 +4275,7 @@
             </a:r>
           </a:p>
           <a:p>
-            <a:pPr marL="457200" lvl="0" indent="-419100" rtl="0">
+            <a:pPr rtl="0" lvl="0" indent="-419100" marL="457200">
               <a:buClr>
                 <a:schemeClr val="dk1"/>
               </a:buClr>
@@ -4752,7 +4294,7 @@
             </a:r>
           </a:p>
           <a:p>
-            <a:pPr marL="457200" lvl="0" indent="-419100" rtl="0">
+            <a:pPr rtl="0" lvl="0" indent="-419100" marL="457200">
               <a:buClr>
                 <a:schemeClr val="dk1"/>
               </a:buClr>
@@ -4771,7 +4313,7 @@
             </a:r>
           </a:p>
           <a:p>
-            <a:pPr marL="457200" lvl="0" indent="-419100">
+            <a:pPr lvl="0" indent="-419100" marL="457200">
               <a:buClr>
                 <a:schemeClr val="dk1"/>
               </a:buClr>
@@ -4803,43 +4345,41 @@
 </file>
 
 <file path=ppt/slides/slide5.xml><?xml version="1.0" encoding="utf-8"?>
-<p:sld xmlns:a="http://schemas.openxmlformats.org/drawingml/2006/main" xmlns:r="http://schemas.openxmlformats.org/officeDocument/2006/relationships" xmlns:p="http://schemas.openxmlformats.org/presentationml/2006/main">
+<p:sld xmlns:a="http://schemas.openxmlformats.org/drawingml/2006/main" xmlns:r="http://schemas.openxmlformats.org/officeDocument/2006/relationships" xmlns:mc="http://schemas.openxmlformats.org/markup-compatibility/2006" xmlns:mv="urn:schemas-microsoft-com:mac:vml" xmlns:p="http://schemas.openxmlformats.org/presentationml/2006/main" xmlns:c="http://schemas.openxmlformats.org/drawingml/2006/chart" xmlns:dgm="http://schemas.openxmlformats.org/drawingml/2006/diagram" xmlns:o="urn:schemas-microsoft-com:office:office" xmlns:v="urn:schemas-microsoft-com:vml" xmlns:pvml="urn:schemas-microsoft-com:office:powerpoint" xmlns:com="http://schemas.openxmlformats.org/drawingml/2006/compatibility" xmlns:p14="http://schemas.microsoft.com/office/powerpoint/2010/main">
   <p:cSld>
     <p:spTree>
       <p:nvGrpSpPr>
-        <p:cNvPr id="1" name="Shape 57"/>
+        <p:cNvPr id="57" name="Shape 57"/>
         <p:cNvGrpSpPr/>
         <p:nvPr/>
       </p:nvGrpSpPr>
       <p:grpSpPr>
         <a:xfrm>
-          <a:off x="0" y="0"/>
-          <a:ext cx="0" cy="0"/>
-          <a:chOff x="0" y="0"/>
-          <a:chExt cx="0" cy="0"/>
+          <a:off y="0" x="0"/>
+          <a:ext cy="0" cx="0"/>
+          <a:chOff y="0" x="0"/>
+          <a:chExt cy="0" cx="0"/>
         </a:xfrm>
       </p:grpSpPr>
       <p:sp>
         <p:nvSpPr>
           <p:cNvPr id="58" name="Shape 58"/>
-          <p:cNvSpPr txBox="1">
-            <a:spLocks noGrp="1"/>
-          </p:cNvSpPr>
+          <p:cNvSpPr txBox="1"/>
           <p:nvPr>
             <p:ph type="title"/>
           </p:nvPr>
         </p:nvSpPr>
         <p:spPr>
           <a:xfrm>
-            <a:off x="457200" y="205978"/>
-            <a:ext cx="8229600" cy="857400"/>
+            <a:off y="205978" x="457200"/>
+            <a:ext cy="857400" cx="8229600"/>
           </a:xfrm>
           <a:prstGeom prst="rect">
             <a:avLst/>
           </a:prstGeom>
         </p:spPr>
         <p:txBody>
-          <a:bodyPr lIns="91425" tIns="91425" rIns="91425" bIns="91425" anchor="b" anchorCtr="0">
+          <a:bodyPr bIns="91425" rIns="91425" lIns="91425" tIns="91425" anchor="b" anchorCtr="0">
             <a:noAutofit/>
           </a:bodyPr>
           <a:lstStyle/>
@@ -4862,29 +4402,27 @@
       <p:sp>
         <p:nvSpPr>
           <p:cNvPr id="59" name="Shape 59"/>
-          <p:cNvSpPr txBox="1">
-            <a:spLocks noGrp="1"/>
-          </p:cNvSpPr>
+          <p:cNvSpPr txBox="1"/>
           <p:nvPr>
-            <p:ph type="body" idx="1"/>
+            <p:ph idx="1" type="body"/>
           </p:nvPr>
         </p:nvSpPr>
         <p:spPr>
           <a:xfrm>
-            <a:off x="457200" y="1200150"/>
-            <a:ext cx="8229600" cy="3725699"/>
+            <a:off y="1200150" x="457200"/>
+            <a:ext cy="3725699" cx="8229600"/>
           </a:xfrm>
           <a:prstGeom prst="rect">
             <a:avLst/>
           </a:prstGeom>
         </p:spPr>
         <p:txBody>
-          <a:bodyPr lIns="91425" tIns="91425" rIns="91425" bIns="91425" anchor="t" anchorCtr="0">
+          <a:bodyPr bIns="91425" rIns="91425" lIns="91425" tIns="91425" anchor="t" anchorCtr="0">
             <a:noAutofit/>
           </a:bodyPr>
           <a:lstStyle/>
           <a:p>
-            <a:pPr lvl="0" rtl="0">
+            <a:pPr rtl="0" lvl="0">
               <a:buNone/>
             </a:pPr>
             <a:r>
@@ -4898,7 +4436,7 @@
             </a:r>
           </a:p>
           <a:p>
-            <a:pPr marL="457200" lvl="0" indent="-419100" rtl="0">
+            <a:pPr rtl="0" lvl="0" indent="-419100" marL="457200">
               <a:buClr>
                 <a:schemeClr val="dk1"/>
               </a:buClr>
@@ -4917,7 +4455,7 @@
             </a:r>
           </a:p>
           <a:p>
-            <a:pPr marL="457200" lvl="0" indent="-419100" rtl="0">
+            <a:pPr rtl="0" lvl="0" indent="-419100" marL="457200">
               <a:buClr>
                 <a:schemeClr val="dk1"/>
               </a:buClr>
@@ -4936,7 +4474,7 @@
             </a:r>
           </a:p>
           <a:p>
-            <a:pPr marL="457200" lvl="0" indent="-419100" rtl="0">
+            <a:pPr rtl="0" lvl="0" indent="-419100" marL="457200">
               <a:buClr>
                 <a:schemeClr val="dk1"/>
               </a:buClr>
@@ -4955,7 +4493,7 @@
             </a:r>
           </a:p>
           <a:p>
-            <a:pPr marL="457200" lvl="0" indent="-419100" rtl="0">
+            <a:pPr rtl="0" lvl="0" indent="-419100" marL="457200">
               <a:buClr>
                 <a:schemeClr val="dk1"/>
               </a:buClr>
@@ -4974,7 +4512,7 @@
             </a:r>
           </a:p>
           <a:p>
-            <a:pPr marL="457200" lvl="0" indent="-419100" rtl="0">
+            <a:pPr rtl="0" lvl="0" indent="-419100" marL="457200">
               <a:buClr>
                 <a:schemeClr val="dk1"/>
               </a:buClr>
@@ -5006,43 +4544,41 @@
 </file>
 
 <file path=ppt/slides/slide6.xml><?xml version="1.0" encoding="utf-8"?>
-<p:sld xmlns:a="http://schemas.openxmlformats.org/drawingml/2006/main" xmlns:r="http://schemas.openxmlformats.org/officeDocument/2006/relationships" xmlns:p="http://schemas.openxmlformats.org/presentationml/2006/main">
+<p:sld xmlns:a="http://schemas.openxmlformats.org/drawingml/2006/main" xmlns:r="http://schemas.openxmlformats.org/officeDocument/2006/relationships" xmlns:mc="http://schemas.openxmlformats.org/markup-compatibility/2006" xmlns:mv="urn:schemas-microsoft-com:mac:vml" xmlns:p="http://schemas.openxmlformats.org/presentationml/2006/main" xmlns:c="http://schemas.openxmlformats.org/drawingml/2006/chart" xmlns:dgm="http://schemas.openxmlformats.org/drawingml/2006/diagram" xmlns:o="urn:schemas-microsoft-com:office:office" xmlns:v="urn:schemas-microsoft-com:vml" xmlns:pvml="urn:schemas-microsoft-com:office:powerpoint" xmlns:com="http://schemas.openxmlformats.org/drawingml/2006/compatibility" xmlns:p14="http://schemas.microsoft.com/office/powerpoint/2010/main">
   <p:cSld>
     <p:spTree>
       <p:nvGrpSpPr>
-        <p:cNvPr id="1" name="Shape 63"/>
+        <p:cNvPr id="63" name="Shape 63"/>
         <p:cNvGrpSpPr/>
         <p:nvPr/>
       </p:nvGrpSpPr>
       <p:grpSpPr>
         <a:xfrm>
-          <a:off x="0" y="0"/>
-          <a:ext cx="0" cy="0"/>
-          <a:chOff x="0" y="0"/>
-          <a:chExt cx="0" cy="0"/>
+          <a:off y="0" x="0"/>
+          <a:ext cy="0" cx="0"/>
+          <a:chOff y="0" x="0"/>
+          <a:chExt cy="0" cx="0"/>
         </a:xfrm>
       </p:grpSpPr>
       <p:sp>
         <p:nvSpPr>
           <p:cNvPr id="64" name="Shape 64"/>
-          <p:cNvSpPr txBox="1">
-            <a:spLocks noGrp="1"/>
-          </p:cNvSpPr>
+          <p:cNvSpPr txBox="1"/>
           <p:nvPr>
             <p:ph type="title"/>
           </p:nvPr>
         </p:nvSpPr>
         <p:spPr>
           <a:xfrm>
-            <a:off x="457200" y="205978"/>
-            <a:ext cx="8229600" cy="857400"/>
+            <a:off y="205978" x="457200"/>
+            <a:ext cy="857400" cx="8229600"/>
           </a:xfrm>
           <a:prstGeom prst="rect">
             <a:avLst/>
           </a:prstGeom>
         </p:spPr>
         <p:txBody>
-          <a:bodyPr lIns="91425" tIns="91425" rIns="91425" bIns="91425" anchor="b" anchorCtr="0">
+          <a:bodyPr bIns="91425" rIns="91425" lIns="91425" tIns="91425" anchor="b" anchorCtr="0">
             <a:noAutofit/>
           </a:bodyPr>
           <a:lstStyle/>
@@ -5065,29 +4601,27 @@
       <p:sp>
         <p:nvSpPr>
           <p:cNvPr id="65" name="Shape 65"/>
-          <p:cNvSpPr txBox="1">
-            <a:spLocks noGrp="1"/>
-          </p:cNvSpPr>
+          <p:cNvSpPr txBox="1"/>
           <p:nvPr>
-            <p:ph type="body" idx="1"/>
+            <p:ph idx="1" type="body"/>
           </p:nvPr>
         </p:nvSpPr>
         <p:spPr>
           <a:xfrm>
-            <a:off x="457200" y="1200150"/>
-            <a:ext cx="8229600" cy="3725699"/>
+            <a:off y="1200150" x="457200"/>
+            <a:ext cy="3725699" cx="8229600"/>
           </a:xfrm>
           <a:prstGeom prst="rect">
             <a:avLst/>
           </a:prstGeom>
         </p:spPr>
         <p:txBody>
-          <a:bodyPr lIns="91425" tIns="91425" rIns="91425" bIns="91425" anchor="t" anchorCtr="0">
+          <a:bodyPr bIns="91425" rIns="91425" lIns="91425" tIns="91425" anchor="t" anchorCtr="0">
             <a:noAutofit/>
           </a:bodyPr>
           <a:lstStyle/>
           <a:p>
-            <a:pPr marL="457200" lvl="0" indent="-419100" rtl="0">
+            <a:pPr rtl="0" lvl="0" indent="-419100" marL="457200">
               <a:buClr>
                 <a:schemeClr val="dk1"/>
               </a:buClr>
@@ -5106,7 +4640,7 @@
             </a:r>
           </a:p>
           <a:p>
-            <a:pPr marL="457200" lvl="0" indent="-419100" rtl="0">
+            <a:pPr rtl="0" lvl="0" indent="-419100" marL="457200">
               <a:buClr>
                 <a:schemeClr val="dk1"/>
               </a:buClr>
@@ -5125,7 +4659,7 @@
             </a:r>
           </a:p>
           <a:p>
-            <a:pPr marL="457200" lvl="0" indent="-419100" rtl="0">
+            <a:pPr rtl="0" lvl="0" indent="-419100" marL="457200">
               <a:buClr>
                 <a:schemeClr val="dk1"/>
               </a:buClr>
@@ -5144,7 +4678,7 @@
             </a:r>
           </a:p>
           <a:p>
-            <a:pPr marL="457200" lvl="0" indent="-419100" rtl="0">
+            <a:pPr rtl="0" lvl="0" indent="-419100" marL="457200">
               <a:buClr>
                 <a:schemeClr val="dk1"/>
               </a:buClr>
@@ -5163,7 +4697,7 @@
             </a:r>
           </a:p>
           <a:p>
-            <a:pPr marL="457200" lvl="0" indent="-419100">
+            <a:pPr lvl="0" indent="-419100" marL="457200">
               <a:buClr>
                 <a:schemeClr val="dk1"/>
               </a:buClr>
@@ -5195,43 +4729,41 @@
 </file>
 
 <file path=ppt/slides/slide7.xml><?xml version="1.0" encoding="utf-8"?>
-<p:sld xmlns:a="http://schemas.openxmlformats.org/drawingml/2006/main" xmlns:r="http://schemas.openxmlformats.org/officeDocument/2006/relationships" xmlns:p="http://schemas.openxmlformats.org/presentationml/2006/main">
+<p:sld xmlns:a="http://schemas.openxmlformats.org/drawingml/2006/main" xmlns:r="http://schemas.openxmlformats.org/officeDocument/2006/relationships" xmlns:mc="http://schemas.openxmlformats.org/markup-compatibility/2006" xmlns:mv="urn:schemas-microsoft-com:mac:vml" xmlns:p="http://schemas.openxmlformats.org/presentationml/2006/main" xmlns:c="http://schemas.openxmlformats.org/drawingml/2006/chart" xmlns:dgm="http://schemas.openxmlformats.org/drawingml/2006/diagram" xmlns:o="urn:schemas-microsoft-com:office:office" xmlns:v="urn:schemas-microsoft-com:vml" xmlns:pvml="urn:schemas-microsoft-com:office:powerpoint" xmlns:com="http://schemas.openxmlformats.org/drawingml/2006/compatibility" xmlns:p14="http://schemas.microsoft.com/office/powerpoint/2010/main">
   <p:cSld>
     <p:spTree>
       <p:nvGrpSpPr>
-        <p:cNvPr id="1" name="Shape 69"/>
+        <p:cNvPr id="69" name="Shape 69"/>
         <p:cNvGrpSpPr/>
         <p:nvPr/>
       </p:nvGrpSpPr>
       <p:grpSpPr>
         <a:xfrm>
-          <a:off x="0" y="0"/>
-          <a:ext cx="0" cy="0"/>
-          <a:chOff x="0" y="0"/>
-          <a:chExt cx="0" cy="0"/>
+          <a:off y="0" x="0"/>
+          <a:ext cy="0" cx="0"/>
+          <a:chOff y="0" x="0"/>
+          <a:chExt cy="0" cx="0"/>
         </a:xfrm>
       </p:grpSpPr>
       <p:sp>
         <p:nvSpPr>
           <p:cNvPr id="70" name="Shape 70"/>
-          <p:cNvSpPr txBox="1">
-            <a:spLocks noGrp="1"/>
-          </p:cNvSpPr>
+          <p:cNvSpPr txBox="1"/>
           <p:nvPr>
             <p:ph type="title"/>
           </p:nvPr>
         </p:nvSpPr>
         <p:spPr>
           <a:xfrm>
-            <a:off x="457200" y="205978"/>
-            <a:ext cx="8229600" cy="857400"/>
+            <a:off y="205978" x="457200"/>
+            <a:ext cy="857400" cx="8229600"/>
           </a:xfrm>
           <a:prstGeom prst="rect">
             <a:avLst/>
           </a:prstGeom>
         </p:spPr>
         <p:txBody>
-          <a:bodyPr lIns="91425" tIns="91425" rIns="91425" bIns="91425" anchor="b" anchorCtr="0">
+          <a:bodyPr bIns="91425" rIns="91425" lIns="91425" tIns="91425" anchor="b" anchorCtr="0">
             <a:noAutofit/>
           </a:bodyPr>
           <a:lstStyle/>
@@ -5254,43 +4786,36 @@
       <p:sp>
         <p:nvSpPr>
           <p:cNvPr id="71" name="Shape 71"/>
-          <p:cNvSpPr txBox="1">
-            <a:spLocks noGrp="1"/>
-          </p:cNvSpPr>
+          <p:cNvSpPr txBox="1"/>
           <p:nvPr>
-            <p:ph type="body" idx="1"/>
+            <p:ph idx="1" type="body"/>
           </p:nvPr>
         </p:nvSpPr>
         <p:spPr>
           <a:xfrm>
-            <a:off x="457200" y="1200150"/>
-            <a:ext cx="8229600" cy="3725699"/>
+            <a:off y="1200150" x="457200"/>
+            <a:ext cy="3725699" cx="8229600"/>
           </a:xfrm>
           <a:prstGeom prst="rect">
             <a:avLst/>
           </a:prstGeom>
         </p:spPr>
         <p:txBody>
-          <a:bodyPr lIns="91425" tIns="91425" rIns="91425" bIns="91425" anchor="t" anchorCtr="0">
+          <a:bodyPr bIns="91425" rIns="91425" lIns="91425" tIns="91425" anchor="t" anchorCtr="0">
             <a:noAutofit/>
           </a:bodyPr>
           <a:lstStyle/>
           <a:p>
-            <a:pPr marL="190500" lvl="0" indent="0" rtl="0"/>
-            <a:endParaRPr lang="en" sz="2400">
-              <a:latin typeface="Trebuchet MS"/>
-              <a:ea typeface="Trebuchet MS"/>
-              <a:cs typeface="Trebuchet MS"/>
-              <a:sym typeface="Trebuchet MS"/>
-            </a:endParaRPr>
-          </a:p>
-          <a:p>
-            <a:pPr marL="533400" lvl="0" indent="-342900" rtl="0">
-              <a:buFont typeface="Arial" panose="020B0604020202020204" pitchFamily="34" charset="0"/>
+            <a:pPr rtl="0" lvl="0" indent="-381000" marL="457200">
+              <a:buClr>
+                <a:schemeClr val="dk1"/>
+              </a:buClr>
+              <a:buSzPct val="166666"/>
+              <a:buFont typeface="Arial"/>
               <a:buChar char="•"/>
             </a:pPr>
             <a:r>
-              <a:rPr lang="en" sz="2400" b="1">
+              <a:rPr b="1" sz="2400" lang="en">
                 <a:latin typeface="Trebuchet MS"/>
                 <a:ea typeface="Trebuchet MS"/>
                 <a:cs typeface="Trebuchet MS"/>
@@ -5299,7 +4824,7 @@
               <a:t>Administrator</a:t>
             </a:r>
             <a:r>
-              <a:rPr lang="en" sz="2400">
+              <a:rPr sz="2400" lang="en">
                 <a:latin typeface="Trebuchet MS"/>
                 <a:ea typeface="Trebuchet MS"/>
                 <a:cs typeface="Trebuchet MS"/>
@@ -5308,7 +4833,7 @@
               <a:t>:</a:t>
             </a:r>
             <a:br>
-              <a:rPr lang="en" sz="2400">
+              <a:rPr sz="2400" lang="en">
                 <a:latin typeface="Trebuchet MS"/>
                 <a:ea typeface="Trebuchet MS"/>
                 <a:cs typeface="Trebuchet MS"/>
@@ -5316,7 +4841,7 @@
               </a:rPr>
             </a:br>
             <a:r>
-              <a:rPr lang="en" sz="2400">
+              <a:rPr sz="2400" lang="en">
                 <a:latin typeface="Trebuchet MS"/>
                 <a:ea typeface="Trebuchet MS"/>
                 <a:cs typeface="Trebuchet MS"/>
@@ -5325,7 +4850,7 @@
               <a:t>Creates </a:t>
             </a:r>
             <a:r>
-              <a:rPr lang="en" sz="2400" i="1">
+              <a:rPr sz="2400" lang="en" i="1">
                 <a:latin typeface="Trebuchet MS"/>
                 <a:ea typeface="Trebuchet MS"/>
                 <a:cs typeface="Trebuchet MS"/>
@@ -5334,7 +4859,7 @@
               <a:t>Measures</a:t>
             </a:r>
             <a:r>
-              <a:rPr lang="en" sz="2400">
+              <a:rPr sz="2400" lang="en">
                 <a:latin typeface="Trebuchet MS"/>
                 <a:ea typeface="Trebuchet MS"/>
                 <a:cs typeface="Trebuchet MS"/>
@@ -5343,7 +4868,7 @@
               <a:t>;</a:t>
             </a:r>
             <a:br>
-              <a:rPr lang="en" sz="2400">
+              <a:rPr sz="2400" lang="en">
                 <a:latin typeface="Trebuchet MS"/>
                 <a:ea typeface="Trebuchet MS"/>
                 <a:cs typeface="Trebuchet MS"/>
@@ -5351,7 +4876,7 @@
               </a:rPr>
             </a:br>
             <a:r>
-              <a:rPr lang="en" sz="2400">
+              <a:rPr sz="2400" lang="en">
                 <a:latin typeface="Trebuchet MS"/>
                 <a:ea typeface="Trebuchet MS"/>
                 <a:cs typeface="Trebuchet MS"/>
@@ -5360,7 +4885,7 @@
               <a:t>Plans </a:t>
             </a:r>
             <a:r>
-              <a:rPr lang="en" sz="2400" i="1">
+              <a:rPr sz="2400" lang="en" i="1">
                 <a:latin typeface="Trebuchet MS"/>
                 <a:ea typeface="Trebuchet MS"/>
                 <a:cs typeface="Trebuchet MS"/>
@@ -5369,22 +4894,26 @@
               <a:t>Schedules</a:t>
             </a:r>
             <a:r>
-              <a:rPr lang="en" sz="2400">
-                <a:latin typeface="Trebuchet MS"/>
-                <a:ea typeface="Trebuchet MS"/>
-                <a:cs typeface="Trebuchet MS"/>
-                <a:sym typeface="Trebuchet MS"/>
-              </a:rPr>
-              <a:t>;</a:t>
-            </a:r>
-          </a:p>
-          <a:p>
-            <a:pPr marL="533400" indent="-342900">
-              <a:buFont typeface="Arial" panose="020B0604020202020204" pitchFamily="34" charset="0"/>
+              <a:rPr sz="2400" lang="en">
+                <a:latin typeface="Trebuchet MS"/>
+                <a:ea typeface="Trebuchet MS"/>
+                <a:cs typeface="Trebuchet MS"/>
+                <a:sym typeface="Trebuchet MS"/>
+              </a:rPr>
+              <a:t>; </a:t>
+            </a:r>
+          </a:p>
+          <a:p>
+            <a:pPr rtl="0" lvl="0" indent="-381000" marL="457200">
+              <a:buClr>
+                <a:schemeClr val="dk1"/>
+              </a:buClr>
+              <a:buSzPct val="166666"/>
+              <a:buFont typeface="Arial"/>
               <a:buChar char="•"/>
             </a:pPr>
             <a:r>
-              <a:rPr lang="en-US" sz="2400" b="1">
+              <a:rPr b="1" sz="2400" lang="en">
                 <a:latin typeface="Trebuchet MS"/>
                 <a:ea typeface="Trebuchet MS"/>
                 <a:cs typeface="Trebuchet MS"/>
@@ -5393,7 +4922,7 @@
               <a:t>Worker</a:t>
             </a:r>
             <a:r>
-              <a:rPr lang="en-US" sz="2400">
+              <a:rPr sz="2400" lang="en">
                 <a:latin typeface="Trebuchet MS"/>
                 <a:ea typeface="Trebuchet MS"/>
                 <a:cs typeface="Trebuchet MS"/>
@@ -5401,16 +4930,8 @@
               </a:rPr>
               <a:t>:</a:t>
             </a:r>
-            <a:br>
-              <a:rPr lang="en-US" sz="2400">
-                <a:latin typeface="Trebuchet MS"/>
-                <a:ea typeface="Trebuchet MS"/>
-                <a:cs typeface="Trebuchet MS"/>
-                <a:sym typeface="Trebuchet MS"/>
-              </a:rPr>
-            </a:br>
-            <a:r>
-              <a:rPr lang="en-US" sz="2400" i="1">
+            <a:r>
+              <a:rPr sz="2400" lang="en" i="1">
                 <a:latin typeface="Trebuchet MS"/>
                 <a:ea typeface="Trebuchet MS"/>
                 <a:cs typeface="Trebuchet MS"/>
@@ -5419,25 +4940,16 @@
               <a:t>Ticks</a:t>
             </a:r>
             <a:r>
-              <a:rPr lang="en-US" sz="2400">
-                <a:latin typeface="Trebuchet MS"/>
-                <a:ea typeface="Trebuchet MS"/>
-                <a:cs typeface="Trebuchet MS"/>
-                <a:sym typeface="Trebuchet MS"/>
-              </a:rPr>
-              <a:t> </a:t>
-            </a:r>
-            <a:r>
-              <a:rPr lang="en" sz="2400">
-                <a:latin typeface="Trebuchet MS"/>
-                <a:ea typeface="Trebuchet MS"/>
-                <a:cs typeface="Trebuchet MS"/>
-                <a:sym typeface="Trebuchet MS"/>
-              </a:rPr>
-              <a:t>Schedule </a:t>
-            </a:r>
-            <a:r>
-              <a:rPr lang="en-US" sz="2400" i="1">
+              <a:rPr sz="2400" lang="en">
+                <a:latin typeface="Trebuchet MS"/>
+                <a:ea typeface="Trebuchet MS"/>
+                <a:cs typeface="Trebuchet MS"/>
+                <a:sym typeface="Trebuchet MS"/>
+              </a:rPr>
+              <a:t> Schedule </a:t>
+            </a:r>
+            <a:r>
+              <a:rPr sz="2400" lang="en" i="1">
                 <a:latin typeface="Trebuchet MS"/>
                 <a:ea typeface="Trebuchet MS"/>
                 <a:cs typeface="Trebuchet MS"/>
@@ -5445,20 +4957,23 @@
               </a:rPr>
               <a:t>Checks</a:t>
             </a:r>
-            <a:endParaRPr lang="en" sz="2400" i="1">
-              <a:latin typeface="Trebuchet MS"/>
-              <a:ea typeface="Trebuchet MS"/>
-              <a:cs typeface="Trebuchet MS"/>
-              <a:sym typeface="Trebuchet MS"/>
-            </a:endParaRPr>
-          </a:p>
-          <a:p>
-            <a:pPr marL="533400" indent="-342900">
-              <a:buFont typeface="Arial" panose="020B0604020202020204" pitchFamily="34" charset="0"/>
+          </a:p>
+          <a:p>
+            <a:r>
+              <a:t/>
+            </a:r>
+          </a:p>
+          <a:p>
+            <a:pPr rtl="0" lvl="0" indent="-381000" marL="457200">
+              <a:buClr>
+                <a:schemeClr val="dk1"/>
+              </a:buClr>
+              <a:buSzPct val="166666"/>
+              <a:buFont typeface="Arial"/>
               <a:buChar char="•"/>
             </a:pPr>
             <a:r>
-              <a:rPr lang="en-US" sz="2400" b="1">
+              <a:rPr b="1" sz="2400" lang="en">
                 <a:latin typeface="Trebuchet MS"/>
                 <a:ea typeface="Trebuchet MS"/>
                 <a:cs typeface="Trebuchet MS"/>
@@ -5467,7 +4982,7 @@
               <a:t>Manager</a:t>
             </a:r>
             <a:r>
-              <a:rPr lang="en" sz="2400">
+              <a:rPr sz="2400" lang="en">
                 <a:latin typeface="Trebuchet MS"/>
                 <a:ea typeface="Trebuchet MS"/>
                 <a:cs typeface="Trebuchet MS"/>
@@ -5476,7 +4991,7 @@
               <a:t>:</a:t>
             </a:r>
             <a:br>
-              <a:rPr lang="en" sz="2400">
+              <a:rPr sz="2400" lang="en">
                 <a:latin typeface="Trebuchet MS"/>
                 <a:ea typeface="Trebuchet MS"/>
                 <a:cs typeface="Trebuchet MS"/>
@@ -5484,7 +4999,7 @@
               </a:rPr>
             </a:br>
             <a:r>
-              <a:rPr lang="en" sz="2400">
+              <a:rPr sz="2400" lang="en">
                 <a:latin typeface="Trebuchet MS"/>
                 <a:ea typeface="Trebuchet MS"/>
                 <a:cs typeface="Trebuchet MS"/>
@@ -5492,15 +5007,6 @@
               </a:rPr>
               <a:t>Can quickly view and report on the data as to suit them.</a:t>
             </a:r>
-          </a:p>
-          <a:p>
-            <a:pPr marL="190500" indent="0"/>
-            <a:endParaRPr lang="en" sz="2400">
-              <a:latin typeface="Trebuchet MS"/>
-              <a:ea typeface="Trebuchet MS"/>
-              <a:cs typeface="Trebuchet MS"/>
-              <a:sym typeface="Trebuchet MS"/>
-            </a:endParaRPr>
           </a:p>
         </p:txBody>
       </p:sp>
@@ -5516,43 +5022,41 @@
 </file>
 
 <file path=ppt/slides/slide8.xml><?xml version="1.0" encoding="utf-8"?>
-<p:sld xmlns:a="http://schemas.openxmlformats.org/drawingml/2006/main" xmlns:r="http://schemas.openxmlformats.org/officeDocument/2006/relationships" xmlns:p="http://schemas.openxmlformats.org/presentationml/2006/main">
+<p:sld xmlns:a="http://schemas.openxmlformats.org/drawingml/2006/main" xmlns:r="http://schemas.openxmlformats.org/officeDocument/2006/relationships" xmlns:mc="http://schemas.openxmlformats.org/markup-compatibility/2006" xmlns:mv="urn:schemas-microsoft-com:mac:vml" xmlns:p="http://schemas.openxmlformats.org/presentationml/2006/main" xmlns:c="http://schemas.openxmlformats.org/drawingml/2006/chart" xmlns:dgm="http://schemas.openxmlformats.org/drawingml/2006/diagram" xmlns:o="urn:schemas-microsoft-com:office:office" xmlns:v="urn:schemas-microsoft-com:vml" xmlns:pvml="urn:schemas-microsoft-com:office:powerpoint" xmlns:com="http://schemas.openxmlformats.org/drawingml/2006/compatibility" xmlns:p14="http://schemas.microsoft.com/office/powerpoint/2010/main">
   <p:cSld>
     <p:spTree>
       <p:nvGrpSpPr>
-        <p:cNvPr id="1" name="Shape 75"/>
+        <p:cNvPr id="75" name="Shape 75"/>
         <p:cNvGrpSpPr/>
         <p:nvPr/>
       </p:nvGrpSpPr>
       <p:grpSpPr>
         <a:xfrm>
-          <a:off x="0" y="0"/>
-          <a:ext cx="0" cy="0"/>
-          <a:chOff x="0" y="0"/>
-          <a:chExt cx="0" cy="0"/>
+          <a:off y="0" x="0"/>
+          <a:ext cy="0" cx="0"/>
+          <a:chOff y="0" x="0"/>
+          <a:chExt cy="0" cx="0"/>
         </a:xfrm>
       </p:grpSpPr>
       <p:sp>
         <p:nvSpPr>
           <p:cNvPr id="76" name="Shape 76"/>
-          <p:cNvSpPr txBox="1">
-            <a:spLocks noGrp="1"/>
-          </p:cNvSpPr>
+          <p:cNvSpPr txBox="1"/>
           <p:nvPr>
             <p:ph type="title"/>
           </p:nvPr>
         </p:nvSpPr>
         <p:spPr>
           <a:xfrm>
-            <a:off x="457200" y="205978"/>
-            <a:ext cx="8229600" cy="857400"/>
+            <a:off y="205978" x="457200"/>
+            <a:ext cy="857400" cx="8229600"/>
           </a:xfrm>
           <a:prstGeom prst="rect">
             <a:avLst/>
           </a:prstGeom>
         </p:spPr>
         <p:txBody>
-          <a:bodyPr lIns="91425" tIns="91425" rIns="91425" bIns="91425" anchor="b" anchorCtr="0">
+          <a:bodyPr bIns="91425" rIns="91425" lIns="91425" tIns="91425" anchor="b" anchorCtr="0">
             <a:noAutofit/>
           </a:bodyPr>
           <a:lstStyle/>
@@ -5575,29 +5079,27 @@
       <p:sp>
         <p:nvSpPr>
           <p:cNvPr id="77" name="Shape 77"/>
-          <p:cNvSpPr txBox="1">
-            <a:spLocks noGrp="1"/>
-          </p:cNvSpPr>
+          <p:cNvSpPr txBox="1"/>
           <p:nvPr>
-            <p:ph type="body" idx="1"/>
+            <p:ph idx="1" type="body"/>
           </p:nvPr>
         </p:nvSpPr>
         <p:spPr>
           <a:xfrm>
-            <a:off x="457200" y="1200150"/>
-            <a:ext cx="8686800" cy="3725699"/>
+            <a:off y="1200150" x="457200"/>
+            <a:ext cy="3725699" cx="8686800"/>
           </a:xfrm>
           <a:prstGeom prst="rect">
             <a:avLst/>
           </a:prstGeom>
         </p:spPr>
         <p:txBody>
-          <a:bodyPr lIns="91425" tIns="91425" rIns="91425" bIns="91425" anchor="t" anchorCtr="0">
+          <a:bodyPr bIns="91425" rIns="91425" lIns="91425" tIns="91425" anchor="t" anchorCtr="0">
             <a:noAutofit/>
           </a:bodyPr>
           <a:lstStyle/>
           <a:p>
-            <a:pPr marL="457200" lvl="0" indent="-381000" rtl="0">
+            <a:pPr rtl="0" lvl="0" indent="-381000" marL="457200">
               <a:buClr>
                 <a:schemeClr val="dk1"/>
               </a:buClr>
@@ -5606,7 +5108,7 @@
               <a:buChar char="•"/>
             </a:pPr>
             <a:r>
-              <a:rPr lang="en" sz="2400">
+              <a:rPr sz="2400" lang="en">
                 <a:latin typeface="Trebuchet MS"/>
                 <a:ea typeface="Trebuchet MS"/>
                 <a:cs typeface="Trebuchet MS"/>
@@ -5615,7 +5117,7 @@
               <a:t>Opensource Project hosted @ github.com </a:t>
             </a:r>
             <a:br>
-              <a:rPr lang="en" sz="2400">
+              <a:rPr sz="2400" lang="en">
                 <a:latin typeface="Trebuchet MS"/>
                 <a:ea typeface="Trebuchet MS"/>
                 <a:cs typeface="Trebuchet MS"/>
@@ -5623,7 +5125,7 @@
               </a:rPr>
             </a:br>
             <a:r>
-              <a:rPr lang="en" sz="2400">
+              <a:rPr sz="2400" lang="en">
                 <a:latin typeface="Trebuchet MS"/>
                 <a:ea typeface="Trebuchet MS"/>
                 <a:cs typeface="Trebuchet MS"/>
@@ -5633,7 +5135,7 @@
             </a:r>
           </a:p>
           <a:p>
-            <a:pPr marL="457200" lvl="0" indent="-381000" rtl="0">
+            <a:pPr rtl="0" lvl="0" indent="-381000" marL="457200">
               <a:buClr>
                 <a:schemeClr val="dk1"/>
               </a:buClr>
@@ -5642,7 +5144,7 @@
               <a:buChar char="•"/>
             </a:pPr>
             <a:r>
-              <a:rPr lang="en" sz="2400">
+              <a:rPr sz="2400" lang="en">
                 <a:latin typeface="Trebuchet MS"/>
                 <a:ea typeface="Trebuchet MS"/>
                 <a:cs typeface="Trebuchet MS"/>
@@ -5652,7 +5154,7 @@
             </a:r>
           </a:p>
           <a:p>
-            <a:pPr marL="457200" lvl="0" indent="-381000" rtl="0">
+            <a:pPr rtl="0" lvl="0" indent="-381000" marL="457200">
               <a:buClr>
                 <a:schemeClr val="dk1"/>
               </a:buClr>
@@ -5661,7 +5163,7 @@
               <a:buChar char="•"/>
             </a:pPr>
             <a:r>
-              <a:rPr lang="en" sz="2400">
+              <a:rPr sz="2400" lang="en">
                 <a:latin typeface="Trebuchet MS"/>
                 <a:ea typeface="Trebuchet MS"/>
                 <a:cs typeface="Trebuchet MS"/>
@@ -5671,7 +5173,7 @@
             </a:r>
           </a:p>
           <a:p>
-            <a:pPr marL="457200" lvl="0" indent="-381000" rtl="0">
+            <a:pPr rtl="0" lvl="0" indent="-381000" marL="457200">
               <a:buClr>
                 <a:schemeClr val="dk1"/>
               </a:buClr>
@@ -5680,7 +5182,7 @@
               <a:buChar char="•"/>
             </a:pPr>
             <a:r>
-              <a:rPr lang="en" sz="2400">
+              <a:rPr sz="2400" lang="en">
                 <a:latin typeface="Trebuchet MS"/>
                 <a:ea typeface="Trebuchet MS"/>
                 <a:cs typeface="Trebuchet MS"/>
@@ -5690,7 +5192,7 @@
             </a:r>
           </a:p>
           <a:p>
-            <a:pPr marL="457200" lvl="0" indent="-381000" rtl="0">
+            <a:pPr rtl="0" lvl="0" indent="-381000" marL="457200">
               <a:buClr>
                 <a:schemeClr val="dk1"/>
               </a:buClr>
@@ -5699,7 +5201,7 @@
               <a:buChar char="•"/>
             </a:pPr>
             <a:r>
-              <a:rPr lang="en" sz="2400">
+              <a:rPr sz="2400" lang="en">
                 <a:latin typeface="Trebuchet MS"/>
                 <a:ea typeface="Trebuchet MS"/>
                 <a:cs typeface="Trebuchet MS"/>
@@ -5709,7 +5211,7 @@
             </a:r>
           </a:p>
           <a:p>
-            <a:pPr marL="457200" lvl="0" indent="-381000" rtl="0">
+            <a:pPr rtl="0" lvl="0" indent="-381000" marL="457200">
               <a:buClr>
                 <a:schemeClr val="dk1"/>
               </a:buClr>
@@ -5718,7 +5220,7 @@
               <a:buChar char="•"/>
             </a:pPr>
             <a:r>
-              <a:rPr lang="en" sz="2400">
+              <a:rPr sz="2400" lang="en">
                 <a:latin typeface="Trebuchet MS"/>
                 <a:ea typeface="Trebuchet MS"/>
                 <a:cs typeface="Trebuchet MS"/>
@@ -5728,7 +5230,7 @@
             </a:r>
           </a:p>
           <a:p>
-            <a:pPr marL="457200" lvl="0" indent="-381000" rtl="0">
+            <a:pPr rtl="0" lvl="0" indent="-381000" marL="457200">
               <a:buClr>
                 <a:schemeClr val="dk1"/>
               </a:buClr>
@@ -5737,7 +5239,7 @@
               <a:buChar char="•"/>
             </a:pPr>
             <a:r>
-              <a:rPr lang="en" sz="2400">
+              <a:rPr sz="2400" lang="en">
                 <a:latin typeface="Trebuchet MS"/>
                 <a:ea typeface="Trebuchet MS"/>
                 <a:cs typeface="Trebuchet MS"/>
@@ -5747,7 +5249,7 @@
             </a:r>
           </a:p>
           <a:p>
-            <a:pPr marL="457200" lvl="0" indent="-381000" rtl="0">
+            <a:pPr rtl="0" lvl="0" indent="-381000" marL="457200">
               <a:buClr>
                 <a:schemeClr val="dk1"/>
               </a:buClr>
@@ -5756,7 +5258,7 @@
               <a:buChar char="•"/>
             </a:pPr>
             <a:r>
-              <a:rPr lang="en" sz="2400">
+              <a:rPr sz="2400" lang="en">
                 <a:latin typeface="Trebuchet MS"/>
                 <a:ea typeface="Trebuchet MS"/>
                 <a:cs typeface="Trebuchet MS"/>
@@ -5779,48 +5281,46 @@
 </file>
 
 <file path=ppt/slides/slide9.xml><?xml version="1.0" encoding="utf-8"?>
-<p:sld xmlns:a="http://schemas.openxmlformats.org/drawingml/2006/main" xmlns:r="http://schemas.openxmlformats.org/officeDocument/2006/relationships" xmlns:p="http://schemas.openxmlformats.org/presentationml/2006/main">
+<p:sld xmlns:a="http://schemas.openxmlformats.org/drawingml/2006/main" xmlns:r="http://schemas.openxmlformats.org/officeDocument/2006/relationships" xmlns:mc="http://schemas.openxmlformats.org/markup-compatibility/2006" xmlns:mv="urn:schemas-microsoft-com:mac:vml" xmlns:p="http://schemas.openxmlformats.org/presentationml/2006/main" xmlns:c="http://schemas.openxmlformats.org/drawingml/2006/chart" xmlns:dgm="http://schemas.openxmlformats.org/drawingml/2006/diagram" xmlns:o="urn:schemas-microsoft-com:office:office" xmlns:v="urn:schemas-microsoft-com:vml" xmlns:pvml="urn:schemas-microsoft-com:office:powerpoint" xmlns:com="http://schemas.openxmlformats.org/drawingml/2006/compatibility" xmlns:p14="http://schemas.microsoft.com/office/powerpoint/2010/main">
   <p:cSld>
     <p:spTree>
       <p:nvGrpSpPr>
-        <p:cNvPr id="1" name="Shape 81"/>
+        <p:cNvPr id="81" name="Shape 81"/>
         <p:cNvGrpSpPr/>
         <p:nvPr/>
       </p:nvGrpSpPr>
       <p:grpSpPr>
         <a:xfrm>
-          <a:off x="0" y="0"/>
-          <a:ext cx="0" cy="0"/>
-          <a:chOff x="0" y="0"/>
-          <a:chExt cx="0" cy="0"/>
+          <a:off y="0" x="0"/>
+          <a:ext cy="0" cx="0"/>
+          <a:chOff y="0" x="0"/>
+          <a:chExt cy="0" cx="0"/>
         </a:xfrm>
       </p:grpSpPr>
       <p:sp>
         <p:nvSpPr>
           <p:cNvPr id="82" name="Shape 82"/>
-          <p:cNvSpPr txBox="1">
-            <a:spLocks noGrp="1"/>
-          </p:cNvSpPr>
+          <p:cNvSpPr txBox="1"/>
           <p:nvPr>
-            <p:ph type="body" idx="1"/>
+            <p:ph idx="1" type="body"/>
           </p:nvPr>
         </p:nvSpPr>
         <p:spPr>
           <a:xfrm>
-            <a:off x="457200" y="1200150"/>
-            <a:ext cx="8229600" cy="3725699"/>
+            <a:off y="1200150" x="457200"/>
+            <a:ext cy="3725699" cx="8229600"/>
           </a:xfrm>
           <a:prstGeom prst="rect">
             <a:avLst/>
           </a:prstGeom>
         </p:spPr>
         <p:txBody>
-          <a:bodyPr lIns="91425" tIns="91425" rIns="91425" bIns="91425" anchor="t" anchorCtr="0">
+          <a:bodyPr bIns="91425" rIns="91425" lIns="91425" tIns="91425" anchor="t" anchorCtr="0">
             <a:noAutofit/>
           </a:bodyPr>
           <a:lstStyle/>
           <a:p>
-            <a:pPr lvl="0" rtl="0">
+            <a:pPr rtl="0" lvl="0">
               <a:buNone/>
             </a:pPr>
             <a:r>
@@ -5834,15 +5334,12 @@
             </a:r>
           </a:p>
           <a:p>
-            <a:endParaRPr lang="en">
-              <a:latin typeface="Trebuchet MS"/>
-              <a:ea typeface="Trebuchet MS"/>
-              <a:cs typeface="Trebuchet MS"/>
-              <a:sym typeface="Trebuchet MS"/>
-            </a:endParaRPr>
-          </a:p>
-          <a:p>
-            <a:pPr lvl="0" rtl="0">
+            <a:r>
+              <a:t/>
+            </a:r>
+          </a:p>
+          <a:p>
+            <a:pPr rtl="0" lvl="0">
               <a:buNone/>
             </a:pPr>
             <a:r>
@@ -5860,29 +5357,27 @@
       <p:sp>
         <p:nvSpPr>
           <p:cNvPr id="83" name="Shape 83"/>
-          <p:cNvSpPr txBox="1">
-            <a:spLocks noGrp="1"/>
-          </p:cNvSpPr>
+          <p:cNvSpPr txBox="1"/>
           <p:nvPr>
             <p:ph type="title"/>
           </p:nvPr>
         </p:nvSpPr>
         <p:spPr>
           <a:xfrm>
-            <a:off x="457200" y="205978"/>
-            <a:ext cx="8229600" cy="857400"/>
+            <a:off y="205978" x="457200"/>
+            <a:ext cy="857400" cx="8229600"/>
           </a:xfrm>
           <a:prstGeom prst="rect">
             <a:avLst/>
           </a:prstGeom>
         </p:spPr>
         <p:txBody>
-          <a:bodyPr lIns="91425" tIns="91425" rIns="91425" bIns="91425" anchor="b" anchorCtr="0">
+          <a:bodyPr bIns="91425" rIns="91425" lIns="91425" tIns="91425" anchor="b" anchorCtr="0">
             <a:noAutofit/>
           </a:bodyPr>
           <a:lstStyle/>
           <a:p>
-            <a:pPr lvl="0" rtl="0">
+            <a:pPr rtl="0" lvl="0">
               <a:buNone/>
             </a:pPr>
             <a:r>
@@ -5909,7 +5404,7 @@
 </file>
 
 <file path=ppt/theme/theme1.xml><?xml version="1.0" encoding="utf-8"?>
-<a:theme xmlns:a="http://schemas.openxmlformats.org/drawingml/2006/main" name="biz">
+<a:theme xmlns:a="http://schemas.openxmlformats.org/drawingml/2006/main" xmlns:r="http://schemas.openxmlformats.org/officeDocument/2006/relationships" name="biz">
   <a:themeElements>
     <a:clrScheme name="Custom 233">
       <a:dk1>
@@ -5954,69 +5449,69 @@
         <a:latin typeface="Arial"/>
         <a:ea typeface=""/>
         <a:cs typeface=""/>
-        <a:font script="Jpan" typeface="ＭＳ Ｐゴシック"/>
-        <a:font script="Hang" typeface="맑은 고딕"/>
-        <a:font script="Hans" typeface="宋体"/>
-        <a:font script="Hant" typeface="新細明體"/>
-        <a:font script="Arab" typeface="Times New Roman"/>
-        <a:font script="Hebr" typeface="Times New Roman"/>
-        <a:font script="Thai" typeface="Angsana New"/>
-        <a:font script="Ethi" typeface="Nyala"/>
-        <a:font script="Beng" typeface="Vrinda"/>
-        <a:font script="Gujr" typeface="Shruti"/>
-        <a:font script="Khmr" typeface="MoolBoran"/>
-        <a:font script="Knda" typeface="Tunga"/>
-        <a:font script="Guru" typeface="Raavi"/>
-        <a:font script="Cans" typeface="Euphemia"/>
-        <a:font script="Cher" typeface="Plantagenet Cherokee"/>
-        <a:font script="Yiii" typeface="Microsoft Yi Baiti"/>
-        <a:font script="Tibt" typeface="Microsoft Himalaya"/>
-        <a:font script="Thaa" typeface="MV Boli"/>
-        <a:font script="Deva" typeface="Mangal"/>
-        <a:font script="Telu" typeface="Gautami"/>
-        <a:font script="Taml" typeface="Latha"/>
-        <a:font script="Syrc" typeface="Estrangelo Edessa"/>
-        <a:font script="Orya" typeface="Kalinga"/>
-        <a:font script="Mlym" typeface="Kartika"/>
-        <a:font script="Laoo" typeface="DokChampa"/>
-        <a:font script="Sinh" typeface="Iskoola Pota"/>
-        <a:font script="Mong" typeface="Mongolian Baiti"/>
-        <a:font script="Viet" typeface="Times New Roman"/>
-        <a:font script="Uigh" typeface="Microsoft Uighur"/>
+        <a:font typeface="ＭＳ Ｐゴシック" script="Jpan"/>
+        <a:font typeface="맑은 고딕" script="Hang"/>
+        <a:font typeface="宋体" script="Hans"/>
+        <a:font typeface="新細明體" script="Hant"/>
+        <a:font typeface="Times New Roman" script="Arab"/>
+        <a:font typeface="Times New Roman" script="Hebr"/>
+        <a:font typeface="Angsana New" script="Thai"/>
+        <a:font typeface="Nyala" script="Ethi"/>
+        <a:font typeface="Vrinda" script="Beng"/>
+        <a:font typeface="Shruti" script="Gujr"/>
+        <a:font typeface="MoolBoran" script="Khmr"/>
+        <a:font typeface="Tunga" script="Knda"/>
+        <a:font typeface="Raavi" script="Guru"/>
+        <a:font typeface="Euphemia" script="Cans"/>
+        <a:font typeface="Plantagenet Cherokee" script="Cher"/>
+        <a:font typeface="Microsoft Yi Baiti" script="Yiii"/>
+        <a:font typeface="Microsoft Himalaya" script="Tibt"/>
+        <a:font typeface="MV Boli" script="Thaa"/>
+        <a:font typeface="Mangal" script="Deva"/>
+        <a:font typeface="Gautami" script="Telu"/>
+        <a:font typeface="Latha" script="Taml"/>
+        <a:font typeface="Estrangelo Edessa" script="Syrc"/>
+        <a:font typeface="Kalinga" script="Orya"/>
+        <a:font typeface="Kartika" script="Mlym"/>
+        <a:font typeface="DokChampa" script="Laoo"/>
+        <a:font typeface="Iskoola Pota" script="Sinh"/>
+        <a:font typeface="Mongolian Baiti" script="Mong"/>
+        <a:font typeface="Times New Roman" script="Viet"/>
+        <a:font typeface="Microsoft Uighur" script="Uigh"/>
       </a:majorFont>
       <a:minorFont>
         <a:latin typeface="Arial"/>
         <a:ea typeface=""/>
         <a:cs typeface=""/>
-        <a:font script="Jpan" typeface="ＭＳ Ｐゴシック"/>
-        <a:font script="Hang" typeface="맑은 고딕"/>
-        <a:font script="Hans" typeface="宋体"/>
-        <a:font script="Hant" typeface="新細明體"/>
-        <a:font script="Arab" typeface="Arial"/>
-        <a:font script="Hebr" typeface="Arial"/>
-        <a:font script="Thai" typeface="Cordia New"/>
-        <a:font script="Ethi" typeface="Nyala"/>
-        <a:font script="Beng" typeface="Vrinda"/>
-        <a:font script="Gujr" typeface="Shruti"/>
-        <a:font script="Khmr" typeface="DaunPenh"/>
-        <a:font script="Knda" typeface="Tunga"/>
-        <a:font script="Guru" typeface="Raavi"/>
-        <a:font script="Cans" typeface="Euphemia"/>
-        <a:font script="Cher" typeface="Plantagenet Cherokee"/>
-        <a:font script="Yiii" typeface="Microsoft Yi Baiti"/>
-        <a:font script="Tibt" typeface="Microsoft Himalaya"/>
-        <a:font script="Thaa" typeface="MV Boli"/>
-        <a:font script="Deva" typeface="Mangal"/>
-        <a:font script="Telu" typeface="Gautami"/>
-        <a:font script="Taml" typeface="Latha"/>
-        <a:font script="Syrc" typeface="Estrangelo Edessa"/>
-        <a:font script="Orya" typeface="Kalinga"/>
-        <a:font script="Mlym" typeface="Kartika"/>
-        <a:font script="Laoo" typeface="DokChampa"/>
-        <a:font script="Sinh" typeface="Iskoola Pota"/>
-        <a:font script="Mong" typeface="Mongolian Baiti"/>
-        <a:font script="Viet" typeface="Arial"/>
-        <a:font script="Uigh" typeface="Microsoft Uighur"/>
+        <a:font typeface="ＭＳ Ｐゴシック" script="Jpan"/>
+        <a:font typeface="맑은 고딕" script="Hang"/>
+        <a:font typeface="宋体" script="Hans"/>
+        <a:font typeface="新細明體" script="Hant"/>
+        <a:font typeface="Arial" script="Arab"/>
+        <a:font typeface="Arial" script="Hebr"/>
+        <a:font typeface="Cordia New" script="Thai"/>
+        <a:font typeface="Nyala" script="Ethi"/>
+        <a:font typeface="Vrinda" script="Beng"/>
+        <a:font typeface="Shruti" script="Gujr"/>
+        <a:font typeface="DaunPenh" script="Khmr"/>
+        <a:font typeface="Tunga" script="Knda"/>
+        <a:font typeface="Raavi" script="Guru"/>
+        <a:font typeface="Euphemia" script="Cans"/>
+        <a:font typeface="Plantagenet Cherokee" script="Cher"/>
+        <a:font typeface="Microsoft Yi Baiti" script="Yiii"/>
+        <a:font typeface="Microsoft Himalaya" script="Tibt"/>
+        <a:font typeface="MV Boli" script="Thaa"/>
+        <a:font typeface="Mangal" script="Deva"/>
+        <a:font typeface="Gautami" script="Telu"/>
+        <a:font typeface="Latha" script="Taml"/>
+        <a:font typeface="Estrangelo Edessa" script="Syrc"/>
+        <a:font typeface="Kalinga" script="Orya"/>
+        <a:font typeface="Kartika" script="Mlym"/>
+        <a:font typeface="DokChampa" script="Laoo"/>
+        <a:font typeface="Iskoola Pota" script="Sinh"/>
+        <a:font typeface="Mongolian Baiti" script="Mong"/>
+        <a:font typeface="Arial" script="Viet"/>
+        <a:font typeface="Microsoft Uighur" script="Uigh"/>
       </a:minorFont>
     </a:fontScheme>
     <a:fmtScheme name="Office">
@@ -6068,7 +5563,7 @@
         </a:gradFill>
       </a:fillStyleLst>
       <a:lnStyleLst>
-        <a:ln w="9525" cap="flat" cmpd="sng" algn="ctr">
+        <a:ln w="9525" algn="ctr" cap="flat" cmpd="sng">
           <a:solidFill>
             <a:schemeClr val="phClr">
               <a:shade val="95000"/>
@@ -6077,13 +5572,13 @@
           </a:solidFill>
           <a:prstDash val="solid"/>
         </a:ln>
-        <a:ln w="25400" cap="flat" cmpd="sng" algn="ctr">
+        <a:ln w="25400" algn="ctr" cap="flat" cmpd="sng">
           <a:solidFill>
             <a:schemeClr val="phClr"/>
           </a:solidFill>
           <a:prstDash val="solid"/>
         </a:ln>
-        <a:ln w="38100" cap="flat" cmpd="sng" algn="ctr">
+        <a:ln w="38100" algn="ctr" cap="flat" cmpd="sng">
           <a:solidFill>
             <a:schemeClr val="phClr"/>
           </a:solidFill>
@@ -6093,7 +5588,7 @@
       <a:effectStyleLst>
         <a:effectStyle>
           <a:effectLst>
-            <a:outerShdw blurRad="40000" dist="20000" dir="5400000" rotWithShape="0">
+            <a:outerShdw rotWithShape="0" dir="5400000" blurRad="40000" dist="20000">
               <a:srgbClr val="000000">
                 <a:alpha val="38000"/>
               </a:srgbClr>
@@ -6102,7 +5597,7 @@
         </a:effectStyle>
         <a:effectStyle>
           <a:effectLst>
-            <a:outerShdw blurRad="40000" dist="23000" dir="5400000" rotWithShape="0">
+            <a:outerShdw rotWithShape="0" dir="5400000" blurRad="40000" dist="23000">
               <a:srgbClr val="000000">
                 <a:alpha val="35000"/>
               </a:srgbClr>
@@ -6111,7 +5606,7 @@
         </a:effectStyle>
         <a:effectStyle>
           <a:effectLst>
-            <a:outerShdw blurRad="40000" dist="23000" dir="5400000" rotWithShape="0">
+            <a:outerShdw rotWithShape="0" dir="5400000" blurRad="40000" dist="23000">
               <a:srgbClr val="000000">
                 <a:alpha val="35000"/>
               </a:srgbClr>
@@ -6119,10 +5614,10 @@
           </a:effectLst>
           <a:scene3d>
             <a:camera prst="orthographicFront">
-              <a:rot lat="0" lon="0" rev="0"/>
+              <a:rot rev="0" lon="0" lat="0"/>
             </a:camera>
-            <a:lightRig rig="threePt" dir="t">
-              <a:rot lat="0" lon="0" rev="1200000"/>
+            <a:lightRig dir="t" rig="threePt">
+              <a:rot rev="1200000" lon="0" lat="0"/>
             </a:lightRig>
           </a:scene3d>
           <a:sp3d>
@@ -6157,7 +5652,7 @@
             </a:gs>
           </a:gsLst>
           <a:path path="circle">
-            <a:fillToRect l="50000" t="-80000" r="50000" b="180000"/>
+            <a:fillToRect t="-80000" b="180000" r="50000" l="50000"/>
           </a:path>
         </a:gradFill>
         <a:gradFill rotWithShape="1">
@@ -6176,56 +5671,54 @@
             </a:gs>
           </a:gsLst>
           <a:path path="circle">
-            <a:fillToRect l="50000" t="50000" r="50000" b="50000"/>
+            <a:fillToRect t="50000" b="50000" r="50000" l="50000"/>
           </a:path>
         </a:gradFill>
       </a:bgFillStyleLst>
     </a:fmtScheme>
   </a:themeElements>
-  <a:objectDefaults/>
-  <a:extraClrSchemeLst/>
 </a:theme>
 </file>
 
 <file path=ppt/theme/theme2.xml><?xml version="1.0" encoding="utf-8"?>
-<a:theme xmlns:a="http://schemas.openxmlformats.org/drawingml/2006/main" name="Custom Theme">
+<a:theme xmlns:a="http://schemas.openxmlformats.org/drawingml/2006/main" xmlns:r="http://schemas.openxmlformats.org/officeDocument/2006/relationships" name="Office Theme">
   <a:themeElements>
-    <a:clrScheme name="Default">
+    <a:clrScheme name="Office">
       <a:dk1>
-        <a:srgbClr val="000000"/>
+        <a:sysClr val="windowText" lastClr="000000"/>
       </a:dk1>
       <a:lt1>
-        <a:srgbClr val="FFFFFF"/>
+        <a:sysClr val="window" lastClr="FFFFFF"/>
       </a:lt1>
       <a:dk2>
-        <a:srgbClr val="158158"/>
+        <a:srgbClr val="1F497D"/>
       </a:dk2>
       <a:lt2>
-        <a:srgbClr val="F3F3F3"/>
+        <a:srgbClr val="EEECE1"/>
       </a:lt2>
       <a:accent1>
-        <a:srgbClr val="058DC7"/>
+        <a:srgbClr val="4F81BD"/>
       </a:accent1>
       <a:accent2>
-        <a:srgbClr val="50B432"/>
+        <a:srgbClr val="C0504D"/>
       </a:accent2>
       <a:accent3>
-        <a:srgbClr val="ED561B"/>
+        <a:srgbClr val="9BBB59"/>
       </a:accent3>
       <a:accent4>
-        <a:srgbClr val="EDEF00"/>
+        <a:srgbClr val="8064A2"/>
       </a:accent4>
       <a:accent5>
-        <a:srgbClr val="24CBE5"/>
+        <a:srgbClr val="4BACC6"/>
       </a:accent5>
       <a:accent6>
-        <a:srgbClr val="64E572"/>
+        <a:srgbClr val="F79646"/>
       </a:accent6>
       <a:hlink>
-        <a:srgbClr val="2200CC"/>
+        <a:srgbClr val="0000FF"/>
       </a:hlink>
       <a:folHlink>
-        <a:srgbClr val="551A8B"/>
+        <a:srgbClr val="800080"/>
       </a:folHlink>
     </a:clrScheme>
     <a:fontScheme name="Office">
@@ -6233,69 +5726,69 @@
         <a:latin typeface="Arial"/>
         <a:ea typeface=""/>
         <a:cs typeface=""/>
-        <a:font script="Jpan" typeface="ＭＳ Ｐゴシック"/>
-        <a:font script="Hang" typeface="맑은 고딕"/>
-        <a:font script="Hans" typeface="宋体"/>
-        <a:font script="Hant" typeface="新細明體"/>
-        <a:font script="Arab" typeface="Times New Roman"/>
-        <a:font script="Hebr" typeface="Times New Roman"/>
-        <a:font script="Thai" typeface="Angsana New"/>
-        <a:font script="Ethi" typeface="Nyala"/>
-        <a:font script="Beng" typeface="Vrinda"/>
-        <a:font script="Gujr" typeface="Shruti"/>
-        <a:font script="Khmr" typeface="MoolBoran"/>
-        <a:font script="Knda" typeface="Tunga"/>
-        <a:font script="Guru" typeface="Raavi"/>
-        <a:font script="Cans" typeface="Euphemia"/>
-        <a:font script="Cher" typeface="Plantagenet Cherokee"/>
-        <a:font script="Yiii" typeface="Microsoft Yi Baiti"/>
-        <a:font script="Tibt" typeface="Microsoft Himalaya"/>
-        <a:font script="Thaa" typeface="MV Boli"/>
-        <a:font script="Deva" typeface="Mangal"/>
-        <a:font script="Telu" typeface="Gautami"/>
-        <a:font script="Taml" typeface="Latha"/>
-        <a:font script="Syrc" typeface="Estrangelo Edessa"/>
-        <a:font script="Orya" typeface="Kalinga"/>
-        <a:font script="Mlym" typeface="Kartika"/>
-        <a:font script="Laoo" typeface="DokChampa"/>
-        <a:font script="Sinh" typeface="Iskoola Pota"/>
-        <a:font script="Mong" typeface="Mongolian Baiti"/>
-        <a:font script="Viet" typeface="Times New Roman"/>
-        <a:font script="Uigh" typeface="Microsoft Uighur"/>
+        <a:font typeface="ＭＳ Ｐゴシック" script="Jpan"/>
+        <a:font typeface="맑은 고딕" script="Hang"/>
+        <a:font typeface="宋体" script="Hans"/>
+        <a:font typeface="新細明體" script="Hant"/>
+        <a:font typeface="Times New Roman" script="Arab"/>
+        <a:font typeface="Times New Roman" script="Hebr"/>
+        <a:font typeface="Angsana New" script="Thai"/>
+        <a:font typeface="Nyala" script="Ethi"/>
+        <a:font typeface="Vrinda" script="Beng"/>
+        <a:font typeface="Shruti" script="Gujr"/>
+        <a:font typeface="MoolBoran" script="Khmr"/>
+        <a:font typeface="Tunga" script="Knda"/>
+        <a:font typeface="Raavi" script="Guru"/>
+        <a:font typeface="Euphemia" script="Cans"/>
+        <a:font typeface="Plantagenet Cherokee" script="Cher"/>
+        <a:font typeface="Microsoft Yi Baiti" script="Yiii"/>
+        <a:font typeface="Microsoft Himalaya" script="Tibt"/>
+        <a:font typeface="MV Boli" script="Thaa"/>
+        <a:font typeface="Mangal" script="Deva"/>
+        <a:font typeface="Gautami" script="Telu"/>
+        <a:font typeface="Latha" script="Taml"/>
+        <a:font typeface="Estrangelo Edessa" script="Syrc"/>
+        <a:font typeface="Kalinga" script="Orya"/>
+        <a:font typeface="Kartika" script="Mlym"/>
+        <a:font typeface="DokChampa" script="Laoo"/>
+        <a:font typeface="Iskoola Pota" script="Sinh"/>
+        <a:font typeface="Mongolian Baiti" script="Mong"/>
+        <a:font typeface="Times New Roman" script="Viet"/>
+        <a:font typeface="Microsoft Uighur" script="Uigh"/>
       </a:majorFont>
       <a:minorFont>
         <a:latin typeface="Arial"/>
         <a:ea typeface=""/>
         <a:cs typeface=""/>
-        <a:font script="Jpan" typeface="ＭＳ Ｐゴシック"/>
-        <a:font script="Hang" typeface="맑은 고딕"/>
-        <a:font script="Hans" typeface="宋体"/>
-        <a:font script="Hant" typeface="新細明體"/>
-        <a:font script="Arab" typeface="Arial"/>
-        <a:font script="Hebr" typeface="Arial"/>
-        <a:font script="Thai" typeface="Cordia New"/>
-        <a:font script="Ethi" typeface="Nyala"/>
-        <a:font script="Beng" typeface="Vrinda"/>
-        <a:font script="Gujr" typeface="Shruti"/>
-        <a:font script="Khmr" typeface="DaunPenh"/>
-        <a:font script="Knda" typeface="Tunga"/>
-        <a:font script="Guru" typeface="Raavi"/>
-        <a:font script="Cans" typeface="Euphemia"/>
-        <a:font script="Cher" typeface="Plantagenet Cherokee"/>
-        <a:font script="Yiii" typeface="Microsoft Yi Baiti"/>
-        <a:font script="Tibt" typeface="Microsoft Himalaya"/>
-        <a:font script="Thaa" typeface="MV Boli"/>
-        <a:font script="Deva" typeface="Mangal"/>
-        <a:font script="Telu" typeface="Gautami"/>
-        <a:font script="Taml" typeface="Latha"/>
-        <a:font script="Syrc" typeface="Estrangelo Edessa"/>
-        <a:font script="Orya" typeface="Kalinga"/>
-        <a:font script="Mlym" typeface="Kartika"/>
-        <a:font script="Laoo" typeface="DokChampa"/>
-        <a:font script="Sinh" typeface="Iskoola Pota"/>
-        <a:font script="Mong" typeface="Mongolian Baiti"/>
-        <a:font script="Viet" typeface="Arial"/>
-        <a:font script="Uigh" typeface="Microsoft Uighur"/>
+        <a:font typeface="ＭＳ Ｐゴシック" script="Jpan"/>
+        <a:font typeface="맑은 고딕" script="Hang"/>
+        <a:font typeface="宋体" script="Hans"/>
+        <a:font typeface="新細明體" script="Hant"/>
+        <a:font typeface="Arial" script="Arab"/>
+        <a:font typeface="Arial" script="Hebr"/>
+        <a:font typeface="Cordia New" script="Thai"/>
+        <a:font typeface="Nyala" script="Ethi"/>
+        <a:font typeface="Vrinda" script="Beng"/>
+        <a:font typeface="Shruti" script="Gujr"/>
+        <a:font typeface="DaunPenh" script="Khmr"/>
+        <a:font typeface="Tunga" script="Knda"/>
+        <a:font typeface="Raavi" script="Guru"/>
+        <a:font typeface="Euphemia" script="Cans"/>
+        <a:font typeface="Plantagenet Cherokee" script="Cher"/>
+        <a:font typeface="Microsoft Yi Baiti" script="Yiii"/>
+        <a:font typeface="Microsoft Himalaya" script="Tibt"/>
+        <a:font typeface="MV Boli" script="Thaa"/>
+        <a:font typeface="Mangal" script="Deva"/>
+        <a:font typeface="Gautami" script="Telu"/>
+        <a:font typeface="Latha" script="Taml"/>
+        <a:font typeface="Estrangelo Edessa" script="Syrc"/>
+        <a:font typeface="Kalinga" script="Orya"/>
+        <a:font typeface="Kartika" script="Mlym"/>
+        <a:font typeface="DokChampa" script="Laoo"/>
+        <a:font typeface="Iskoola Pota" script="Sinh"/>
+        <a:font typeface="Mongolian Baiti" script="Mong"/>
+        <a:font typeface="Arial" script="Viet"/>
+        <a:font typeface="Microsoft Uighur" script="Uigh"/>
       </a:minorFont>
     </a:fontScheme>
     <a:fmtScheme name="Office">
@@ -6347,7 +5840,7 @@
         </a:gradFill>
       </a:fillStyleLst>
       <a:lnStyleLst>
-        <a:ln w="9525" cap="flat" cmpd="sng" algn="ctr">
+        <a:ln w="9525" algn="ctr" cap="flat" cmpd="sng">
           <a:solidFill>
             <a:schemeClr val="phClr">
               <a:shade val="95000"/>
@@ -6356,13 +5849,13 @@
           </a:solidFill>
           <a:prstDash val="solid"/>
         </a:ln>
-        <a:ln w="25400" cap="flat" cmpd="sng" algn="ctr">
+        <a:ln w="25400" algn="ctr" cap="flat" cmpd="sng">
           <a:solidFill>
             <a:schemeClr val="phClr"/>
           </a:solidFill>
           <a:prstDash val="solid"/>
         </a:ln>
-        <a:ln w="38100" cap="flat" cmpd="sng" algn="ctr">
+        <a:ln w="38100" algn="ctr" cap="flat" cmpd="sng">
           <a:solidFill>
             <a:schemeClr val="phClr"/>
           </a:solidFill>
@@ -6372,7 +5865,7 @@
       <a:effectStyleLst>
         <a:effectStyle>
           <a:effectLst>
-            <a:outerShdw blurRad="40000" dist="20000" dir="5400000" rotWithShape="0">
+            <a:outerShdw rotWithShape="0" dir="5400000" blurRad="40000" dist="20000">
               <a:srgbClr val="000000">
                 <a:alpha val="38000"/>
               </a:srgbClr>
@@ -6381,7 +5874,7 @@
         </a:effectStyle>
         <a:effectStyle>
           <a:effectLst>
-            <a:outerShdw blurRad="40000" dist="23000" dir="5400000" rotWithShape="0">
+            <a:outerShdw rotWithShape="0" dir="5400000" blurRad="40000" dist="23000">
               <a:srgbClr val="000000">
                 <a:alpha val="35000"/>
               </a:srgbClr>
@@ -6390,7 +5883,7 @@
         </a:effectStyle>
         <a:effectStyle>
           <a:effectLst>
-            <a:outerShdw blurRad="40000" dist="23000" dir="5400000" rotWithShape="0">
+            <a:outerShdw rotWithShape="0" dir="5400000" blurRad="40000" dist="23000">
               <a:srgbClr val="000000">
                 <a:alpha val="35000"/>
               </a:srgbClr>
@@ -6398,10 +5891,10 @@
           </a:effectLst>
           <a:scene3d>
             <a:camera prst="orthographicFront">
-              <a:rot lat="0" lon="0" rev="0"/>
+              <a:rot rev="0" lon="0" lat="0"/>
             </a:camera>
-            <a:lightRig rig="threePt" dir="t">
-              <a:rot lat="0" lon="0" rev="1200000"/>
+            <a:lightRig dir="t" rig="threePt">
+              <a:rot rev="1200000" lon="0" lat="0"/>
             </a:lightRig>
           </a:scene3d>
           <a:sp3d>
@@ -6436,7 +5929,7 @@
             </a:gs>
           </a:gsLst>
           <a:path path="circle">
-            <a:fillToRect l="50000" t="-80000" r="50000" b="180000"/>
+            <a:fillToRect t="-80000" b="180000" r="50000" l="50000"/>
           </a:path>
         </a:gradFill>
         <a:gradFill rotWithShape="1">
@@ -6455,13 +5948,329 @@
             </a:gs>
           </a:gsLst>
           <a:path path="circle">
-            <a:fillToRect l="50000" t="50000" r="50000" b="50000"/>
+            <a:fillToRect t="50000" b="50000" r="50000" l="50000"/>
           </a:path>
         </a:gradFill>
       </a:bgFillStyleLst>
     </a:fmtScheme>
   </a:themeElements>
-  <a:objectDefaults/>
+  <a:objectDefaults>
+    <a:spDef>
+      <a:spPr/>
+      <a:bodyPr/>
+      <a:lstStyle/>
+      <a:style>
+        <a:lnRef idx="1">
+          <a:schemeClr val="accent1"/>
+        </a:lnRef>
+        <a:fillRef idx="3">
+          <a:schemeClr val="accent1"/>
+        </a:fillRef>
+        <a:effectRef idx="2">
+          <a:schemeClr val="accent1"/>
+        </a:effectRef>
+        <a:fontRef idx="minor">
+          <a:schemeClr val="lt1"/>
+        </a:fontRef>
+      </a:style>
+    </a:spDef>
+    <a:lnDef>
+      <a:spPr/>
+      <a:bodyPr/>
+      <a:lstStyle/>
+      <a:style>
+        <a:lnRef idx="2">
+          <a:schemeClr val="accent1"/>
+        </a:lnRef>
+        <a:fillRef idx="0">
+          <a:schemeClr val="accent1"/>
+        </a:fillRef>
+        <a:effectRef idx="1">
+          <a:schemeClr val="accent1"/>
+        </a:effectRef>
+        <a:fontRef idx="minor">
+          <a:schemeClr val="tx1"/>
+        </a:fontRef>
+      </a:style>
+    </a:lnDef>
+  </a:objectDefaults>
   <a:extraClrSchemeLst/>
 </a:theme>
+</file>
+
+<file path=ppt/theme/theme3.xml><?xml version="1.0" encoding="utf-8"?>
+<a:theme xmlns:a="http://schemas.openxmlformats.org/drawingml/2006/main" xmlns:r="http://schemas.openxmlformats.org/officeDocument/2006/relationships" name="Custom Theme">
+  <a:themeElements>
+    <a:clrScheme name="Default">
+      <a:dk1>
+        <a:srgbClr val="000000"/>
+      </a:dk1>
+      <a:lt1>
+        <a:srgbClr val="FFFFFF"/>
+      </a:lt1>
+      <a:dk2>
+        <a:srgbClr val="158158"/>
+      </a:dk2>
+      <a:lt2>
+        <a:srgbClr val="F3F3F3"/>
+      </a:lt2>
+      <a:accent1>
+        <a:srgbClr val="058DC7"/>
+      </a:accent1>
+      <a:accent2>
+        <a:srgbClr val="50B432"/>
+      </a:accent2>
+      <a:accent3>
+        <a:srgbClr val="ED561B"/>
+      </a:accent3>
+      <a:accent4>
+        <a:srgbClr val="EDEF00"/>
+      </a:accent4>
+      <a:accent5>
+        <a:srgbClr val="24CBE5"/>
+      </a:accent5>
+      <a:accent6>
+        <a:srgbClr val="64E572"/>
+      </a:accent6>
+      <a:hlink>
+        <a:srgbClr val="2200CC"/>
+      </a:hlink>
+      <a:folHlink>
+        <a:srgbClr val="551A8B"/>
+      </a:folHlink>
+    </a:clrScheme>
+    <a:fontScheme name="Office">
+      <a:majorFont>
+        <a:latin typeface="Arial"/>
+        <a:ea typeface=""/>
+        <a:cs typeface=""/>
+        <a:font typeface="ＭＳ Ｐゴシック" script="Jpan"/>
+        <a:font typeface="맑은 고딕" script="Hang"/>
+        <a:font typeface="宋体" script="Hans"/>
+        <a:font typeface="新細明體" script="Hant"/>
+        <a:font typeface="Times New Roman" script="Arab"/>
+        <a:font typeface="Times New Roman" script="Hebr"/>
+        <a:font typeface="Angsana New" script="Thai"/>
+        <a:font typeface="Nyala" script="Ethi"/>
+        <a:font typeface="Vrinda" script="Beng"/>
+        <a:font typeface="Shruti" script="Gujr"/>
+        <a:font typeface="MoolBoran" script="Khmr"/>
+        <a:font typeface="Tunga" script="Knda"/>
+        <a:font typeface="Raavi" script="Guru"/>
+        <a:font typeface="Euphemia" script="Cans"/>
+        <a:font typeface="Plantagenet Cherokee" script="Cher"/>
+        <a:font typeface="Microsoft Yi Baiti" script="Yiii"/>
+        <a:font typeface="Microsoft Himalaya" script="Tibt"/>
+        <a:font typeface="MV Boli" script="Thaa"/>
+        <a:font typeface="Mangal" script="Deva"/>
+        <a:font typeface="Gautami" script="Telu"/>
+        <a:font typeface="Latha" script="Taml"/>
+        <a:font typeface="Estrangelo Edessa" script="Syrc"/>
+        <a:font typeface="Kalinga" script="Orya"/>
+        <a:font typeface="Kartika" script="Mlym"/>
+        <a:font typeface="DokChampa" script="Laoo"/>
+        <a:font typeface="Iskoola Pota" script="Sinh"/>
+        <a:font typeface="Mongolian Baiti" script="Mong"/>
+        <a:font typeface="Times New Roman" script="Viet"/>
+        <a:font typeface="Microsoft Uighur" script="Uigh"/>
+      </a:majorFont>
+      <a:minorFont>
+        <a:latin typeface="Arial"/>
+        <a:ea typeface=""/>
+        <a:cs typeface=""/>
+        <a:font typeface="ＭＳ Ｐゴシック" script="Jpan"/>
+        <a:font typeface="맑은 고딕" script="Hang"/>
+        <a:font typeface="宋体" script="Hans"/>
+        <a:font typeface="新細明體" script="Hant"/>
+        <a:font typeface="Arial" script="Arab"/>
+        <a:font typeface="Arial" script="Hebr"/>
+        <a:font typeface="Cordia New" script="Thai"/>
+        <a:font typeface="Nyala" script="Ethi"/>
+        <a:font typeface="Vrinda" script="Beng"/>
+        <a:font typeface="Shruti" script="Gujr"/>
+        <a:font typeface="DaunPenh" script="Khmr"/>
+        <a:font typeface="Tunga" script="Knda"/>
+        <a:font typeface="Raavi" script="Guru"/>
+        <a:font typeface="Euphemia" script="Cans"/>
+        <a:font typeface="Plantagenet Cherokee" script="Cher"/>
+        <a:font typeface="Microsoft Yi Baiti" script="Yiii"/>
+        <a:font typeface="Microsoft Himalaya" script="Tibt"/>
+        <a:font typeface="MV Boli" script="Thaa"/>
+        <a:font typeface="Mangal" script="Deva"/>
+        <a:font typeface="Gautami" script="Telu"/>
+        <a:font typeface="Latha" script="Taml"/>
+        <a:font typeface="Estrangelo Edessa" script="Syrc"/>
+        <a:font typeface="Kalinga" script="Orya"/>
+        <a:font typeface="Kartika" script="Mlym"/>
+        <a:font typeface="DokChampa" script="Laoo"/>
+        <a:font typeface="Iskoola Pota" script="Sinh"/>
+        <a:font typeface="Mongolian Baiti" script="Mong"/>
+        <a:font typeface="Arial" script="Viet"/>
+        <a:font typeface="Microsoft Uighur" script="Uigh"/>
+      </a:minorFont>
+    </a:fontScheme>
+    <a:fmtScheme name="Office">
+      <a:fillStyleLst>
+        <a:solidFill>
+          <a:schemeClr val="phClr"/>
+        </a:solidFill>
+        <a:gradFill rotWithShape="1">
+          <a:gsLst>
+            <a:gs pos="0">
+              <a:schemeClr val="phClr">
+                <a:tint val="50000"/>
+                <a:satMod val="300000"/>
+              </a:schemeClr>
+            </a:gs>
+            <a:gs pos="35000">
+              <a:schemeClr val="phClr">
+                <a:tint val="37000"/>
+                <a:satMod val="300000"/>
+              </a:schemeClr>
+            </a:gs>
+            <a:gs pos="100000">
+              <a:schemeClr val="phClr">
+                <a:tint val="15000"/>
+                <a:satMod val="350000"/>
+              </a:schemeClr>
+            </a:gs>
+          </a:gsLst>
+          <a:lin ang="16200000" scaled="1"/>
+        </a:gradFill>
+        <a:gradFill rotWithShape="1">
+          <a:gsLst>
+            <a:gs pos="0">
+              <a:schemeClr val="phClr">
+                <a:tint val="100000"/>
+                <a:shade val="100000"/>
+                <a:satMod val="130000"/>
+              </a:schemeClr>
+            </a:gs>
+            <a:gs pos="100000">
+              <a:schemeClr val="phClr">
+                <a:tint val="50000"/>
+                <a:shade val="100000"/>
+                <a:satMod val="350000"/>
+              </a:schemeClr>
+            </a:gs>
+          </a:gsLst>
+          <a:lin ang="16200000" scaled="0"/>
+        </a:gradFill>
+      </a:fillStyleLst>
+      <a:lnStyleLst>
+        <a:ln w="9525" algn="ctr" cap="flat" cmpd="sng">
+          <a:solidFill>
+            <a:schemeClr val="phClr">
+              <a:shade val="95000"/>
+              <a:satMod val="105000"/>
+            </a:schemeClr>
+          </a:solidFill>
+          <a:prstDash val="solid"/>
+        </a:ln>
+        <a:ln w="25400" algn="ctr" cap="flat" cmpd="sng">
+          <a:solidFill>
+            <a:schemeClr val="phClr"/>
+          </a:solidFill>
+          <a:prstDash val="solid"/>
+        </a:ln>
+        <a:ln w="38100" algn="ctr" cap="flat" cmpd="sng">
+          <a:solidFill>
+            <a:schemeClr val="phClr"/>
+          </a:solidFill>
+          <a:prstDash val="solid"/>
+        </a:ln>
+      </a:lnStyleLst>
+      <a:effectStyleLst>
+        <a:effectStyle>
+          <a:effectLst>
+            <a:outerShdw rotWithShape="0" dir="5400000" blurRad="40000" dist="20000">
+              <a:srgbClr val="000000">
+                <a:alpha val="38000"/>
+              </a:srgbClr>
+            </a:outerShdw>
+          </a:effectLst>
+        </a:effectStyle>
+        <a:effectStyle>
+          <a:effectLst>
+            <a:outerShdw rotWithShape="0" dir="5400000" blurRad="40000" dist="23000">
+              <a:srgbClr val="000000">
+                <a:alpha val="35000"/>
+              </a:srgbClr>
+            </a:outerShdw>
+          </a:effectLst>
+        </a:effectStyle>
+        <a:effectStyle>
+          <a:effectLst>
+            <a:outerShdw rotWithShape="0" dir="5400000" blurRad="40000" dist="23000">
+              <a:srgbClr val="000000">
+                <a:alpha val="35000"/>
+              </a:srgbClr>
+            </a:outerShdw>
+          </a:effectLst>
+          <a:scene3d>
+            <a:camera prst="orthographicFront">
+              <a:rot rev="0" lon="0" lat="0"/>
+            </a:camera>
+            <a:lightRig dir="t" rig="threePt">
+              <a:rot rev="1200000" lon="0" lat="0"/>
+            </a:lightRig>
+          </a:scene3d>
+          <a:sp3d>
+            <a:bevelT w="63500" h="25400"/>
+          </a:sp3d>
+        </a:effectStyle>
+      </a:effectStyleLst>
+      <a:bgFillStyleLst>
+        <a:solidFill>
+          <a:schemeClr val="phClr"/>
+        </a:solidFill>
+        <a:gradFill rotWithShape="1">
+          <a:gsLst>
+            <a:gs pos="0">
+              <a:schemeClr val="phClr">
+                <a:tint val="40000"/>
+                <a:satMod val="350000"/>
+              </a:schemeClr>
+            </a:gs>
+            <a:gs pos="40000">
+              <a:schemeClr val="phClr">
+                <a:tint val="45000"/>
+                <a:shade val="99000"/>
+                <a:satMod val="350000"/>
+              </a:schemeClr>
+            </a:gs>
+            <a:gs pos="100000">
+              <a:schemeClr val="phClr">
+                <a:shade val="20000"/>
+                <a:satMod val="255000"/>
+              </a:schemeClr>
+            </a:gs>
+          </a:gsLst>
+          <a:path path="circle">
+            <a:fillToRect t="-80000" b="180000" r="50000" l="50000"/>
+          </a:path>
+        </a:gradFill>
+        <a:gradFill rotWithShape="1">
+          <a:gsLst>
+            <a:gs pos="0">
+              <a:schemeClr val="phClr">
+                <a:tint val="80000"/>
+                <a:satMod val="300000"/>
+              </a:schemeClr>
+            </a:gs>
+            <a:gs pos="100000">
+              <a:schemeClr val="phClr">
+                <a:shade val="30000"/>
+                <a:satMod val="200000"/>
+              </a:schemeClr>
+            </a:gs>
+          </a:gsLst>
+          <a:path path="circle">
+            <a:fillToRect t="50000" b="50000" r="50000" l="50000"/>
+          </a:path>
+        </a:gradFill>
+      </a:bgFillStyleLst>
+    </a:fmtScheme>
+  </a:themeElements>
+</a:theme>
 </file>